--- a/20190528.pptx
+++ b/20190528.pptx
@@ -11672,7 +11672,35 @@
                 <a:latin typeface="Calibri Light"/>
                 <a:cs typeface="Calibri Light"/>
               </a:rPr>
-              <a:t>Kapitel fünf</a:t>
+              <a:t>Kommunikation als </a:t>
+            </a:r>
+            <a:r>
+              <a:rPr lang="de-DE" sz="5400" cap="all" dirty="0" err="1">
+                <a:latin typeface="Calibri Light"/>
+                <a:cs typeface="Calibri Light"/>
+              </a:rPr>
+              <a:t>pflicht</a:t>
+            </a:r>
+            <a:r>
+              <a:rPr lang="de-DE" sz="5400" cap="all" dirty="0">
+                <a:latin typeface="Calibri Light"/>
+                <a:cs typeface="Calibri Light"/>
+              </a:rPr>
+              <a:t> und kür eines </a:t>
+            </a:r>
+            <a:r>
+              <a:rPr lang="de-DE" sz="5400" cap="all" dirty="0" err="1">
+                <a:latin typeface="Calibri Light"/>
+                <a:cs typeface="Calibri Light"/>
+              </a:rPr>
+              <a:t>it</a:t>
+            </a:r>
+            <a:r>
+              <a:rPr lang="de-DE" sz="5400" cap="all" dirty="0">
+                <a:latin typeface="Calibri Light"/>
+                <a:cs typeface="Calibri Light"/>
+              </a:rPr>
+              <a:t>-managers</a:t>
             </a:r>
             <a:endParaRPr lang="de-DE" sz="5400" cap="all" dirty="0">
               <a:cs typeface="Calibri Light"/>
@@ -16770,8 +16798,17 @@
               <a:rPr lang="de-DE" dirty="0">
                 <a:ea typeface="+mn-ea"/>
               </a:rPr>
-              <a:t>Kapitel 5</a:t>
-            </a:r>
+              <a:t>Kommunikation als Pflicht und Kür </a:t>
+            </a:r>
+            <a:r>
+              <a:rPr lang="de-DE">
+                <a:ea typeface="+mn-ea"/>
+              </a:rPr>
+              <a:t>eines IT-Managers</a:t>
+            </a:r>
+            <a:endParaRPr lang="de-DE" dirty="0">
+              <a:ea typeface="+mn-ea"/>
+            </a:endParaRPr>
           </a:p>
           <a:p>
             <a:pPr eaLnBrk="1" fontAlgn="auto" hangingPunct="1">
@@ -33972,11 +34009,11 @@
   <p:clrMapOvr>
     <a:masterClrMapping/>
   </p:clrMapOvr>
-  <mc:AlternateContent xmlns:mc="http://schemas.openxmlformats.org/markup-compatibility/2006">
-    <mc:Choice xmlns:p14="http://schemas.microsoft.com/office/powerpoint/2010/main" Requires="p14">
+  <mc:AlternateContent xmlns:mc="http://schemas.openxmlformats.org/markup-compatibility/2006" xmlns:p14="http://schemas.microsoft.com/office/powerpoint/2010/main">
+    <mc:Choice Requires="p14">
       <p:transition p14:dur="10"/>
     </mc:Choice>
-    <mc:Fallback>
+    <mc:Fallback xmlns="">
       <p:transition/>
     </mc:Fallback>
   </mc:AlternateContent>

--- a/20190528.pptx
+++ b/20190528.pptx
@@ -5,10 +5,10 @@
     <p:sldMasterId id="2147483648" r:id="rId1"/>
   </p:sldMasterIdLst>
   <p:notesMasterIdLst>
-    <p:notesMasterId r:id="rId45"/>
+    <p:notesMasterId r:id="rId44"/>
   </p:notesMasterIdLst>
   <p:handoutMasterIdLst>
-    <p:handoutMasterId r:id="rId46"/>
+    <p:handoutMasterId r:id="rId45"/>
   </p:handoutMasterIdLst>
   <p:sldIdLst>
     <p:sldId id="320" r:id="rId2"/>
@@ -22,38 +22,37 @@
     <p:sldId id="329" r:id="rId10"/>
     <p:sldId id="330" r:id="rId11"/>
     <p:sldId id="335" r:id="rId12"/>
-    <p:sldId id="336" r:id="rId13"/>
-    <p:sldId id="337" r:id="rId14"/>
-    <p:sldId id="338" r:id="rId15"/>
-    <p:sldId id="339" r:id="rId16"/>
-    <p:sldId id="340" r:id="rId17"/>
-    <p:sldId id="341" r:id="rId18"/>
-    <p:sldId id="342" r:id="rId19"/>
-    <p:sldId id="344" r:id="rId20"/>
-    <p:sldId id="345" r:id="rId21"/>
-    <p:sldId id="346" r:id="rId22"/>
-    <p:sldId id="347" r:id="rId23"/>
-    <p:sldId id="348" r:id="rId24"/>
-    <p:sldId id="331" r:id="rId25"/>
-    <p:sldId id="332" r:id="rId26"/>
-    <p:sldId id="333" r:id="rId27"/>
-    <p:sldId id="334" r:id="rId28"/>
-    <p:sldId id="323" r:id="rId29"/>
-    <p:sldId id="318" r:id="rId30"/>
-    <p:sldId id="281" r:id="rId31"/>
-    <p:sldId id="309" r:id="rId32"/>
-    <p:sldId id="295" r:id="rId33"/>
-    <p:sldId id="313" r:id="rId34"/>
-    <p:sldId id="314" r:id="rId35"/>
-    <p:sldId id="316" r:id="rId36"/>
-    <p:sldId id="306" r:id="rId37"/>
-    <p:sldId id="307" r:id="rId38"/>
-    <p:sldId id="310" r:id="rId39"/>
-    <p:sldId id="315" r:id="rId40"/>
-    <p:sldId id="311" r:id="rId41"/>
-    <p:sldId id="317" r:id="rId42"/>
-    <p:sldId id="296" r:id="rId43"/>
-    <p:sldId id="312" r:id="rId44"/>
+    <p:sldId id="337" r:id="rId13"/>
+    <p:sldId id="338" r:id="rId14"/>
+    <p:sldId id="339" r:id="rId15"/>
+    <p:sldId id="340" r:id="rId16"/>
+    <p:sldId id="341" r:id="rId17"/>
+    <p:sldId id="342" r:id="rId18"/>
+    <p:sldId id="344" r:id="rId19"/>
+    <p:sldId id="345" r:id="rId20"/>
+    <p:sldId id="346" r:id="rId21"/>
+    <p:sldId id="347" r:id="rId22"/>
+    <p:sldId id="348" r:id="rId23"/>
+    <p:sldId id="331" r:id="rId24"/>
+    <p:sldId id="332" r:id="rId25"/>
+    <p:sldId id="333" r:id="rId26"/>
+    <p:sldId id="334" r:id="rId27"/>
+    <p:sldId id="323" r:id="rId28"/>
+    <p:sldId id="318" r:id="rId29"/>
+    <p:sldId id="281" r:id="rId30"/>
+    <p:sldId id="309" r:id="rId31"/>
+    <p:sldId id="295" r:id="rId32"/>
+    <p:sldId id="313" r:id="rId33"/>
+    <p:sldId id="314" r:id="rId34"/>
+    <p:sldId id="316" r:id="rId35"/>
+    <p:sldId id="306" r:id="rId36"/>
+    <p:sldId id="307" r:id="rId37"/>
+    <p:sldId id="310" r:id="rId38"/>
+    <p:sldId id="315" r:id="rId39"/>
+    <p:sldId id="311" r:id="rId40"/>
+    <p:sldId id="317" r:id="rId41"/>
+    <p:sldId id="296" r:id="rId42"/>
+    <p:sldId id="312" r:id="rId43"/>
   </p:sldIdLst>
   <p:sldSz cx="9144000" cy="6858000" type="screen4x3"/>
   <p:notesSz cx="6858000" cy="9144000"/>
@@ -198,7 +197,6 @@
             <p14:sldId id="329"/>
             <p14:sldId id="330"/>
             <p14:sldId id="335"/>
-            <p14:sldId id="336"/>
             <p14:sldId id="337"/>
             <p14:sldId id="338"/>
             <p14:sldId id="339"/>
@@ -3455,7 +3453,7 @@
               <a:pPr>
                 <a:defRPr/>
               </a:pPr>
-              <a:t>04.04.2019</a:t>
+              <a:t>21.05.2019</a:t>
             </a:fld>
             <a:endParaRPr lang="de-DE" altLang="de-DE"/>
           </a:p>
@@ -3550,7 +3548,7 @@
             <a:fld id="{2617F063-91BD-410B-94A2-E57C2EBBBC2C}" type="slidenum">
               <a:rPr lang="de-DE" altLang="de-DE"/>
               <a:pPr/>
-              <a:t>‹Nr.›</a:t>
+              <a:t>‹#›</a:t>
             </a:fld>
             <a:endParaRPr lang="de-DE" altLang="de-DE"/>
           </a:p>
@@ -3682,7 +3680,7 @@
               <a:pPr>
                 <a:defRPr/>
               </a:pPr>
-              <a:t>04.04.2019</a:t>
+              <a:t>21.05.2019</a:t>
             </a:fld>
             <a:endParaRPr lang="de-DE" altLang="de-DE"/>
           </a:p>
@@ -3886,7 +3884,7 @@
             <a:fld id="{A424CE6A-E3A3-4197-B199-1FE81C995C33}" type="slidenum">
               <a:rPr lang="de-DE" altLang="de-DE"/>
               <a:pPr/>
-              <a:t>‹Nr.›</a:t>
+              <a:t>‹#›</a:t>
             </a:fld>
             <a:endParaRPr lang="de-DE" altLang="de-DE"/>
           </a:p>
@@ -4242,7 +4240,7 @@
     </p:spTree>
     <p:extLst>
       <p:ext uri="{BB962C8B-B14F-4D97-AF65-F5344CB8AC3E}">
-        <p14:creationId xmlns:p14="http://schemas.microsoft.com/office/powerpoint/2010/main" val="2060394434"/>
+        <p14:creationId xmlns:p14="http://schemas.microsoft.com/office/powerpoint/2010/main" val="2552017416"/>
       </p:ext>
     </p:extLst>
   </p:cSld>
@@ -4370,7 +4368,7 @@
     </p:spTree>
     <p:extLst>
       <p:ext uri="{BB962C8B-B14F-4D97-AF65-F5344CB8AC3E}">
-        <p14:creationId xmlns:p14="http://schemas.microsoft.com/office/powerpoint/2010/main" val="2552017416"/>
+        <p14:creationId xmlns:p14="http://schemas.microsoft.com/office/powerpoint/2010/main" val="1431182703"/>
       </p:ext>
     </p:extLst>
   </p:cSld>
@@ -4490,134 +4488,6 @@
               <a:rPr lang="de-DE" altLang="de-DE" smtClean="0"/>
               <a:pPr/>
               <a:t>22</a:t>
-            </a:fld>
-            <a:endParaRPr lang="de-DE" altLang="de-DE"/>
-          </a:p>
-        </p:txBody>
-      </p:sp>
-    </p:spTree>
-    <p:extLst>
-      <p:ext uri="{BB962C8B-B14F-4D97-AF65-F5344CB8AC3E}">
-        <p14:creationId xmlns:p14="http://schemas.microsoft.com/office/powerpoint/2010/main" val="1431182703"/>
-      </p:ext>
-    </p:extLst>
-  </p:cSld>
-  <p:clrMapOvr>
-    <a:masterClrMapping/>
-  </p:clrMapOvr>
-</p:notes>
-</file>
-
-<file path=ppt/notesSlides/notesSlide13.xml><?xml version="1.0" encoding="utf-8"?>
-<p:notes xmlns:a="http://schemas.openxmlformats.org/drawingml/2006/main" xmlns:r="http://schemas.openxmlformats.org/officeDocument/2006/relationships" xmlns:p="http://schemas.openxmlformats.org/presentationml/2006/main">
-  <p:cSld>
-    <p:spTree>
-      <p:nvGrpSpPr>
-        <p:cNvPr id="1" name=""/>
-        <p:cNvGrpSpPr/>
-        <p:nvPr/>
-      </p:nvGrpSpPr>
-      <p:grpSpPr>
-        <a:xfrm>
-          <a:off x="0" y="0"/>
-          <a:ext cx="0" cy="0"/>
-          <a:chOff x="0" y="0"/>
-          <a:chExt cx="0" cy="0"/>
-        </a:xfrm>
-      </p:grpSpPr>
-      <p:sp>
-        <p:nvSpPr>
-          <p:cNvPr id="2" name="Folienbildplatzhalter 1"/>
-          <p:cNvSpPr>
-            <a:spLocks noGrp="1" noRot="1" noChangeAspect="1"/>
-          </p:cNvSpPr>
-          <p:nvPr>
-            <p:ph type="sldImg"/>
-          </p:nvPr>
-        </p:nvSpPr>
-        <p:spPr/>
-      </p:sp>
-      <p:sp>
-        <p:nvSpPr>
-          <p:cNvPr id="3" name="Notizenplatzhalter 2"/>
-          <p:cNvSpPr>
-            <a:spLocks noGrp="1"/>
-          </p:cNvSpPr>
-          <p:nvPr>
-            <p:ph type="body" idx="1"/>
-          </p:nvPr>
-        </p:nvSpPr>
-        <p:spPr/>
-        <p:txBody>
-          <a:bodyPr/>
-          <a:lstStyle/>
-          <a:p>
-            <a:r>
-              <a:rPr lang="de-DE" noProof="0" dirty="0"/>
-              <a:t>Key-User</a:t>
-            </a:r>
-          </a:p>
-          <a:p>
-            <a:pPr marL="171450" indent="-171450">
-              <a:buFont typeface="Arial" panose="020B0604020202020204" pitchFamily="34" charset="0"/>
-              <a:buChar char="•"/>
-            </a:pPr>
-            <a:r>
-              <a:rPr lang="de-DE" noProof="0" dirty="0"/>
-              <a:t>Beliebtes Konzept um neue IT-Produkte in einer Abteilung/Team einzuführen</a:t>
-            </a:r>
-          </a:p>
-          <a:p>
-            <a:pPr marL="171450" indent="-171450">
-              <a:buFont typeface="Arial" panose="020B0604020202020204" pitchFamily="34" charset="0"/>
-              <a:buChar char="•"/>
-            </a:pPr>
-            <a:r>
-              <a:rPr lang="de-DE" noProof="0" dirty="0"/>
-              <a:t>Einzelne Mitarbeiter des Teams werden speziell geschult um Fragen vor Ort von den Kollegen zu beantworten</a:t>
-            </a:r>
-          </a:p>
-          <a:p>
-            <a:pPr marL="171450" indent="-171450">
-              <a:buFont typeface="Arial" panose="020B0604020202020204" pitchFamily="34" charset="0"/>
-              <a:buChar char="•"/>
-            </a:pPr>
-            <a:r>
-              <a:rPr lang="de-DE" noProof="0" dirty="0"/>
-              <a:t>Lernen von „eigenen“ Kollegen ist effektiv</a:t>
-            </a:r>
-          </a:p>
-          <a:p>
-            <a:pPr marL="171450" indent="-171450">
-              <a:buFont typeface="Arial" panose="020B0604020202020204" pitchFamily="34" charset="0"/>
-              <a:buChar char="•"/>
-            </a:pPr>
-            <a:r>
-              <a:rPr lang="de-DE" noProof="0" dirty="0"/>
-              <a:t>Key-User sind ein wichtiger Feedback-Kanal für die IT-Abteilung</a:t>
-            </a:r>
-          </a:p>
-        </p:txBody>
-      </p:sp>
-      <p:sp>
-        <p:nvSpPr>
-          <p:cNvPr id="4" name="Foliennummernplatzhalter 3"/>
-          <p:cNvSpPr>
-            <a:spLocks noGrp="1"/>
-          </p:cNvSpPr>
-          <p:nvPr>
-            <p:ph type="sldNum" sz="quarter" idx="5"/>
-          </p:nvPr>
-        </p:nvSpPr>
-        <p:spPr/>
-        <p:txBody>
-          <a:bodyPr/>
-          <a:lstStyle/>
-          <a:p>
-            <a:fld id="{A424CE6A-E3A3-4197-B199-1FE81C995C33}" type="slidenum">
-              <a:rPr lang="de-DE" altLang="de-DE" smtClean="0"/>
-              <a:pPr/>
-              <a:t>23</a:t>
             </a:fld>
             <a:endParaRPr lang="de-DE" altLang="de-DE"/>
           </a:p>
@@ -4680,154 +4550,6 @@
           <a:bodyPr/>
           <a:lstStyle/>
           <a:p>
-            <a:r>
-              <a:rPr lang="en-GB" dirty="0" err="1"/>
-              <a:t>Handlungsfelder</a:t>
-            </a:r>
-            <a:r>
-              <a:rPr lang="en-GB" dirty="0"/>
-              <a:t>:</a:t>
-            </a:r>
-          </a:p>
-          <a:p>
-            <a:pPr marL="171450" indent="-171450" fontAlgn="base">
-              <a:buFont typeface="Arial" panose="020B0604020202020204" pitchFamily="34" charset="0"/>
-              <a:buChar char="•"/>
-            </a:pPr>
-            <a:r>
-              <a:rPr lang="de-DE" sz="1200" b="0" i="0" kern="1200" dirty="0">
-                <a:solidFill>
-                  <a:schemeClr val="tx1"/>
-                </a:solidFill>
-                <a:effectLst/>
-                <a:latin typeface="+mn-lt"/>
-                <a:ea typeface="ヒラギノ角ゴ Pro W3" pitchFamily="125" charset="-128"/>
-                <a:cs typeface="+mn-cs"/>
-              </a:rPr>
-              <a:t>Die IT-Strategie muss an die Strategie des Gesamtunternehmens angepasst werden (Strategic Alignment)</a:t>
-            </a:r>
-          </a:p>
-          <a:p>
-            <a:pPr marL="171450" indent="-171450" fontAlgn="base">
-              <a:buFont typeface="Arial" panose="020B0604020202020204" pitchFamily="34" charset="0"/>
-              <a:buChar char="•"/>
-            </a:pPr>
-            <a:r>
-              <a:rPr lang="de-DE" sz="1200" b="0" i="0" kern="1200" dirty="0">
-                <a:solidFill>
-                  <a:schemeClr val="tx1"/>
-                </a:solidFill>
-                <a:effectLst/>
-                <a:latin typeface="+mn-lt"/>
-                <a:ea typeface="ヒラギノ角ゴ Pro W3" pitchFamily="125" charset="-128"/>
-                <a:cs typeface="+mn-cs"/>
-              </a:rPr>
-              <a:t>Der Wertbeitrag der IT zum Unternehmenserfolg ist zu messen und zu bewerten (Value </a:t>
-            </a:r>
-            <a:r>
-              <a:rPr lang="de-DE" sz="1200" b="0" i="0" kern="1200" dirty="0" err="1">
-                <a:solidFill>
-                  <a:schemeClr val="tx1"/>
-                </a:solidFill>
-                <a:effectLst/>
-                <a:latin typeface="+mn-lt"/>
-                <a:ea typeface="ヒラギノ角ゴ Pro W3" pitchFamily="125" charset="-128"/>
-                <a:cs typeface="+mn-cs"/>
-              </a:rPr>
-              <a:t>Delivery</a:t>
-            </a:r>
-            <a:r>
-              <a:rPr lang="de-DE" sz="1200" b="0" i="0" kern="1200" dirty="0">
-                <a:solidFill>
-                  <a:schemeClr val="tx1"/>
-                </a:solidFill>
-                <a:effectLst/>
-                <a:latin typeface="+mn-lt"/>
-                <a:ea typeface="ヒラギノ角ゴ Pro W3" pitchFamily="125" charset="-128"/>
-                <a:cs typeface="+mn-cs"/>
-              </a:rPr>
-              <a:t>)</a:t>
-            </a:r>
-          </a:p>
-          <a:p>
-            <a:pPr marL="171450" indent="-171450" fontAlgn="base">
-              <a:buFont typeface="Arial" panose="020B0604020202020204" pitchFamily="34" charset="0"/>
-              <a:buChar char="•"/>
-            </a:pPr>
-            <a:r>
-              <a:rPr lang="de-DE" sz="1200" b="0" i="0" kern="1200" dirty="0">
-                <a:solidFill>
-                  <a:schemeClr val="tx1"/>
-                </a:solidFill>
-                <a:effectLst/>
-                <a:latin typeface="+mn-lt"/>
-                <a:ea typeface="ヒラギノ角ゴ Pro W3" pitchFamily="125" charset="-128"/>
-                <a:cs typeface="+mn-cs"/>
-              </a:rPr>
-              <a:t>Risiken sind zu identifizieren und zu managen (Risk Management)</a:t>
-            </a:r>
-          </a:p>
-          <a:p>
-            <a:pPr marL="171450" indent="-171450" fontAlgn="base">
-              <a:buFont typeface="Arial" panose="020B0604020202020204" pitchFamily="34" charset="0"/>
-              <a:buChar char="•"/>
-            </a:pPr>
-            <a:r>
-              <a:rPr lang="de-DE" sz="1200" b="0" i="0" kern="1200" dirty="0">
-                <a:solidFill>
-                  <a:schemeClr val="tx1"/>
-                </a:solidFill>
-                <a:effectLst/>
-                <a:latin typeface="+mn-lt"/>
-                <a:ea typeface="ヒラギノ角ゴ Pro W3" pitchFamily="125" charset="-128"/>
-                <a:cs typeface="+mn-cs"/>
-              </a:rPr>
-              <a:t>Entscheidungen über einen zielgerichteten und effizienten Einsatz der Ressourcen sind zu treffen (</a:t>
-            </a:r>
-            <a:r>
-              <a:rPr lang="de-DE" sz="1200" b="0" i="0" kern="1200" dirty="0" err="1">
-                <a:solidFill>
-                  <a:schemeClr val="tx1"/>
-                </a:solidFill>
-                <a:effectLst/>
-                <a:latin typeface="+mn-lt"/>
-                <a:ea typeface="ヒラギノ角ゴ Pro W3" pitchFamily="125" charset="-128"/>
-                <a:cs typeface="+mn-cs"/>
-              </a:rPr>
-              <a:t>Resource</a:t>
-            </a:r>
-            <a:r>
-              <a:rPr lang="de-DE" sz="1200" b="0" i="0" kern="1200" dirty="0">
-                <a:solidFill>
-                  <a:schemeClr val="tx1"/>
-                </a:solidFill>
-                <a:effectLst/>
-                <a:latin typeface="+mn-lt"/>
-                <a:ea typeface="ヒラギノ角ゴ Pro W3" pitchFamily="125" charset="-128"/>
-                <a:cs typeface="+mn-cs"/>
-              </a:rPr>
-              <a:t> Management)</a:t>
-            </a:r>
-          </a:p>
-          <a:p>
-            <a:pPr marL="171450" indent="-171450" fontAlgn="base">
-              <a:buFont typeface="Arial" panose="020B0604020202020204" pitchFamily="34" charset="0"/>
-              <a:buChar char="•"/>
-            </a:pPr>
-            <a:r>
-              <a:rPr lang="de-DE" sz="1200" b="0" i="0" kern="1200" dirty="0">
-                <a:solidFill>
-                  <a:schemeClr val="tx1"/>
-                </a:solidFill>
-                <a:effectLst/>
-                <a:latin typeface="+mn-lt"/>
-                <a:ea typeface="ヒラギノ角ゴ Pro W3" pitchFamily="125" charset="-128"/>
-                <a:cs typeface="+mn-cs"/>
-              </a:rPr>
-              <a:t>Der Grad der Umsetzung der ersten vier Domänen ist zu messen und zu beurteilen (Performance Measurement)</a:t>
-            </a:r>
-          </a:p>
-          <a:p>
             <a:endParaRPr lang="de-DE" dirty="0"/>
           </a:p>
         </p:txBody>
@@ -4859,7 +4581,7 @@
     </p:spTree>
     <p:extLst>
       <p:ext uri="{BB962C8B-B14F-4D97-AF65-F5344CB8AC3E}">
-        <p14:creationId xmlns:p14="http://schemas.microsoft.com/office/powerpoint/2010/main" val="3196180435"/>
+        <p14:creationId xmlns:p14="http://schemas.microsoft.com/office/powerpoint/2010/main" val="1575367042"/>
       </p:ext>
     </p:extLst>
   </p:cSld>
@@ -4944,7 +4666,7 @@
     </p:spTree>
     <p:extLst>
       <p:ext uri="{BB962C8B-B14F-4D97-AF65-F5344CB8AC3E}">
-        <p14:creationId xmlns:p14="http://schemas.microsoft.com/office/powerpoint/2010/main" val="1575367042"/>
+        <p14:creationId xmlns:p14="http://schemas.microsoft.com/office/powerpoint/2010/main" val="2258595319"/>
       </p:ext>
     </p:extLst>
   </p:cSld>
@@ -5029,7 +4751,7 @@
     </p:spTree>
     <p:extLst>
       <p:ext uri="{BB962C8B-B14F-4D97-AF65-F5344CB8AC3E}">
-        <p14:creationId xmlns:p14="http://schemas.microsoft.com/office/powerpoint/2010/main" val="2258595319"/>
+        <p14:creationId xmlns:p14="http://schemas.microsoft.com/office/powerpoint/2010/main" val="489098694"/>
       </p:ext>
     </p:extLst>
   </p:cSld>
@@ -5114,7 +4836,7 @@
     </p:spTree>
     <p:extLst>
       <p:ext uri="{BB962C8B-B14F-4D97-AF65-F5344CB8AC3E}">
-        <p14:creationId xmlns:p14="http://schemas.microsoft.com/office/powerpoint/2010/main" val="489098694"/>
+        <p14:creationId xmlns:p14="http://schemas.microsoft.com/office/powerpoint/2010/main" val="367786551"/>
       </p:ext>
     </p:extLst>
   </p:cSld>
@@ -5199,7 +4921,7 @@
     </p:spTree>
     <p:extLst>
       <p:ext uri="{BB962C8B-B14F-4D97-AF65-F5344CB8AC3E}">
-        <p14:creationId xmlns:p14="http://schemas.microsoft.com/office/powerpoint/2010/main" val="367786551"/>
+        <p14:creationId xmlns:p14="http://schemas.microsoft.com/office/powerpoint/2010/main" val="3577336799"/>
       </p:ext>
     </p:extLst>
   </p:cSld>
@@ -5284,7 +5006,7 @@
     </p:spTree>
     <p:extLst>
       <p:ext uri="{BB962C8B-B14F-4D97-AF65-F5344CB8AC3E}">
-        <p14:creationId xmlns:p14="http://schemas.microsoft.com/office/powerpoint/2010/main" val="3577336799"/>
+        <p14:creationId xmlns:p14="http://schemas.microsoft.com/office/powerpoint/2010/main" val="193066772"/>
       </p:ext>
     </p:extLst>
   </p:cSld>
@@ -5338,7 +5060,50 @@
           <a:bodyPr/>
           <a:lstStyle/>
           <a:p>
-            <a:endParaRPr lang="de-DE" dirty="0"/>
+            <a:r>
+              <a:rPr lang="de-DE" noProof="0" dirty="0"/>
+              <a:t>Key-User</a:t>
+            </a:r>
+          </a:p>
+          <a:p>
+            <a:pPr marL="171450" indent="-171450">
+              <a:buFont typeface="Arial" panose="020B0604020202020204" pitchFamily="34" charset="0"/>
+              <a:buChar char="•"/>
+            </a:pPr>
+            <a:r>
+              <a:rPr lang="de-DE" noProof="0" dirty="0"/>
+              <a:t>Beliebtes Konzept um neue IT-Produkte in einer Abteilung/Team einzuführen</a:t>
+            </a:r>
+          </a:p>
+          <a:p>
+            <a:pPr marL="171450" indent="-171450">
+              <a:buFont typeface="Arial" panose="020B0604020202020204" pitchFamily="34" charset="0"/>
+              <a:buChar char="•"/>
+            </a:pPr>
+            <a:r>
+              <a:rPr lang="de-DE" noProof="0" dirty="0"/>
+              <a:t>Einzelne Mitarbeiter des Teams werden speziell geschult um Fragen vor Ort von den Kollegen zu beantworten</a:t>
+            </a:r>
+          </a:p>
+          <a:p>
+            <a:pPr marL="171450" indent="-171450">
+              <a:buFont typeface="Arial" panose="020B0604020202020204" pitchFamily="34" charset="0"/>
+              <a:buChar char="•"/>
+            </a:pPr>
+            <a:r>
+              <a:rPr lang="de-DE" noProof="0" dirty="0"/>
+              <a:t>Lernen von „eigenen“ Kollegen ist effektiv</a:t>
+            </a:r>
+          </a:p>
+          <a:p>
+            <a:pPr marL="171450" indent="-171450">
+              <a:buFont typeface="Arial" panose="020B0604020202020204" pitchFamily="34" charset="0"/>
+              <a:buChar char="•"/>
+            </a:pPr>
+            <a:r>
+              <a:rPr lang="de-DE" noProof="0" dirty="0"/>
+              <a:t>Key-User sind ein wichtiger Feedback-Kanal für die IT-Abteilung</a:t>
+            </a:r>
           </a:p>
         </p:txBody>
       </p:sp>
@@ -5369,7 +5134,7 @@
     </p:spTree>
     <p:extLst>
       <p:ext uri="{BB962C8B-B14F-4D97-AF65-F5344CB8AC3E}">
-        <p14:creationId xmlns:p14="http://schemas.microsoft.com/office/powerpoint/2010/main" val="193066772"/>
+        <p14:creationId xmlns:p14="http://schemas.microsoft.com/office/powerpoint/2010/main" val="887701103"/>
       </p:ext>
     </p:extLst>
   </p:cSld>
@@ -5497,7 +5262,7 @@
     </p:spTree>
     <p:extLst>
       <p:ext uri="{BB962C8B-B14F-4D97-AF65-F5344CB8AC3E}">
-        <p14:creationId xmlns:p14="http://schemas.microsoft.com/office/powerpoint/2010/main" val="887701103"/>
+        <p14:creationId xmlns:p14="http://schemas.microsoft.com/office/powerpoint/2010/main" val="2060394434"/>
       </p:ext>
     </p:extLst>
   </p:cSld>
@@ -7745,7 +7510,7 @@
             <a:fld id="{F846377B-F563-4071-BF06-49AEC7E395EC}" type="slidenum">
               <a:rPr lang="de-DE" altLang="de-DE"/>
               <a:pPr/>
-              <a:t>‹Nr.›</a:t>
+              <a:t>‹#›</a:t>
             </a:fld>
             <a:endParaRPr lang="de-DE" altLang="de-DE"/>
           </a:p>
@@ -8307,7 +8072,7 @@
             <a:fld id="{C30ACCEC-F974-4993-9200-A8CAF5C60A35}" type="slidenum">
               <a:rPr lang="de-DE" altLang="de-DE"/>
               <a:pPr/>
-              <a:t>‹Nr.›</a:t>
+              <a:t>‹#›</a:t>
             </a:fld>
             <a:endParaRPr lang="de-DE" altLang="de-DE"/>
           </a:p>
@@ -9080,7 +8845,7 @@
             <a:fld id="{5D902327-1687-425B-8F73-4B0A31C9E854}" type="slidenum">
               <a:rPr lang="de-DE" altLang="de-DE"/>
               <a:pPr/>
-              <a:t>‹Nr.›</a:t>
+              <a:t>‹#›</a:t>
             </a:fld>
             <a:endParaRPr lang="de-DE" altLang="de-DE"/>
           </a:p>
@@ -9715,7 +9480,7 @@
             <a:fld id="{BE546A05-8991-4093-82A2-A3D3433C15C1}" type="slidenum">
               <a:rPr lang="de-DE" altLang="de-DE"/>
               <a:pPr/>
-              <a:t>‹Nr.›</a:t>
+              <a:t>‹#›</a:t>
             </a:fld>
             <a:endParaRPr lang="de-DE" altLang="de-DE"/>
           </a:p>
@@ -10254,7 +10019,7 @@
             <a:fld id="{20F4F9BC-6AE7-4B4E-BBD7-29E3FBD4D047}" type="slidenum">
               <a:rPr lang="de-DE" altLang="de-DE"/>
               <a:pPr/>
-              <a:t>‹Nr.›</a:t>
+              <a:t>‹#›</a:t>
             </a:fld>
             <a:endParaRPr lang="de-DE" altLang="de-DE"/>
           </a:p>
@@ -10751,7 +10516,7 @@
             <a:fld id="{1D636263-075D-40F4-942E-8D6398175DEF}" type="slidenum">
               <a:rPr lang="de-DE" altLang="de-DE"/>
               <a:pPr/>
-              <a:t>‹Nr.›</a:t>
+              <a:t>‹#›</a:t>
             </a:fld>
             <a:endParaRPr lang="de-DE" altLang="de-DE"/>
           </a:p>
@@ -10842,7 +10607,7 @@
             <a:fld id="{2E4A2924-00FC-4356-93F6-90A772EEA4EC}" type="slidenum">
               <a:rPr lang="de-DE" altLang="de-DE"/>
               <a:pPr/>
-              <a:t>‹Nr.›</a:t>
+              <a:t>‹#›</a:t>
             </a:fld>
             <a:endParaRPr lang="de-DE" altLang="de-DE"/>
           </a:p>
@@ -14029,8 +13794,8 @@
           <a:p>
             <a:pPr eaLnBrk="1" hangingPunct="1"/>
             <a:r>
-              <a:rPr lang="de-DE" altLang="de-DE"/>
-              <a:t>Hintergrund IT-Governance-Rahmenwerke</a:t>
+              <a:rPr lang="de-DE" altLang="de-DE" dirty="0"/>
+              <a:t>1. Frage</a:t>
             </a:r>
           </a:p>
         </p:txBody>
@@ -14688,21 +14453,21 @@
           <a:bodyPr/>
           <a:lstStyle/>
           <a:p>
+            <a:pPr marL="342900"/>
+            <a:r>
+              <a:rPr lang="en-GB" altLang="de-DE" dirty="0" err="1"/>
+              <a:t>Fragen</a:t>
+            </a:r>
+            <a:endParaRPr lang="en-GB" altLang="de-DE" dirty="0"/>
+          </a:p>
+          <a:p>
             <a:pPr marL="685800" indent="-342900">
               <a:buFont typeface="Arial" panose="020B0604020202020204" pitchFamily="34" charset="0"/>
               <a:buChar char="•"/>
             </a:pPr>
             <a:r>
-              <a:rPr lang="de-DE" altLang="de-DE" dirty="0"/>
-              <a:t>IT-</a:t>
-            </a:r>
-            <a:r>
-              <a:rPr lang="de-DE" altLang="de-DE" dirty="0" err="1"/>
-              <a:t>Governance</a:t>
-            </a:r>
-            <a:r>
-              <a:rPr lang="de-DE" altLang="de-DE" dirty="0"/>
-              <a:t> nach [2]:</a:t>
+              <a:rPr lang="en-GB" altLang="de-DE" dirty="0"/>
+              <a:t>1a) </a:t>
             </a:r>
           </a:p>
           <a:p>
@@ -14711,64 +14476,41 @@
               <a:buChar char="•"/>
             </a:pPr>
             <a:r>
-              <a:rPr lang="de-DE" sz="2000" dirty="0"/>
-              <a:t>Ziel der IT-</a:t>
-            </a:r>
-            <a:r>
-              <a:rPr lang="de-DE" sz="2000" dirty="0" err="1"/>
+              <a:rPr lang="en-GB" altLang="de-DE" sz="2000" dirty="0"/>
+              <a:t>S</a:t>
+            </a:r>
+            <a:r>
+              <a:rPr lang="de-DE" altLang="de-DE" sz="2000" dirty="0" err="1"/>
+              <a:t>ollen</a:t>
+            </a:r>
+            <a:r>
+              <a:rPr lang="de-DE" altLang="de-DE" sz="2000" dirty="0"/>
+              <a:t> IT-</a:t>
+            </a:r>
+            <a:r>
+              <a:rPr lang="de-DE" altLang="de-DE" sz="2000" dirty="0" err="1"/>
               <a:t>Governance</a:t>
             </a:r>
             <a:r>
-              <a:rPr lang="de-DE" sz="2000" dirty="0"/>
-              <a:t> ist es, ein Verständnis für die Bedeutung und Wichtigkeit der IT zur </a:t>
-            </a:r>
-            <a:r>
-              <a:rPr lang="de-DE" sz="2000" b="1" dirty="0"/>
-              <a:t>Umsetzung der Unternehmensziele und der Unternehmensstrategie </a:t>
-            </a:r>
-            <a:r>
-              <a:rPr lang="de-DE" sz="2000" dirty="0"/>
-              <a:t>zu schaffen. […] Kernaspekte der </a:t>
-            </a:r>
-            <a:r>
-              <a:rPr lang="de-DE" sz="2000" dirty="0" err="1"/>
-              <a:t>Governance</a:t>
-            </a:r>
-            <a:r>
-              <a:rPr lang="de-DE" sz="2000" dirty="0"/>
-              <a:t> sind die </a:t>
-            </a:r>
-            <a:r>
-              <a:rPr lang="de-DE" sz="2000" b="1" dirty="0"/>
-              <a:t>Steigerung des Unternehmenserfolgs </a:t>
-            </a:r>
-            <a:r>
-              <a:rPr lang="de-DE" sz="2000" dirty="0"/>
-              <a:t>und die </a:t>
-            </a:r>
-            <a:r>
-              <a:rPr lang="de-DE" sz="2000" b="1" dirty="0"/>
-              <a:t>Minimierung der </a:t>
-            </a:r>
-            <a:r>
-              <a:rPr lang="de-DE" sz="2000" dirty="0"/>
-              <a:t>durch die </a:t>
-            </a:r>
-            <a:r>
-              <a:rPr lang="de-DE" sz="2000" b="1" dirty="0"/>
-              <a:t>IT</a:t>
-            </a:r>
-            <a:r>
-              <a:rPr lang="de-DE" sz="2000" dirty="0"/>
-              <a:t> entstehenden </a:t>
-            </a:r>
-            <a:r>
-              <a:rPr lang="de-DE" sz="2000" b="1" dirty="0"/>
-              <a:t>Risiken</a:t>
-            </a:r>
-            <a:r>
-              <a:rPr lang="de-DE" sz="2000" dirty="0"/>
-              <a:t>.</a:t>
+              <a:rPr lang="de-DE" altLang="de-DE" sz="2000" dirty="0"/>
+              <a:t>-Rahmenwerke zu 100% innerhalb einer IT-Organisation adaptiert und eingeführt werden?</a:t>
+            </a:r>
+          </a:p>
+          <a:p>
+            <a:pPr marL="685800" indent="-342900">
+              <a:buFont typeface="Arial" panose="020B0604020202020204" pitchFamily="34" charset="0"/>
+              <a:buChar char="•"/>
+            </a:pPr>
+            <a:endParaRPr lang="de-DE" altLang="de-DE" dirty="0"/>
+          </a:p>
+          <a:p>
+            <a:pPr marL="685800" indent="-342900">
+              <a:buFont typeface="Arial" panose="020B0604020202020204" pitchFamily="34" charset="0"/>
+              <a:buChar char="•"/>
+            </a:pPr>
+            <a:r>
+              <a:rPr lang="de-DE" altLang="de-DE" dirty="0"/>
+              <a:t>1b)</a:t>
             </a:r>
           </a:p>
           <a:p>
@@ -14776,112 +14518,25 @@
               <a:buFont typeface="Arial" panose="020B0604020202020204" pitchFamily="34" charset="0"/>
               <a:buChar char="•"/>
             </a:pPr>
-            <a:endParaRPr lang="de-DE" altLang="de-DE" dirty="0"/>
-          </a:p>
-          <a:p>
-            <a:pPr marL="685800" indent="-342900">
-              <a:buFont typeface="Arial" panose="020B0604020202020204" pitchFamily="34" charset="0"/>
-              <a:buChar char="•"/>
-            </a:pPr>
-            <a:r>
-              <a:rPr lang="de-DE" altLang="de-DE" dirty="0"/>
-              <a:t>Handlungsfelder der IT-</a:t>
-            </a:r>
-            <a:r>
-              <a:rPr lang="de-DE" altLang="de-DE" dirty="0" err="1"/>
+            <a:r>
+              <a:rPr lang="de-DE" altLang="de-DE" sz="2000" dirty="0"/>
+              <a:t>Wie wichtig ist die zielgerichtete und regelmäßige Kommunikation mit den sog. internen Stakeholdern hinsichtlich eines IT-</a:t>
+            </a:r>
+            <a:r>
+              <a:rPr lang="de-DE" altLang="de-DE" sz="2000" dirty="0" err="1"/>
               <a:t>Governance</a:t>
             </a:r>
             <a:r>
-              <a:rPr lang="de-DE" altLang="de-DE" dirty="0"/>
-              <a:t> nach [3]:</a:t>
-            </a:r>
-          </a:p>
-          <a:p>
-            <a:pPr marL="1028700" lvl="1">
-              <a:buFont typeface="Arial" panose="020B0604020202020204" pitchFamily="34" charset="0"/>
-              <a:buChar char="•"/>
-            </a:pPr>
-            <a:r>
-              <a:rPr lang="de-DE" dirty="0"/>
-              <a:t>Strategic Alignment</a:t>
-            </a:r>
-          </a:p>
-          <a:p>
-            <a:pPr marL="1028700" lvl="1">
-              <a:buFont typeface="Arial" panose="020B0604020202020204" pitchFamily="34" charset="0"/>
-              <a:buChar char="•"/>
-            </a:pPr>
-            <a:r>
-              <a:rPr lang="de-DE" dirty="0"/>
-              <a:t>Value </a:t>
-            </a:r>
-            <a:r>
-              <a:rPr lang="de-DE" dirty="0" err="1"/>
-              <a:t>Delivery</a:t>
-            </a:r>
-            <a:endParaRPr lang="de-DE" dirty="0"/>
-          </a:p>
-          <a:p>
-            <a:pPr marL="1028700" lvl="1">
-              <a:buFont typeface="Arial" panose="020B0604020202020204" pitchFamily="34" charset="0"/>
-              <a:buChar char="•"/>
-            </a:pPr>
-            <a:r>
-              <a:rPr lang="de-DE" dirty="0"/>
-              <a:t>Risk Management</a:t>
-            </a:r>
-          </a:p>
-          <a:p>
-            <a:pPr marL="1028700" lvl="1">
-              <a:buFont typeface="Arial" panose="020B0604020202020204" pitchFamily="34" charset="0"/>
-              <a:buChar char="•"/>
-            </a:pPr>
-            <a:r>
-              <a:rPr lang="de-DE" dirty="0" err="1"/>
-              <a:t>Resource</a:t>
-            </a:r>
-            <a:r>
-              <a:rPr lang="de-DE" dirty="0"/>
-              <a:t> Management</a:t>
-            </a:r>
-          </a:p>
-          <a:p>
-            <a:pPr marL="1028700" lvl="1">
-              <a:buFont typeface="Arial" panose="020B0604020202020204" pitchFamily="34" charset="0"/>
-              <a:buChar char="•"/>
-            </a:pPr>
-            <a:r>
-              <a:rPr lang="de-DE" dirty="0"/>
-              <a:t>Performance Measurement</a:t>
-            </a:r>
-          </a:p>
-          <a:p>
-            <a:pPr marL="1028700" lvl="1">
-              <a:buFont typeface="Arial" panose="020B0604020202020204" pitchFamily="34" charset="0"/>
-              <a:buChar char="•"/>
-            </a:pPr>
-            <a:endParaRPr lang="de-DE" altLang="de-DE" sz="2000" dirty="0"/>
-          </a:p>
-          <a:p>
-            <a:pPr marL="1028700" lvl="1">
-              <a:buFont typeface="Arial" panose="020B0604020202020204" pitchFamily="34" charset="0"/>
-              <a:buChar char="•"/>
-            </a:pPr>
-            <a:endParaRPr lang="de-DE" sz="2000" dirty="0"/>
-          </a:p>
-          <a:p>
-            <a:pPr marL="685800">
-              <a:buFont typeface="Arial" panose="020B0604020202020204" pitchFamily="34" charset="0"/>
-              <a:buChar char="•"/>
-            </a:pPr>
-            <a:endParaRPr lang="de-DE" altLang="de-DE" sz="2000" dirty="0"/>
+              <a:rPr lang="de-DE" altLang="de-DE" sz="2000" dirty="0"/>
+              <a:t>-Framework?</a:t>
+            </a:r>
           </a:p>
         </p:txBody>
       </p:sp>
     </p:spTree>
     <p:extLst>
       <p:ext uri="{BB962C8B-B14F-4D97-AF65-F5344CB8AC3E}">
-        <p14:creationId xmlns:p14="http://schemas.microsoft.com/office/powerpoint/2010/main" val="1129414692"/>
+        <p14:creationId xmlns:p14="http://schemas.microsoft.com/office/powerpoint/2010/main" val="4076814048"/>
       </p:ext>
     </p:extLst>
   </p:cSld>
@@ -15605,10 +15260,9 @@
           <a:p>
             <a:pPr marL="342900"/>
             <a:r>
-              <a:rPr lang="en-GB" altLang="de-DE" dirty="0" err="1"/>
-              <a:t>Fragen</a:t>
-            </a:r>
-            <a:endParaRPr lang="en-GB" altLang="de-DE" dirty="0"/>
+              <a:rPr lang="de-DE" altLang="de-DE" dirty="0"/>
+              <a:t>Antworten</a:t>
+            </a:r>
           </a:p>
           <a:p>
             <a:pPr marL="685800" indent="-342900">
@@ -15626,38 +15280,71 @@
               <a:buChar char="•"/>
             </a:pPr>
             <a:r>
+              <a:rPr lang="de-DE" altLang="de-DE" sz="2000" b="1" dirty="0"/>
+              <a:t>Rahmenwerke</a:t>
+            </a:r>
+            <a:r>
+              <a:rPr lang="de-DE" altLang="de-DE" sz="2000" dirty="0"/>
+              <a:t> bieten </a:t>
+            </a:r>
+            <a:r>
+              <a:rPr lang="de-DE" altLang="de-DE" sz="2000" b="1" dirty="0"/>
+              <a:t>standardisiertes Ordnungssystem</a:t>
+            </a:r>
+          </a:p>
+          <a:p>
+            <a:pPr marL="1028700" lvl="1">
+              <a:buFont typeface="Arial" panose="020B0604020202020204" pitchFamily="34" charset="0"/>
+              <a:buChar char="•"/>
+            </a:pPr>
+            <a:r>
+              <a:rPr lang="de-DE" altLang="de-DE" sz="2000" dirty="0"/>
+              <a:t>Müssen</a:t>
+            </a:r>
+            <a:r>
               <a:rPr lang="en-GB" altLang="de-DE" sz="2000" dirty="0"/>
-              <a:t>S</a:t>
-            </a:r>
-            <a:r>
-              <a:rPr lang="de-DE" altLang="de-DE" sz="2000" dirty="0" err="1"/>
-              <a:t>ollen</a:t>
+              <a:t> auf </a:t>
             </a:r>
             <a:r>
               <a:rPr lang="de-DE" altLang="de-DE" sz="2000" dirty="0"/>
-              <a:t> IT-</a:t>
-            </a:r>
-            <a:r>
-              <a:rPr lang="de-DE" altLang="de-DE" sz="2000" dirty="0" err="1"/>
-              <a:t>Governance</a:t>
+              <a:t>jeden Fall </a:t>
+            </a:r>
+            <a:r>
+              <a:rPr lang="de-DE" altLang="de-DE" sz="2000" b="1" dirty="0"/>
+              <a:t>individuell angepasst </a:t>
             </a:r>
             <a:r>
               <a:rPr lang="de-DE" altLang="de-DE" sz="2000" dirty="0"/>
-              <a:t>-Rahmenwerke zu 100% innerhalb einer IT-Organisation adaptiert und eingeführt werden?</a:t>
-            </a:r>
+              <a:t>werden (weil sehr komplex und starr)</a:t>
+            </a:r>
+          </a:p>
+          <a:p>
+            <a:pPr marL="1028700" lvl="1">
+              <a:buFont typeface="Arial" panose="020B0604020202020204" pitchFamily="34" charset="0"/>
+              <a:buChar char="•"/>
+            </a:pPr>
+            <a:r>
+              <a:rPr lang="de-DE" altLang="de-DE" sz="2000" dirty="0"/>
+              <a:t>Rahmenwerke bieten </a:t>
+            </a:r>
+            <a:r>
+              <a:rPr lang="de-DE" altLang="de-DE" sz="2000" b="1" dirty="0"/>
+              <a:t>Denkanstöße</a:t>
+            </a:r>
+            <a:r>
+              <a:rPr lang="de-DE" altLang="de-DE" sz="2000" dirty="0"/>
+              <a:t> für Analyseprozesse</a:t>
+            </a:r>
+          </a:p>
+          <a:p>
+            <a:pPr marL="342900"/>
+            <a:endParaRPr lang="de-DE" altLang="de-DE" dirty="0"/>
           </a:p>
           <a:p>
             <a:pPr marL="685800" indent="-342900">
               <a:buFont typeface="Arial" panose="020B0604020202020204" pitchFamily="34" charset="0"/>
               <a:buChar char="•"/>
             </a:pPr>
-            <a:endParaRPr lang="de-DE" altLang="de-DE" dirty="0"/>
-          </a:p>
-          <a:p>
-            <a:pPr marL="685800" indent="-342900">
-              <a:buFont typeface="Arial" panose="020B0604020202020204" pitchFamily="34" charset="0"/>
-              <a:buChar char="•"/>
-            </a:pPr>
             <a:r>
               <a:rPr lang="de-DE" altLang="de-DE" dirty="0"/>
               <a:t>1b)</a:t>
@@ -15670,23 +15357,66 @@
             </a:pPr>
             <a:r>
               <a:rPr lang="de-DE" altLang="de-DE" sz="2000" dirty="0"/>
-              <a:t>Wie wichtig ist die zielgerichtete und regelmäßige Kommunikation mit den sog. internen Stakeholdern hinsichtlich eines IT-</a:t>
-            </a:r>
-            <a:r>
-              <a:rPr lang="de-DE" altLang="de-DE" sz="2000" dirty="0" err="1"/>
-              <a:t>Governance</a:t>
+              <a:t>Kommunikation hat zwei Rollen im Rahmenwerk</a:t>
+            </a:r>
+          </a:p>
+          <a:p>
+            <a:pPr marL="1028700" lvl="1">
+              <a:buFont typeface="Arial" panose="020B0604020202020204" pitchFamily="34" charset="0"/>
+              <a:buChar char="•"/>
+            </a:pPr>
+            <a:r>
+              <a:rPr lang="de-DE" altLang="de-DE" sz="2000" b="1" dirty="0"/>
+              <a:t>1.</a:t>
             </a:r>
             <a:r>
               <a:rPr lang="de-DE" altLang="de-DE" sz="2000" dirty="0"/>
-              <a:t>-Framework?</a:t>
-            </a:r>
+              <a:t> </a:t>
+            </a:r>
+            <a:r>
+              <a:rPr lang="de-DE" altLang="de-DE" sz="2000" b="1" dirty="0"/>
+              <a:t>Best Practices </a:t>
+            </a:r>
+            <a:r>
+              <a:rPr lang="de-DE" altLang="de-DE" sz="2000" dirty="0"/>
+              <a:t>wie z.B. internes Marketing von Dienstleistungen</a:t>
+            </a:r>
+          </a:p>
+          <a:p>
+            <a:pPr marL="1028700" lvl="1">
+              <a:buFont typeface="Arial" panose="020B0604020202020204" pitchFamily="34" charset="0"/>
+              <a:buChar char="•"/>
+            </a:pPr>
+            <a:r>
+              <a:rPr lang="de-DE" altLang="de-DE" sz="2000" b="1" dirty="0"/>
+              <a:t>2. </a:t>
+            </a:r>
+            <a:r>
+              <a:rPr lang="de-DE" altLang="de-DE" sz="2000" dirty="0"/>
+              <a:t>International </a:t>
+            </a:r>
+            <a:r>
+              <a:rPr lang="de-DE" altLang="de-DE" sz="2000" b="1" dirty="0"/>
+              <a:t>einheitliche Begriffe</a:t>
+            </a:r>
+            <a:r>
+              <a:rPr lang="de-DE" altLang="de-DE" sz="2000" dirty="0"/>
+              <a:t> zur vereinfachten Kommunikation</a:t>
+            </a:r>
+          </a:p>
+          <a:p>
+            <a:pPr marL="1028700" lvl="1">
+              <a:buFont typeface="Arial" panose="020B0604020202020204" pitchFamily="34" charset="0"/>
+              <a:buChar char="•"/>
+            </a:pPr>
+            <a:endParaRPr lang="de-DE" altLang="de-DE" sz="2000" dirty="0"/>
           </a:p>
         </p:txBody>
       </p:sp>
     </p:spTree>
     <p:extLst>
       <p:ext uri="{BB962C8B-B14F-4D97-AF65-F5344CB8AC3E}">
-        <p14:creationId xmlns:p14="http://schemas.microsoft.com/office/powerpoint/2010/main" val="4076814048"/>
+        <p14:creationId xmlns:p14="http://schemas.microsoft.com/office/powerpoint/2010/main" val="2905742099"/>
       </p:ext>
     </p:extLst>
   </p:cSld>
@@ -16420,8 +16150,8 @@
               <a:buChar char="•"/>
             </a:pPr>
             <a:r>
-              <a:rPr lang="en-GB" altLang="de-DE" dirty="0"/>
-              <a:t>1a) </a:t>
+              <a:rPr lang="de-DE" altLang="de-DE" dirty="0"/>
+              <a:t>1b)</a:t>
             </a:r>
           </a:p>
           <a:p>
@@ -16430,16 +16160,8 @@
               <a:buChar char="•"/>
             </a:pPr>
             <a:r>
-              <a:rPr lang="de-DE" altLang="de-DE" sz="2000" b="1" dirty="0"/>
-              <a:t>Rahmenwerke</a:t>
-            </a:r>
-            <a:r>
               <a:rPr lang="de-DE" altLang="de-DE" sz="2000" dirty="0"/>
-              <a:t> bieten </a:t>
-            </a:r>
-            <a:r>
-              <a:rPr lang="de-DE" altLang="de-DE" sz="2000" b="1" dirty="0"/>
-              <a:t>standardisiertes Ordnungssystem</a:t>
+              <a:t>Kommunikation ist sehr wichtig, da sie in vielen Handlungsfeldern des Rahmenwerks impliziert ist</a:t>
             </a:r>
           </a:p>
           <a:p>
@@ -16449,109 +16171,49 @@
             </a:pPr>
             <a:r>
               <a:rPr lang="de-DE" altLang="de-DE" sz="2000" dirty="0"/>
-              <a:t>Müssen</a:t>
-            </a:r>
-            <a:r>
-              <a:rPr lang="en-GB" altLang="de-DE" sz="2000" dirty="0"/>
-              <a:t> auf </a:t>
-            </a:r>
-            <a:r>
-              <a:rPr lang="de-DE" altLang="de-DE" sz="2000" dirty="0"/>
-              <a:t>jeden Fall </a:t>
-            </a:r>
-            <a:r>
-              <a:rPr lang="de-DE" altLang="de-DE" sz="2000" b="1" dirty="0"/>
-              <a:t>individuell angepasst </a:t>
-            </a:r>
-            <a:r>
-              <a:rPr lang="de-DE" altLang="de-DE" sz="2000" dirty="0"/>
-              <a:t>werden (weil sehr komplex und starr)</a:t>
-            </a:r>
-          </a:p>
-          <a:p>
-            <a:pPr marL="1028700" lvl="1">
+              <a:t>Bspw. Die Einbettung der IT-Aktivitäten in den Unternehmenskontext</a:t>
+            </a:r>
+          </a:p>
+          <a:p>
+            <a:pPr marL="1400175" lvl="2">
               <a:buFont typeface="Arial" panose="020B0604020202020204" pitchFamily="34" charset="0"/>
               <a:buChar char="•"/>
             </a:pPr>
             <a:r>
               <a:rPr lang="de-DE" altLang="de-DE" sz="2000" dirty="0"/>
-              <a:t>Rahmenwerke bieten </a:t>
+              <a:t>Wenn </a:t>
             </a:r>
             <a:r>
               <a:rPr lang="de-DE" altLang="de-DE" sz="2000" b="1" dirty="0"/>
-              <a:t>Denkanstöße</a:t>
+              <a:t>Veränderungen oder Verbesserungen </a:t>
             </a:r>
             <a:r>
               <a:rPr lang="de-DE" altLang="de-DE" sz="2000" dirty="0"/>
-              <a:t> für Analyseprozesse</a:t>
-            </a:r>
-          </a:p>
-          <a:p>
-            <a:pPr marL="342900"/>
-            <a:endParaRPr lang="de-DE" altLang="de-DE" dirty="0"/>
-          </a:p>
-          <a:p>
-            <a:pPr marL="685800" indent="-342900">
-              <a:buFont typeface="Arial" panose="020B0604020202020204" pitchFamily="34" charset="0"/>
-              <a:buChar char="•"/>
-            </a:pPr>
-            <a:r>
-              <a:rPr lang="de-DE" altLang="de-DE" dirty="0"/>
-              <a:t>1b)</a:t>
-            </a:r>
-          </a:p>
-          <a:p>
-            <a:pPr marL="1028700" lvl="1">
-              <a:buFont typeface="Arial" panose="020B0604020202020204" pitchFamily="34" charset="0"/>
-              <a:buChar char="•"/>
-            </a:pPr>
+              <a:t>durchgeführt werden, </a:t>
+            </a:r>
+            <a:r>
+              <a:rPr lang="de-DE" altLang="de-DE" sz="2000" b="1" dirty="0"/>
+              <a:t>müssen</a:t>
+            </a:r>
             <a:r>
               <a:rPr lang="de-DE" altLang="de-DE" sz="2000" dirty="0"/>
-              <a:t>Kommunikation hat zwei Rollen im Rahmenwerk</a:t>
-            </a:r>
-          </a:p>
-          <a:p>
-            <a:pPr marL="1028700" lvl="1">
-              <a:buFont typeface="Arial" panose="020B0604020202020204" pitchFamily="34" charset="0"/>
-              <a:buChar char="•"/>
-            </a:pPr>
+              <a:t> sie sinnstiftend </a:t>
+            </a:r>
             <a:r>
               <a:rPr lang="de-DE" altLang="de-DE" sz="2000" b="1" dirty="0"/>
-              <a:t>1.</a:t>
+              <a:t>erläutert werden</a:t>
             </a:r>
             <a:r>
               <a:rPr lang="de-DE" altLang="de-DE" sz="2000" dirty="0"/>
-              <a:t> </a:t>
+              <a:t>. Jede Person muss </a:t>
             </a:r>
             <a:r>
               <a:rPr lang="de-DE" altLang="de-DE" sz="2000" b="1" dirty="0"/>
-              <a:t>Best Practices </a:t>
+              <a:t>verstehen, was der Mehrwert </a:t>
             </a:r>
             <a:r>
               <a:rPr lang="de-DE" altLang="de-DE" sz="2000" dirty="0"/>
-              <a:t>wie z.B. internes Marketing von Dienstleistungen</a:t>
-            </a:r>
-          </a:p>
-          <a:p>
-            <a:pPr marL="1028700" lvl="1">
-              <a:buFont typeface="Arial" panose="020B0604020202020204" pitchFamily="34" charset="0"/>
-              <a:buChar char="•"/>
-            </a:pPr>
-            <a:r>
-              <a:rPr lang="de-DE" altLang="de-DE" sz="2000" b="1" dirty="0"/>
-              <a:t>2. </a:t>
-            </a:r>
-            <a:r>
-              <a:rPr lang="de-DE" altLang="de-DE" sz="2000" dirty="0"/>
-              <a:t>International </a:t>
-            </a:r>
-            <a:r>
-              <a:rPr lang="de-DE" altLang="de-DE" sz="2000" b="1" dirty="0"/>
-              <a:t>einheitliche Begriffe</a:t>
-            </a:r>
-            <a:r>
-              <a:rPr lang="de-DE" altLang="de-DE" sz="2000" dirty="0"/>
-              <a:t> zur vereinfachten Kommunikation</a:t>
+              <a:t>ist.</a:t>
             </a:r>
           </a:p>
           <a:p>
@@ -16566,7 +16228,7 @@
     </p:spTree>
     <p:extLst>
       <p:ext uri="{BB962C8B-B14F-4D97-AF65-F5344CB8AC3E}">
-        <p14:creationId xmlns:p14="http://schemas.microsoft.com/office/powerpoint/2010/main" val="2905742099"/>
+        <p14:creationId xmlns:p14="http://schemas.microsoft.com/office/powerpoint/2010/main" val="2840519563"/>
       </p:ext>
     </p:extLst>
   </p:cSld>
@@ -16630,7 +16292,7 @@
             <a:pPr eaLnBrk="1" hangingPunct="1"/>
             <a:r>
               <a:rPr lang="de-DE" altLang="de-DE" dirty="0"/>
-              <a:t>1. Frage</a:t>
+              <a:t>2. Frage</a:t>
             </a:r>
           </a:p>
         </p:txBody>
@@ -17291,7 +16953,7 @@
             <a:pPr marL="342900"/>
             <a:r>
               <a:rPr lang="de-DE" altLang="de-DE" dirty="0"/>
-              <a:t>Antworten</a:t>
+              <a:t>Frage</a:t>
             </a:r>
           </a:p>
           <a:p>
@@ -17301,7 +16963,7 @@
             </a:pPr>
             <a:r>
               <a:rPr lang="de-DE" altLang="de-DE" dirty="0"/>
-              <a:t>1b)</a:t>
+              <a:t>2a)</a:t>
             </a:r>
           </a:p>
           <a:p>
@@ -17311,7 +16973,21 @@
             </a:pPr>
             <a:r>
               <a:rPr lang="de-DE" altLang="de-DE" sz="2000" dirty="0"/>
-              <a:t>Kommunikation ist sehr wichtig, da sie in vielen Handlungsfeldern des Rahmenwerks impliziert ist</a:t>
+              <a:t>Was sind wichtige Kommunikationsaspekte der IT?</a:t>
+            </a:r>
+          </a:p>
+          <a:p>
+            <a:pPr marL="342900"/>
+            <a:endParaRPr lang="de-DE" altLang="de-DE" dirty="0"/>
+          </a:p>
+          <a:p>
+            <a:pPr marL="685800" indent="-342900">
+              <a:buFont typeface="Arial" panose="020B0604020202020204" pitchFamily="34" charset="0"/>
+              <a:buChar char="•"/>
+            </a:pPr>
+            <a:r>
+              <a:rPr lang="de-DE" altLang="de-DE" dirty="0"/>
+              <a:t>2b)</a:t>
             </a:r>
           </a:p>
           <a:p>
@@ -17320,51 +16996,16 @@
               <a:buChar char="•"/>
             </a:pPr>
             <a:r>
-              <a:rPr lang="de-DE" altLang="de-DE" sz="2000" dirty="0"/>
-              <a:t>Bspw. Die Einbettung der IT-Aktivitäten in den Unternehmenskontext</a:t>
-            </a:r>
-          </a:p>
-          <a:p>
-            <a:pPr marL="1400175" lvl="2">
+              <a:rPr lang="de-DE" altLang="de-DE" dirty="0"/>
+              <a:t>An wen sollte sich die Kommunikation vorrangig richten?</a:t>
+            </a:r>
+          </a:p>
+          <a:p>
+            <a:pPr marL="1028700" lvl="1">
               <a:buFont typeface="Arial" panose="020B0604020202020204" pitchFamily="34" charset="0"/>
               <a:buChar char="•"/>
             </a:pPr>
-            <a:r>
-              <a:rPr lang="de-DE" altLang="de-DE" sz="2000" dirty="0"/>
-              <a:t>Wenn </a:t>
-            </a:r>
-            <a:r>
-              <a:rPr lang="de-DE" altLang="de-DE" sz="2000" b="1" dirty="0"/>
-              <a:t>Veränderungen oder Verbesserungen </a:t>
-            </a:r>
-            <a:r>
-              <a:rPr lang="de-DE" altLang="de-DE" sz="2000" dirty="0"/>
-              <a:t>durchgeführt werden, </a:t>
-            </a:r>
-            <a:r>
-              <a:rPr lang="de-DE" altLang="de-DE" sz="2000" b="1" dirty="0"/>
-              <a:t>müssen</a:t>
-            </a:r>
-            <a:r>
-              <a:rPr lang="de-DE" altLang="de-DE" sz="2000" dirty="0"/>
-              <a:t> sie sinnstiftend </a:t>
-            </a:r>
-            <a:r>
-              <a:rPr lang="de-DE" altLang="de-DE" sz="2000" b="1" dirty="0"/>
-              <a:t>erläutert werden</a:t>
-            </a:r>
-            <a:r>
-              <a:rPr lang="de-DE" altLang="de-DE" sz="2000" dirty="0"/>
-              <a:t>. Jede Person muss </a:t>
-            </a:r>
-            <a:r>
-              <a:rPr lang="de-DE" altLang="de-DE" sz="2000" b="1" dirty="0"/>
-              <a:t>verstehen, was der Mehrwert </a:t>
-            </a:r>
-            <a:r>
-              <a:rPr lang="de-DE" altLang="de-DE" sz="2000" dirty="0"/>
-              <a:t>ist.</a:t>
-            </a:r>
+            <a:endParaRPr lang="de-DE" altLang="de-DE" dirty="0"/>
           </a:p>
           <a:p>
             <a:pPr marL="1028700" lvl="1">
@@ -17378,7 +17019,7 @@
     </p:spTree>
     <p:extLst>
       <p:ext uri="{BB962C8B-B14F-4D97-AF65-F5344CB8AC3E}">
-        <p14:creationId xmlns:p14="http://schemas.microsoft.com/office/powerpoint/2010/main" val="2840519563"/>
+        <p14:creationId xmlns:p14="http://schemas.microsoft.com/office/powerpoint/2010/main" val="2613686736"/>
       </p:ext>
     </p:extLst>
   </p:cSld>
@@ -18103,7 +17744,7 @@
             <a:pPr marL="342900"/>
             <a:r>
               <a:rPr lang="de-DE" altLang="de-DE" dirty="0"/>
-              <a:t>Frage</a:t>
+              <a:t>Antworten</a:t>
             </a:r>
           </a:p>
           <a:p>
@@ -18123,21 +17764,25 @@
             </a:pPr>
             <a:r>
               <a:rPr lang="de-DE" altLang="de-DE" sz="2000" dirty="0"/>
-              <a:t>Was sind wichtige Kommunikationsaspekte der IT?</a:t>
-            </a:r>
-          </a:p>
-          <a:p>
-            <a:pPr marL="342900"/>
-            <a:endParaRPr lang="de-DE" altLang="de-DE" dirty="0"/>
-          </a:p>
-          <a:p>
-            <a:pPr marL="685800" indent="-342900">
-              <a:buFont typeface="Arial" panose="020B0604020202020204" pitchFamily="34" charset="0"/>
-              <a:buChar char="•"/>
-            </a:pPr>
-            <a:r>
-              <a:rPr lang="de-DE" altLang="de-DE" dirty="0"/>
-              <a:t>2b)</a:t>
+              <a:t>An wen muss kommuniziert werden? </a:t>
+            </a:r>
+            <a:r>
+              <a:rPr lang="de-DE" altLang="de-DE" sz="2000" dirty="0">
+                <a:sym typeface="Wingdings" panose="05000000000000000000" pitchFamily="2" charset="2"/>
+              </a:rPr>
+              <a:t> </a:t>
+            </a:r>
+            <a:r>
+              <a:rPr lang="de-DE" altLang="de-DE" sz="2000" b="1" dirty="0">
+                <a:sym typeface="Wingdings" panose="05000000000000000000" pitchFamily="2" charset="2"/>
+              </a:rPr>
+              <a:t>Zielgruppen definieren </a:t>
+            </a:r>
+            <a:r>
+              <a:rPr lang="de-DE" altLang="de-DE" sz="2000" dirty="0">
+                <a:sym typeface="Wingdings" panose="05000000000000000000" pitchFamily="2" charset="2"/>
+              </a:rPr>
+              <a:t>und charakterisieren</a:t>
             </a:r>
           </a:p>
           <a:p>
@@ -18146,14 +17791,68 @@
               <a:buChar char="•"/>
             </a:pPr>
             <a:r>
-              <a:rPr lang="de-DE" altLang="de-DE" dirty="0"/>
-              <a:t>An wen sollte sich die Kommunikation vorrangig richten?</a:t>
+              <a:rPr lang="de-DE" altLang="de-DE" sz="2000" dirty="0">
+                <a:sym typeface="Wingdings" panose="05000000000000000000" pitchFamily="2" charset="2"/>
+              </a:rPr>
+              <a:t>Wie und was soll kommuniziert werden? </a:t>
+            </a:r>
+            <a:r>
+              <a:rPr lang="de-DE" altLang="de-DE" sz="2000" b="1" dirty="0">
+                <a:sym typeface="Wingdings" panose="05000000000000000000" pitchFamily="2" charset="2"/>
+              </a:rPr>
+              <a:t>Botschaften</a:t>
+            </a:r>
+            <a:r>
+              <a:rPr lang="de-DE" altLang="de-DE" sz="2000" dirty="0">
+                <a:sym typeface="Wingdings" panose="05000000000000000000" pitchFamily="2" charset="2"/>
+              </a:rPr>
+              <a:t> pro Zielgruppe ausarbeiten und </a:t>
+            </a:r>
+            <a:r>
+              <a:rPr lang="de-DE" altLang="de-DE" sz="2000" b="1" dirty="0">
+                <a:sym typeface="Wingdings" panose="05000000000000000000" pitchFamily="2" charset="2"/>
+              </a:rPr>
+              <a:t>Kommunikationskanäle</a:t>
+            </a:r>
+            <a:r>
+              <a:rPr lang="de-DE" altLang="de-DE" sz="2000" dirty="0">
+                <a:sym typeface="Wingdings" panose="05000000000000000000" pitchFamily="2" charset="2"/>
+              </a:rPr>
+              <a:t> evaluieren</a:t>
             </a:r>
           </a:p>
           <a:p>
             <a:pPr marL="1028700" lvl="1">
               <a:buFont typeface="Arial" panose="020B0604020202020204" pitchFamily="34" charset="0"/>
               <a:buChar char="•"/>
+            </a:pPr>
+            <a:r>
+              <a:rPr lang="de-DE" altLang="de-DE" sz="2000" dirty="0">
+                <a:sym typeface="Wingdings" panose="05000000000000000000" pitchFamily="2" charset="2"/>
+              </a:rPr>
+              <a:t>Wer soll kommunizieren? </a:t>
+            </a:r>
+            <a:r>
+              <a:rPr lang="de-DE" altLang="de-DE" sz="2000" b="1" dirty="0">
+                <a:sym typeface="Wingdings" panose="05000000000000000000" pitchFamily="2" charset="2"/>
+              </a:rPr>
+              <a:t>Botschafter identifizieren </a:t>
+            </a:r>
+            <a:r>
+              <a:rPr lang="de-DE" altLang="de-DE" sz="2000" dirty="0">
+                <a:sym typeface="Wingdings" panose="05000000000000000000" pitchFamily="2" charset="2"/>
+              </a:rPr>
+              <a:t>und Übersetzer etablieren</a:t>
+            </a:r>
+            <a:endParaRPr lang="de-DE" altLang="de-DE" sz="2000" dirty="0"/>
+          </a:p>
+          <a:p>
+            <a:pPr marL="342900"/>
+            <a:endParaRPr lang="de-DE" altLang="de-DE" dirty="0"/>
+          </a:p>
+          <a:p>
+            <a:pPr marL="685800" lvl="1" indent="0">
+              <a:buNone/>
             </a:pPr>
             <a:endParaRPr lang="de-DE" altLang="de-DE" dirty="0"/>
           </a:p>
@@ -18169,7 +17868,7 @@
     </p:spTree>
     <p:extLst>
       <p:ext uri="{BB962C8B-B14F-4D97-AF65-F5344CB8AC3E}">
-        <p14:creationId xmlns:p14="http://schemas.microsoft.com/office/powerpoint/2010/main" val="2613686736"/>
+        <p14:creationId xmlns:p14="http://schemas.microsoft.com/office/powerpoint/2010/main" val="3018969082"/>
       </p:ext>
     </p:extLst>
   </p:cSld>
@@ -18904,7 +18603,7 @@
             </a:pPr>
             <a:r>
               <a:rPr lang="de-DE" altLang="de-DE" dirty="0"/>
-              <a:t>2a)</a:t>
+              <a:t>2b)</a:t>
             </a:r>
           </a:p>
           <a:p>
@@ -18913,8 +18612,18 @@
               <a:buChar char="•"/>
             </a:pPr>
             <a:r>
+              <a:rPr lang="de-DE" altLang="de-DE" dirty="0"/>
+              <a:t>Das Projektteam</a:t>
+            </a:r>
+          </a:p>
+          <a:p>
+            <a:pPr marL="1400175" lvl="2">
+              <a:buFont typeface="Arial" panose="020B0604020202020204" pitchFamily="34" charset="0"/>
+              <a:buChar char="•"/>
+            </a:pPr>
+            <a:r>
               <a:rPr lang="de-DE" altLang="de-DE" sz="2000" dirty="0"/>
-              <a:t>An wen muss kommuniziert werden? </a:t>
+              <a:t>Wie trägt die Leistung des einzelnen zum Erfolg bei? </a:t>
             </a:r>
             <a:r>
               <a:rPr lang="de-DE" altLang="de-DE" sz="2000" dirty="0">
@@ -18926,17 +18635,35 @@
               <a:rPr lang="de-DE" altLang="de-DE" sz="2000" b="1" dirty="0">
                 <a:sym typeface="Wingdings" panose="05000000000000000000" pitchFamily="2" charset="2"/>
               </a:rPr>
-              <a:t>Zielgruppen definieren </a:t>
-            </a:r>
+              <a:t>Motivation</a:t>
+            </a:r>
+          </a:p>
+          <a:p>
+            <a:pPr marL="1400175" lvl="2">
+              <a:buFont typeface="Arial" panose="020B0604020202020204" pitchFamily="34" charset="0"/>
+              <a:buChar char="•"/>
+            </a:pPr>
             <a:r>
               <a:rPr lang="de-DE" altLang="de-DE" sz="2000" dirty="0">
                 <a:sym typeface="Wingdings" panose="05000000000000000000" pitchFamily="2" charset="2"/>
               </a:rPr>
-              <a:t>und charakterisieren</a:t>
-            </a:r>
-          </a:p>
-          <a:p>
-            <a:pPr marL="1028700" lvl="1">
+              <a:t>Zusammenarbeit zwischen Teams und innerhalb eines Team fördern  </a:t>
+            </a:r>
+            <a:r>
+              <a:rPr lang="de-DE" altLang="de-DE" sz="2000" b="1" dirty="0">
+                <a:sym typeface="Wingdings" panose="05000000000000000000" pitchFamily="2" charset="2"/>
+              </a:rPr>
+              <a:t>Vertrauen</a:t>
+            </a:r>
+            <a:r>
+              <a:rPr lang="de-DE" altLang="de-DE" sz="2000" dirty="0">
+                <a:sym typeface="Wingdings" panose="05000000000000000000" pitchFamily="2" charset="2"/>
+              </a:rPr>
+              <a:t> in das Projektteam, Projektaufgabe wird wichtiger als Hierarchien</a:t>
+            </a:r>
+          </a:p>
+          <a:p>
+            <a:pPr marL="1400175" lvl="2">
               <a:buFont typeface="Arial" panose="020B0604020202020204" pitchFamily="34" charset="0"/>
               <a:buChar char="•"/>
             </a:pPr>
@@ -18944,56 +18671,33 @@
               <a:rPr lang="de-DE" altLang="de-DE" sz="2000" dirty="0">
                 <a:sym typeface="Wingdings" panose="05000000000000000000" pitchFamily="2" charset="2"/>
               </a:rPr>
-              <a:t>Wie und was soll kommuniziert werden? </a:t>
+              <a:t>Belohnende Maßnahmen  </a:t>
             </a:r>
             <a:r>
               <a:rPr lang="de-DE" altLang="de-DE" sz="2000" b="1" dirty="0">
                 <a:sym typeface="Wingdings" panose="05000000000000000000" pitchFamily="2" charset="2"/>
               </a:rPr>
-              <a:t>Botschaften</a:t>
+              <a:t>Glaubwürdige</a:t>
             </a:r>
             <a:r>
               <a:rPr lang="de-DE" altLang="de-DE" sz="2000" dirty="0">
                 <a:sym typeface="Wingdings" panose="05000000000000000000" pitchFamily="2" charset="2"/>
               </a:rPr>
-              <a:t> pro Zielgruppe ausarbeiten und </a:t>
-            </a:r>
-            <a:r>
-              <a:rPr lang="de-DE" altLang="de-DE" sz="2000" b="1" dirty="0">
-                <a:sym typeface="Wingdings" panose="05000000000000000000" pitchFamily="2" charset="2"/>
-              </a:rPr>
-              <a:t>Kommunikationskanäle</a:t>
-            </a:r>
-            <a:r>
-              <a:rPr lang="de-DE" altLang="de-DE" sz="2000" dirty="0">
-                <a:sym typeface="Wingdings" panose="05000000000000000000" pitchFamily="2" charset="2"/>
-              </a:rPr>
-              <a:t> evaluieren</a:t>
-            </a:r>
-          </a:p>
-          <a:p>
-            <a:pPr marL="1028700" lvl="1">
+              <a:t> Dankes-Botschaften</a:t>
+            </a:r>
+          </a:p>
+          <a:p>
+            <a:pPr marL="1400175" lvl="2">
               <a:buFont typeface="Arial" panose="020B0604020202020204" pitchFamily="34" charset="0"/>
               <a:buChar char="•"/>
             </a:pPr>
-            <a:r>
-              <a:rPr lang="de-DE" altLang="de-DE" sz="2000" dirty="0">
-                <a:sym typeface="Wingdings" panose="05000000000000000000" pitchFamily="2" charset="2"/>
-              </a:rPr>
-              <a:t>Wer soll kommunizieren? </a:t>
-            </a:r>
-            <a:r>
-              <a:rPr lang="de-DE" altLang="de-DE" sz="2000" b="1" dirty="0">
-                <a:sym typeface="Wingdings" panose="05000000000000000000" pitchFamily="2" charset="2"/>
-              </a:rPr>
-              <a:t>Botschafter identifizieren </a:t>
-            </a:r>
-            <a:r>
-              <a:rPr lang="de-DE" altLang="de-DE" sz="2000" dirty="0">
-                <a:sym typeface="Wingdings" panose="05000000000000000000" pitchFamily="2" charset="2"/>
-              </a:rPr>
-              <a:t>und Übersetzer etablieren</a:t>
-            </a:r>
+            <a:endParaRPr lang="de-DE" altLang="de-DE" dirty="0"/>
+          </a:p>
+          <a:p>
+            <a:pPr marL="1400175" lvl="2">
+              <a:buFont typeface="Arial" panose="020B0604020202020204" pitchFamily="34" charset="0"/>
+              <a:buChar char="•"/>
+            </a:pPr>
             <a:endParaRPr lang="de-DE" altLang="de-DE" sz="2000" dirty="0"/>
           </a:p>
           <a:p>
@@ -19018,7 +18722,7 @@
     </p:spTree>
     <p:extLst>
       <p:ext uri="{BB962C8B-B14F-4D97-AF65-F5344CB8AC3E}">
-        <p14:creationId xmlns:p14="http://schemas.microsoft.com/office/powerpoint/2010/main" val="3018969082"/>
+        <p14:creationId xmlns:p14="http://schemas.microsoft.com/office/powerpoint/2010/main" val="2995650713"/>
       </p:ext>
     </p:extLst>
   </p:cSld>
@@ -19763,7 +19467,7 @@
             </a:pPr>
             <a:r>
               <a:rPr lang="de-DE" altLang="de-DE" dirty="0"/>
-              <a:t>Das Projektteam</a:t>
+              <a:t>Der Anwender (End-User)</a:t>
             </a:r>
           </a:p>
           <a:p>
@@ -19773,19 +19477,25 @@
             </a:pPr>
             <a:r>
               <a:rPr lang="de-DE" altLang="de-DE" sz="2000" dirty="0"/>
-              <a:t>Wie trägt die Leistung des einzelnen zum Erfolg bei? </a:t>
+              <a:t>Was ist meine Rolle?</a:t>
+            </a:r>
+          </a:p>
+          <a:p>
+            <a:pPr marL="1758950" lvl="3">
+              <a:buFont typeface="Arial" panose="020B0604020202020204" pitchFamily="34" charset="0"/>
+              <a:buChar char="•"/>
+            </a:pPr>
+            <a:r>
+              <a:rPr lang="de-DE" altLang="de-DE" sz="2000" b="1" dirty="0">
+                <a:sym typeface="Wingdings" panose="05000000000000000000" pitchFamily="2" charset="2"/>
+              </a:rPr>
+              <a:t>Wofür</a:t>
             </a:r>
             <a:r>
               <a:rPr lang="de-DE" altLang="de-DE" sz="2000" dirty="0">
                 <a:sym typeface="Wingdings" panose="05000000000000000000" pitchFamily="2" charset="2"/>
               </a:rPr>
-              <a:t> </a:t>
-            </a:r>
-            <a:r>
-              <a:rPr lang="de-DE" altLang="de-DE" sz="2000" b="1" dirty="0">
-                <a:sym typeface="Wingdings" panose="05000000000000000000" pitchFamily="2" charset="2"/>
-              </a:rPr>
-              <a:t>Motivation</a:t>
+              <a:t> benötige ich ein neues IT-Produkt und in welchem Umfang?</a:t>
             </a:r>
           </a:p>
           <a:p>
@@ -19797,19 +19507,49 @@
               <a:rPr lang="de-DE" altLang="de-DE" sz="2000" dirty="0">
                 <a:sym typeface="Wingdings" panose="05000000000000000000" pitchFamily="2" charset="2"/>
               </a:rPr>
-              <a:t>Zusammenarbeit zwischen Teams und innerhalb eines Team fördern  </a:t>
-            </a:r>
+              <a:t>Was bedeutet dies für die Bedienung?</a:t>
+            </a:r>
+          </a:p>
+          <a:p>
+            <a:pPr marL="1758950" lvl="3">
+              <a:buFont typeface="Arial" panose="020B0604020202020204" pitchFamily="34" charset="0"/>
+              <a:buChar char="•"/>
+            </a:pPr>
             <a:r>
               <a:rPr lang="de-DE" altLang="de-DE" sz="2000" b="1" dirty="0">
                 <a:sym typeface="Wingdings" panose="05000000000000000000" pitchFamily="2" charset="2"/>
               </a:rPr>
-              <a:t>Vertrauen</a:t>
+              <a:t>Wo</a:t>
             </a:r>
             <a:r>
               <a:rPr lang="de-DE" altLang="de-DE" sz="2000" dirty="0">
                 <a:sym typeface="Wingdings" panose="05000000000000000000" pitchFamily="2" charset="2"/>
               </a:rPr>
-              <a:t> in das Projektteam, Projektaufgabe wird wichtiger als Hierarchien</a:t>
+              <a:t> und </a:t>
+            </a:r>
+            <a:r>
+              <a:rPr lang="de-DE" altLang="de-DE" sz="2000" b="1" dirty="0">
+                <a:sym typeface="Wingdings" panose="05000000000000000000" pitchFamily="2" charset="2"/>
+              </a:rPr>
+              <a:t>wie</a:t>
+            </a:r>
+            <a:r>
+              <a:rPr lang="de-DE" altLang="de-DE" sz="2000" dirty="0">
+                <a:sym typeface="Wingdings" panose="05000000000000000000" pitchFamily="2" charset="2"/>
+              </a:rPr>
+              <a:t> stehen mir IT-Produkte zur Verfügung? Wie kann ich sie erhalten? </a:t>
+            </a:r>
+            <a:r>
+              <a:rPr lang="de-DE" altLang="de-DE" sz="2000" b="1" dirty="0">
+                <a:sym typeface="Wingdings" panose="05000000000000000000" pitchFamily="2" charset="2"/>
+              </a:rPr>
+              <a:t>Wer</a:t>
+            </a:r>
+            <a:r>
+              <a:rPr lang="de-DE" altLang="de-DE" sz="2000" dirty="0">
+                <a:sym typeface="Wingdings" panose="05000000000000000000" pitchFamily="2" charset="2"/>
+              </a:rPr>
+              <a:t> ist Ansprechpartner?</a:t>
             </a:r>
           </a:p>
           <a:p>
@@ -19821,19 +19561,31 @@
               <a:rPr lang="de-DE" altLang="de-DE" sz="2000" dirty="0">
                 <a:sym typeface="Wingdings" panose="05000000000000000000" pitchFamily="2" charset="2"/>
               </a:rPr>
-              <a:t>Belohnende Maßnahmen  </a:t>
+              <a:t>Wie muss ich mich in Bezug auf Daten und IT-Sicherheit verhalten?</a:t>
+            </a:r>
+          </a:p>
+          <a:p>
+            <a:pPr marL="1758950" lvl="3">
+              <a:buFont typeface="Arial" panose="020B0604020202020204" pitchFamily="34" charset="0"/>
+              <a:buChar char="•"/>
+            </a:pPr>
+            <a:r>
+              <a:rPr lang="de-DE" altLang="de-DE" sz="2000" dirty="0">
+                <a:sym typeface="Wingdings" panose="05000000000000000000" pitchFamily="2" charset="2"/>
+              </a:rPr>
+              <a:t>Gibt es </a:t>
             </a:r>
             <a:r>
               <a:rPr lang="de-DE" altLang="de-DE" sz="2000" b="1" dirty="0">
                 <a:sym typeface="Wingdings" panose="05000000000000000000" pitchFamily="2" charset="2"/>
               </a:rPr>
-              <a:t>Glaubwürdige</a:t>
+              <a:t>Regeln</a:t>
             </a:r>
             <a:r>
               <a:rPr lang="de-DE" altLang="de-DE" sz="2000" dirty="0">
                 <a:sym typeface="Wingdings" panose="05000000000000000000" pitchFamily="2" charset="2"/>
               </a:rPr>
-              <a:t> Dankes-Botschaften</a:t>
+              <a:t> für den Umgang mit den Werkzeugen? Wie schütze ich sensible Informationen?</a:t>
             </a:r>
           </a:p>
           <a:p>
@@ -19872,7 +19624,7 @@
     </p:spTree>
     <p:extLst>
       <p:ext uri="{BB962C8B-B14F-4D97-AF65-F5344CB8AC3E}">
-        <p14:creationId xmlns:p14="http://schemas.microsoft.com/office/powerpoint/2010/main" val="2995650713"/>
+        <p14:creationId xmlns:p14="http://schemas.microsoft.com/office/powerpoint/2010/main" val="484248027"/>
       </p:ext>
     </p:extLst>
   </p:cSld>
@@ -20616,8 +20368,10 @@
               <a:buChar char="•"/>
             </a:pPr>
             <a:r>
-              <a:rPr lang="de-DE" altLang="de-DE" dirty="0"/>
-              <a:t>Der Anwender (End-User)</a:t>
+              <a:rPr lang="de-DE" altLang="de-DE" sz="2000" dirty="0">
+                <a:sym typeface="Wingdings" panose="05000000000000000000" pitchFamily="2" charset="2"/>
+              </a:rPr>
+              <a:t>Auftraggeber Führungsebene</a:t>
             </a:r>
           </a:p>
           <a:p>
@@ -20626,26 +20380,10 @@
               <a:buChar char="•"/>
             </a:pPr>
             <a:r>
-              <a:rPr lang="de-DE" altLang="de-DE" sz="2000" dirty="0"/>
-              <a:t>Was ist meine Rolle?</a:t>
-            </a:r>
-          </a:p>
-          <a:p>
-            <a:pPr marL="1758950" lvl="3">
-              <a:buFont typeface="Arial" panose="020B0604020202020204" pitchFamily="34" charset="0"/>
-              <a:buChar char="•"/>
-            </a:pPr>
-            <a:r>
-              <a:rPr lang="de-DE" altLang="de-DE" sz="2000" b="1" dirty="0">
-                <a:sym typeface="Wingdings" panose="05000000000000000000" pitchFamily="2" charset="2"/>
-              </a:rPr>
-              <a:t>Wofür</a:t>
-            </a:r>
-            <a:r>
               <a:rPr lang="de-DE" altLang="de-DE" sz="2000" dirty="0">
                 <a:sym typeface="Wingdings" panose="05000000000000000000" pitchFamily="2" charset="2"/>
               </a:rPr>
-              <a:t> benötige ich ein neues IT-Produkt und in welchem Umfang?</a:t>
+              <a:t>Führungsebene braucht IT-Grundverständnis um Unternehmensziele auf Teilbereiche herunterzubrechen</a:t>
             </a:r>
           </a:p>
           <a:p>
@@ -20657,49 +20395,7 @@
               <a:rPr lang="de-DE" altLang="de-DE" sz="2000" dirty="0">
                 <a:sym typeface="Wingdings" panose="05000000000000000000" pitchFamily="2" charset="2"/>
               </a:rPr>
-              <a:t>Was bedeutet dies für die Bedienung?</a:t>
-            </a:r>
-          </a:p>
-          <a:p>
-            <a:pPr marL="1758950" lvl="3">
-              <a:buFont typeface="Arial" panose="020B0604020202020204" pitchFamily="34" charset="0"/>
-              <a:buChar char="•"/>
-            </a:pPr>
-            <a:r>
-              <a:rPr lang="de-DE" altLang="de-DE" sz="2000" b="1" dirty="0">
-                <a:sym typeface="Wingdings" panose="05000000000000000000" pitchFamily="2" charset="2"/>
-              </a:rPr>
-              <a:t>Wo</a:t>
-            </a:r>
-            <a:r>
-              <a:rPr lang="de-DE" altLang="de-DE" sz="2000" dirty="0">
-                <a:sym typeface="Wingdings" panose="05000000000000000000" pitchFamily="2" charset="2"/>
-              </a:rPr>
-              <a:t> und </a:t>
-            </a:r>
-            <a:r>
-              <a:rPr lang="de-DE" altLang="de-DE" sz="2000" b="1" dirty="0">
-                <a:sym typeface="Wingdings" panose="05000000000000000000" pitchFamily="2" charset="2"/>
-              </a:rPr>
-              <a:t>wie</a:t>
-            </a:r>
-            <a:r>
-              <a:rPr lang="de-DE" altLang="de-DE" sz="2000" dirty="0">
-                <a:sym typeface="Wingdings" panose="05000000000000000000" pitchFamily="2" charset="2"/>
-              </a:rPr>
-              <a:t> stehen mir IT-Produkte zur Verfügung? Wie kann ich sie erhalten? </a:t>
-            </a:r>
-            <a:r>
-              <a:rPr lang="de-DE" altLang="de-DE" sz="2000" b="1" dirty="0">
-                <a:sym typeface="Wingdings" panose="05000000000000000000" pitchFamily="2" charset="2"/>
-              </a:rPr>
-              <a:t>Wer</a:t>
-            </a:r>
-            <a:r>
-              <a:rPr lang="de-DE" altLang="de-DE" sz="2000" dirty="0">
-                <a:sym typeface="Wingdings" panose="05000000000000000000" pitchFamily="2" charset="2"/>
-              </a:rPr>
-              <a:t> ist Ansprechpartner?</a:t>
+              <a:t>IT-Abteilung benötigt Grundverständnis von Geschäftsprozessen und Kundenstrukturen</a:t>
             </a:r>
           </a:p>
           <a:p>
@@ -20708,14 +20404,32 @@
               <a:buChar char="•"/>
             </a:pPr>
             <a:r>
+              <a:rPr lang="de-DE" altLang="de-DE" sz="2000" b="1" dirty="0">
+                <a:sym typeface="Wingdings" panose="05000000000000000000" pitchFamily="2" charset="2"/>
+              </a:rPr>
+              <a:t>Informationsschiefstände vermeiden </a:t>
+            </a:r>
+            <a:r>
               <a:rPr lang="de-DE" altLang="de-DE" sz="2000" dirty="0">
                 <a:sym typeface="Wingdings" panose="05000000000000000000" pitchFamily="2" charset="2"/>
               </a:rPr>
-              <a:t>Wie muss ich mich in Bezug auf Daten und IT-Sicherheit verhalten?</a:t>
-            </a:r>
-          </a:p>
-          <a:p>
-            <a:pPr marL="1758950" lvl="3">
+              <a:t>und kompetente Ansprechpartner auf jeder Managementebene finden  </a:t>
+            </a:r>
+            <a:r>
+              <a:rPr lang="de-DE" altLang="de-DE" sz="2000" b="1" dirty="0">
+                <a:sym typeface="Wingdings" panose="05000000000000000000" pitchFamily="2" charset="2"/>
+              </a:rPr>
+              <a:t>Einflussnahme</a:t>
+            </a:r>
+            <a:r>
+              <a:rPr lang="de-DE" altLang="de-DE" sz="2000" dirty="0">
+                <a:sym typeface="Wingdings" panose="05000000000000000000" pitchFamily="2" charset="2"/>
+              </a:rPr>
+              <a:t> auf Entscheidungen</a:t>
+            </a:r>
+          </a:p>
+          <a:p>
+            <a:pPr marL="1400175" lvl="2">
               <a:buFont typeface="Arial" panose="020B0604020202020204" pitchFamily="34" charset="0"/>
               <a:buChar char="•"/>
             </a:pPr>
@@ -20723,20 +20437,29 @@
               <a:rPr lang="de-DE" altLang="de-DE" sz="2000" dirty="0">
                 <a:sym typeface="Wingdings" panose="05000000000000000000" pitchFamily="2" charset="2"/>
               </a:rPr>
-              <a:t>Gibt es </a:t>
+              <a:t>Persönliche Gespräche auf Augenhöhe  schnelles </a:t>
             </a:r>
             <a:r>
               <a:rPr lang="de-DE" altLang="de-DE" sz="2000" b="1" dirty="0">
                 <a:sym typeface="Wingdings" panose="05000000000000000000" pitchFamily="2" charset="2"/>
               </a:rPr>
-              <a:t>Regeln</a:t>
+              <a:t>Feedback</a:t>
             </a:r>
             <a:r>
               <a:rPr lang="de-DE" altLang="de-DE" sz="2000" dirty="0">
                 <a:sym typeface="Wingdings" panose="05000000000000000000" pitchFamily="2" charset="2"/>
               </a:rPr>
-              <a:t> für den Umgang mit den Werkzeugen? Wie schütze ich sensible Informationen?</a:t>
-            </a:r>
+              <a:t>, Themen können in Gremien platziert werden</a:t>
+            </a:r>
+          </a:p>
+          <a:p>
+            <a:pPr marL="1400175" lvl="2">
+              <a:buFont typeface="Arial" panose="020B0604020202020204" pitchFamily="34" charset="0"/>
+              <a:buChar char="•"/>
+            </a:pPr>
+            <a:endParaRPr lang="de-DE" altLang="de-DE" sz="1600" dirty="0">
+              <a:sym typeface="Wingdings" panose="05000000000000000000" pitchFamily="2" charset="2"/>
+            </a:endParaRPr>
           </a:p>
           <a:p>
             <a:pPr marL="1400175" lvl="2">
@@ -20774,7 +20497,7 @@
     </p:spTree>
     <p:extLst>
       <p:ext uri="{BB962C8B-B14F-4D97-AF65-F5344CB8AC3E}">
-        <p14:creationId xmlns:p14="http://schemas.microsoft.com/office/powerpoint/2010/main" val="484248027"/>
+        <p14:creationId xmlns:p14="http://schemas.microsoft.com/office/powerpoint/2010/main" val="1842874714"/>
       </p:ext>
     </p:extLst>
   </p:cSld>
@@ -21751,7 +21474,7 @@
               <a:rPr lang="de-DE" altLang="de-DE" sz="2000" dirty="0">
                 <a:sym typeface="Wingdings" panose="05000000000000000000" pitchFamily="2" charset="2"/>
               </a:rPr>
-              <a:t>Auftraggeber Führungsebene</a:t>
+              <a:t>Unternehmensinterne Öffentlichkeit</a:t>
             </a:r>
           </a:p>
           <a:p>
@@ -21763,7 +21486,37 @@
               <a:rPr lang="de-DE" altLang="de-DE" sz="2000" dirty="0">
                 <a:sym typeface="Wingdings" panose="05000000000000000000" pitchFamily="2" charset="2"/>
               </a:rPr>
-              <a:t>Führungsebene braucht IT-Grundverständnis um Unternehmensziele auf Teilbereiche herunterzubrechen</a:t>
+              <a:t>Wofür steht mein Unternehmen? Was verspricht es? Wie löst es versprechen ein?  </a:t>
+            </a:r>
+            <a:r>
+              <a:rPr lang="de-DE" altLang="de-DE" sz="2000" b="1" dirty="0">
+                <a:sym typeface="Wingdings" panose="05000000000000000000" pitchFamily="2" charset="2"/>
+              </a:rPr>
+              <a:t>Identifikation</a:t>
+            </a:r>
+            <a:r>
+              <a:rPr lang="de-DE" altLang="de-DE" sz="2000" dirty="0">
+                <a:sym typeface="Wingdings" panose="05000000000000000000" pitchFamily="2" charset="2"/>
+              </a:rPr>
+              <a:t>, </a:t>
+            </a:r>
+            <a:r>
+              <a:rPr lang="de-DE" altLang="de-DE" sz="2000" b="1" dirty="0">
+                <a:sym typeface="Wingdings" panose="05000000000000000000" pitchFamily="2" charset="2"/>
+              </a:rPr>
+              <a:t>Motivation</a:t>
+            </a:r>
+            <a:r>
+              <a:rPr lang="de-DE" altLang="de-DE" sz="2000" dirty="0">
+                <a:sym typeface="Wingdings" panose="05000000000000000000" pitchFamily="2" charset="2"/>
+              </a:rPr>
+              <a:t> und </a:t>
+            </a:r>
+            <a:r>
+              <a:rPr lang="de-DE" altLang="de-DE" sz="2000" b="1" dirty="0">
+                <a:sym typeface="Wingdings" panose="05000000000000000000" pitchFamily="2" charset="2"/>
+              </a:rPr>
+              <a:t>Sicherheit</a:t>
             </a:r>
           </a:p>
           <a:p>
@@ -21775,7 +21528,31 @@
               <a:rPr lang="de-DE" altLang="de-DE" sz="2000" dirty="0">
                 <a:sym typeface="Wingdings" panose="05000000000000000000" pitchFamily="2" charset="2"/>
               </a:rPr>
-              <a:t>IT-Abteilung benötigt Grundverständnis von Geschäftsprozessen und Kundenstrukturen</a:t>
+              <a:t>Wie wirken sich Aktivitäten der Belegschaft auf die </a:t>
+            </a:r>
+            <a:r>
+              <a:rPr lang="de-DE" altLang="de-DE" sz="2000" b="1" dirty="0">
+                <a:sym typeface="Wingdings" panose="05000000000000000000" pitchFamily="2" charset="2"/>
+              </a:rPr>
+              <a:t>Zukunftsfähigkeit</a:t>
+            </a:r>
+            <a:r>
+              <a:rPr lang="de-DE" altLang="de-DE" sz="2000" dirty="0">
+                <a:sym typeface="Wingdings" panose="05000000000000000000" pitchFamily="2" charset="2"/>
+              </a:rPr>
+              <a:t> des Unternehmens aus?</a:t>
+            </a:r>
+          </a:p>
+          <a:p>
+            <a:pPr marL="1028700" lvl="1">
+              <a:buFont typeface="Arial" panose="020B0604020202020204" pitchFamily="34" charset="0"/>
+              <a:buChar char="•"/>
+            </a:pPr>
+            <a:r>
+              <a:rPr lang="de-DE" altLang="de-DE" sz="2000" dirty="0">
+                <a:sym typeface="Wingdings" panose="05000000000000000000" pitchFamily="2" charset="2"/>
+              </a:rPr>
+              <a:t>Unternehmensexterne Öffentlichkeit</a:t>
             </a:r>
           </a:p>
           <a:p>
@@ -21784,28 +21561,10 @@
               <a:buChar char="•"/>
             </a:pPr>
             <a:r>
-              <a:rPr lang="de-DE" altLang="de-DE" sz="2000" b="1" dirty="0">
-                <a:sym typeface="Wingdings" panose="05000000000000000000" pitchFamily="2" charset="2"/>
-              </a:rPr>
-              <a:t>Informationsschiefstände vermeiden </a:t>
-            </a:r>
-            <a:r>
               <a:rPr lang="de-DE" altLang="de-DE" sz="2000" dirty="0">
                 <a:sym typeface="Wingdings" panose="05000000000000000000" pitchFamily="2" charset="2"/>
               </a:rPr>
-              <a:t>und kompetente Ansprechpartner auf jeder Managementebene finden  </a:t>
-            </a:r>
-            <a:r>
-              <a:rPr lang="de-DE" altLang="de-DE" sz="2000" b="1" dirty="0">
-                <a:sym typeface="Wingdings" panose="05000000000000000000" pitchFamily="2" charset="2"/>
-              </a:rPr>
-              <a:t>Einflussnahme</a:t>
-            </a:r>
-            <a:r>
-              <a:rPr lang="de-DE" altLang="de-DE" sz="2000" dirty="0">
-                <a:sym typeface="Wingdings" panose="05000000000000000000" pitchFamily="2" charset="2"/>
-              </a:rPr>
-              <a:t> auf Entscheidungen</a:t>
+              <a:t>Fast analog zu interner Öffentlichkeit</a:t>
             </a:r>
           </a:p>
           <a:p>
@@ -21817,29 +21576,8 @@
               <a:rPr lang="de-DE" altLang="de-DE" sz="2000" dirty="0">
                 <a:sym typeface="Wingdings" panose="05000000000000000000" pitchFamily="2" charset="2"/>
               </a:rPr>
-              <a:t>Persönliche Gespräche auf Augenhöhe  schnelles </a:t>
-            </a:r>
-            <a:r>
-              <a:rPr lang="de-DE" altLang="de-DE" sz="2000" b="1" dirty="0">
-                <a:sym typeface="Wingdings" panose="05000000000000000000" pitchFamily="2" charset="2"/>
-              </a:rPr>
-              <a:t>Feedback</a:t>
-            </a:r>
-            <a:r>
-              <a:rPr lang="de-DE" altLang="de-DE" sz="2000" dirty="0">
-                <a:sym typeface="Wingdings" panose="05000000000000000000" pitchFamily="2" charset="2"/>
-              </a:rPr>
-              <a:t>, Themen können in Gremien platziert werden</a:t>
-            </a:r>
-          </a:p>
-          <a:p>
-            <a:pPr marL="1400175" lvl="2">
-              <a:buFont typeface="Arial" panose="020B0604020202020204" pitchFamily="34" charset="0"/>
-              <a:buChar char="•"/>
-            </a:pPr>
-            <a:endParaRPr lang="de-DE" altLang="de-DE" sz="1600" dirty="0">
-              <a:sym typeface="Wingdings" panose="05000000000000000000" pitchFamily="2" charset="2"/>
-            </a:endParaRPr>
+              <a:t>Zukunftsfähigkeit und Sicherheit ist interessant für neue Mitarbeiter, Investoren und Kooperationen</a:t>
+            </a:r>
           </a:p>
           <a:p>
             <a:pPr marL="1400175" lvl="2">
@@ -21877,7 +21615,7 @@
     </p:spTree>
     <p:extLst>
       <p:ext uri="{BB962C8B-B14F-4D97-AF65-F5344CB8AC3E}">
-        <p14:creationId xmlns:p14="http://schemas.microsoft.com/office/powerpoint/2010/main" val="1842874714"/>
+        <p14:creationId xmlns:p14="http://schemas.microsoft.com/office/powerpoint/2010/main" val="1104129390"/>
       </p:ext>
     </p:extLst>
   </p:cSld>
@@ -22624,7 +22362,7 @@
               <a:rPr lang="de-DE" altLang="de-DE" sz="2000" dirty="0">
                 <a:sym typeface="Wingdings" panose="05000000000000000000" pitchFamily="2" charset="2"/>
               </a:rPr>
-              <a:t>Unternehmensinterne Öffentlichkeit</a:t>
+              <a:t>IT-Lieferanten (und auch interne Projektbeteiligte)</a:t>
             </a:r>
           </a:p>
           <a:p>
@@ -22633,40 +22371,22 @@
               <a:buChar char="•"/>
             </a:pPr>
             <a:r>
+              <a:rPr lang="de-DE" altLang="de-DE" sz="2000" b="1" dirty="0">
+                <a:sym typeface="Wingdings" panose="05000000000000000000" pitchFamily="2" charset="2"/>
+              </a:rPr>
+              <a:t>Transparenz</a:t>
+            </a:r>
+            <a:r>
               <a:rPr lang="de-DE" altLang="de-DE" sz="2000" dirty="0">
                 <a:sym typeface="Wingdings" panose="05000000000000000000" pitchFamily="2" charset="2"/>
               </a:rPr>
-              <a:t>Wofür steht mein Unternehmen? Was verspricht es? Wie löst es versprechen ein?  </a:t>
+              <a:t> hinsichtlich angebotener IT-Services und Kosten  </a:t>
             </a:r>
             <a:r>
               <a:rPr lang="de-DE" altLang="de-DE" sz="2000" b="1" dirty="0">
                 <a:sym typeface="Wingdings" panose="05000000000000000000" pitchFamily="2" charset="2"/>
               </a:rPr>
-              <a:t>Identifikation</a:t>
-            </a:r>
-            <a:r>
-              <a:rPr lang="de-DE" altLang="de-DE" sz="2000" dirty="0">
-                <a:sym typeface="Wingdings" panose="05000000000000000000" pitchFamily="2" charset="2"/>
-              </a:rPr>
-              <a:t>, </a:t>
-            </a:r>
-            <a:r>
-              <a:rPr lang="de-DE" altLang="de-DE" sz="2000" b="1" dirty="0">
-                <a:sym typeface="Wingdings" panose="05000000000000000000" pitchFamily="2" charset="2"/>
-              </a:rPr>
-              <a:t>Motivation</a:t>
-            </a:r>
-            <a:r>
-              <a:rPr lang="de-DE" altLang="de-DE" sz="2000" dirty="0">
-                <a:sym typeface="Wingdings" panose="05000000000000000000" pitchFamily="2" charset="2"/>
-              </a:rPr>
-              <a:t> und </a:t>
-            </a:r>
-            <a:r>
-              <a:rPr lang="de-DE" altLang="de-DE" sz="2000" b="1" dirty="0">
-                <a:sym typeface="Wingdings" panose="05000000000000000000" pitchFamily="2" charset="2"/>
-              </a:rPr>
-              <a:t>Sicherheit</a:t>
+              <a:t>Vertrauen</a:t>
             </a:r>
           </a:p>
           <a:p>
@@ -22678,31 +22398,19 @@
               <a:rPr lang="de-DE" altLang="de-DE" sz="2000" dirty="0">
                 <a:sym typeface="Wingdings" panose="05000000000000000000" pitchFamily="2" charset="2"/>
               </a:rPr>
-              <a:t>Wie wirken sich Aktivitäten der Belegschaft auf die </a:t>
+              <a:t>Intern: Projekt- oder Produktportfolio begründen, Entscheidungen begründen. </a:t>
             </a:r>
             <a:r>
               <a:rPr lang="de-DE" altLang="de-DE" sz="2000" b="1" dirty="0">
                 <a:sym typeface="Wingdings" panose="05000000000000000000" pitchFamily="2" charset="2"/>
               </a:rPr>
-              <a:t>Zukunftsfähigkeit</a:t>
+              <a:t>Regelmäßige Kommunikation</a:t>
             </a:r>
             <a:r>
               <a:rPr lang="de-DE" altLang="de-DE" sz="2000" dirty="0">
                 <a:sym typeface="Wingdings" panose="05000000000000000000" pitchFamily="2" charset="2"/>
               </a:rPr>
-              <a:t> des Unternehmens aus?</a:t>
-            </a:r>
-          </a:p>
-          <a:p>
-            <a:pPr marL="1028700" lvl="1">
-              <a:buFont typeface="Arial" panose="020B0604020202020204" pitchFamily="34" charset="0"/>
-              <a:buChar char="•"/>
-            </a:pPr>
-            <a:r>
-              <a:rPr lang="de-DE" altLang="de-DE" sz="2000" dirty="0">
-                <a:sym typeface="Wingdings" panose="05000000000000000000" pitchFamily="2" charset="2"/>
-              </a:rPr>
-              <a:t>Unternehmensexterne Öffentlichkeit</a:t>
+              <a:t> mit Gremien und Mitarbeiter*innen</a:t>
             </a:r>
           </a:p>
           <a:p>
@@ -22714,7 +22422,7 @@
               <a:rPr lang="de-DE" altLang="de-DE" sz="2000" dirty="0">
                 <a:sym typeface="Wingdings" panose="05000000000000000000" pitchFamily="2" charset="2"/>
               </a:rPr>
-              <a:t>Fast analog zu interner Öffentlichkeit</a:t>
+              <a:t>Mehrwert begründen</a:t>
             </a:r>
           </a:p>
           <a:p>
@@ -22723,10 +22431,55 @@
               <a:buChar char="•"/>
             </a:pPr>
             <a:r>
+              <a:rPr lang="de-DE" altLang="de-DE" sz="2000" b="1" dirty="0" err="1">
+                <a:sym typeface="Wingdings" panose="05000000000000000000" pitchFamily="2" charset="2"/>
+              </a:rPr>
+              <a:t>Enabling</a:t>
+            </a:r>
+            <a:endParaRPr lang="de-DE" altLang="de-DE" sz="2000" b="1" dirty="0">
+              <a:sym typeface="Wingdings" panose="05000000000000000000" pitchFamily="2" charset="2"/>
+            </a:endParaRPr>
+          </a:p>
+          <a:p>
+            <a:pPr marL="1400175" lvl="2">
+              <a:buFont typeface="Arial" panose="020B0604020202020204" pitchFamily="34" charset="0"/>
+              <a:buChar char="•"/>
+            </a:pPr>
+            <a:r>
               <a:rPr lang="de-DE" altLang="de-DE" sz="2000" dirty="0">
                 <a:sym typeface="Wingdings" panose="05000000000000000000" pitchFamily="2" charset="2"/>
               </a:rPr>
-              <a:t>Zukunftsfähigkeit und Sicherheit ist interessant für neue Mitarbeiter, Investoren und Kooperationen</a:t>
+              <a:t>Flurfunk entgegen wirken. Meist eine Folge aus Informationsmangel  </a:t>
+            </a:r>
+            <a:r>
+              <a:rPr lang="de-DE" altLang="de-DE" sz="2000" b="1" dirty="0">
+                <a:sym typeface="Wingdings" panose="05000000000000000000" pitchFamily="2" charset="2"/>
+              </a:rPr>
+              <a:t>Glaubwürdigkeit</a:t>
+            </a:r>
+          </a:p>
+          <a:p>
+            <a:pPr marL="1400175" lvl="2">
+              <a:buFont typeface="Arial" panose="020B0604020202020204" pitchFamily="34" charset="0"/>
+              <a:buChar char="•"/>
+            </a:pPr>
+            <a:r>
+              <a:rPr lang="de-DE" altLang="de-DE" sz="2000" dirty="0">
+                <a:sym typeface="Wingdings" panose="05000000000000000000" pitchFamily="2" charset="2"/>
+              </a:rPr>
+              <a:t>Allgemein </a:t>
+            </a:r>
+            <a:r>
+              <a:rPr lang="de-DE" altLang="de-DE" sz="2000" b="1" dirty="0">
+                <a:sym typeface="Wingdings" panose="05000000000000000000" pitchFamily="2" charset="2"/>
+              </a:rPr>
+              <a:t>verständliche</a:t>
+            </a:r>
+            <a:r>
+              <a:rPr lang="de-DE" altLang="de-DE" sz="2000" dirty="0">
+                <a:sym typeface="Wingdings" panose="05000000000000000000" pitchFamily="2" charset="2"/>
+              </a:rPr>
+              <a:t> Sprache</a:t>
             </a:r>
           </a:p>
           <a:p>
@@ -22765,7 +22518,7 @@
     </p:spTree>
     <p:extLst>
       <p:ext uri="{BB962C8B-B14F-4D97-AF65-F5344CB8AC3E}">
-        <p14:creationId xmlns:p14="http://schemas.microsoft.com/office/powerpoint/2010/main" val="1104129390"/>
+        <p14:creationId xmlns:p14="http://schemas.microsoft.com/office/powerpoint/2010/main" val="1162816118"/>
       </p:ext>
     </p:extLst>
   </p:cSld>
@@ -22829,7 +22582,7 @@
             <a:pPr eaLnBrk="1" hangingPunct="1"/>
             <a:r>
               <a:rPr lang="de-DE" altLang="de-DE" dirty="0"/>
-              <a:t>2. Frage</a:t>
+              <a:t>Fazit</a:t>
             </a:r>
           </a:p>
         </p:txBody>
@@ -23487,157 +23240,54 @@
           <a:bodyPr/>
           <a:lstStyle/>
           <a:p>
-            <a:pPr marL="342900"/>
-            <a:r>
-              <a:rPr lang="de-DE" altLang="de-DE" dirty="0"/>
-              <a:t>Antworten</a:t>
-            </a:r>
-          </a:p>
-          <a:p>
             <a:pPr marL="685800" indent="-342900">
               <a:buFont typeface="Arial" panose="020B0604020202020204" pitchFamily="34" charset="0"/>
               <a:buChar char="•"/>
             </a:pPr>
             <a:r>
               <a:rPr lang="de-DE" altLang="de-DE" dirty="0"/>
-              <a:t>2b)</a:t>
-            </a:r>
-          </a:p>
-          <a:p>
-            <a:pPr marL="1028700" lvl="1">
+              <a:t>Kommunikation fördern und aktiv mitgestalten</a:t>
+            </a:r>
+          </a:p>
+          <a:p>
+            <a:pPr marL="685800" indent="-342900">
               <a:buFont typeface="Arial" panose="020B0604020202020204" pitchFamily="34" charset="0"/>
               <a:buChar char="•"/>
             </a:pPr>
             <a:r>
-              <a:rPr lang="de-DE" altLang="de-DE" sz="2000" dirty="0">
-                <a:sym typeface="Wingdings" panose="05000000000000000000" pitchFamily="2" charset="2"/>
-              </a:rPr>
-              <a:t>IT-Lieferanten (und auch interne Projektbeteiligte)</a:t>
-            </a:r>
-          </a:p>
-          <a:p>
-            <a:pPr marL="1400175" lvl="2">
+              <a:rPr lang="de-DE" altLang="de-DE" dirty="0"/>
+              <a:t>Wissens- und Erfahrungsaustausch</a:t>
+            </a:r>
+          </a:p>
+          <a:p>
+            <a:pPr marL="685800" indent="-342900">
               <a:buFont typeface="Arial" panose="020B0604020202020204" pitchFamily="34" charset="0"/>
               <a:buChar char="•"/>
             </a:pPr>
             <a:r>
-              <a:rPr lang="de-DE" altLang="de-DE" sz="2000" b="1" dirty="0">
-                <a:sym typeface="Wingdings" panose="05000000000000000000" pitchFamily="2" charset="2"/>
-              </a:rPr>
-              <a:t>Transparenz</a:t>
-            </a:r>
-            <a:r>
-              <a:rPr lang="de-DE" altLang="de-DE" sz="2000" dirty="0">
-                <a:sym typeface="Wingdings" panose="05000000000000000000" pitchFamily="2" charset="2"/>
-              </a:rPr>
-              <a:t> hinsichtlich angebotener IT-Services und Kosten  </a:t>
-            </a:r>
-            <a:r>
-              <a:rPr lang="de-DE" altLang="de-DE" sz="2000" b="1" dirty="0">
-                <a:sym typeface="Wingdings" panose="05000000000000000000" pitchFamily="2" charset="2"/>
-              </a:rPr>
-              <a:t>Vertrauen</a:t>
-            </a:r>
-          </a:p>
-          <a:p>
-            <a:pPr marL="1400175" lvl="2">
+              <a:rPr lang="de-DE" altLang="de-DE" dirty="0"/>
+              <a:t>Glaubwürdigkeit, Konsistenz</a:t>
+            </a:r>
+          </a:p>
+          <a:p>
+            <a:pPr marL="685800" indent="-342900">
               <a:buFont typeface="Arial" panose="020B0604020202020204" pitchFamily="34" charset="0"/>
               <a:buChar char="•"/>
             </a:pPr>
             <a:r>
-              <a:rPr lang="de-DE" altLang="de-DE" sz="2000" dirty="0">
-                <a:sym typeface="Wingdings" panose="05000000000000000000" pitchFamily="2" charset="2"/>
-              </a:rPr>
-              <a:t>Intern: Projekt- oder Produktportfolio begründen, Entscheidungen begründen. </a:t>
-            </a:r>
-            <a:r>
-              <a:rPr lang="de-DE" altLang="de-DE" sz="2000" b="1" dirty="0">
-                <a:sym typeface="Wingdings" panose="05000000000000000000" pitchFamily="2" charset="2"/>
-              </a:rPr>
-              <a:t>Regelmäßige Kommunikation</a:t>
-            </a:r>
-            <a:r>
-              <a:rPr lang="de-DE" altLang="de-DE" sz="2000" dirty="0">
-                <a:sym typeface="Wingdings" panose="05000000000000000000" pitchFamily="2" charset="2"/>
-              </a:rPr>
-              <a:t> mit Gremien und Mitarbeiter*innen</a:t>
-            </a:r>
-          </a:p>
-          <a:p>
-            <a:pPr marL="1400175" lvl="2">
+              <a:rPr lang="de-DE" altLang="de-DE" dirty="0"/>
+              <a:t>Informationen an die Bedürfnisse der Empfänger anpassen</a:t>
+            </a:r>
+          </a:p>
+          <a:p>
+            <a:pPr marL="685800" indent="-342900">
               <a:buFont typeface="Arial" panose="020B0604020202020204" pitchFamily="34" charset="0"/>
               <a:buChar char="•"/>
             </a:pPr>
             <a:r>
-              <a:rPr lang="de-DE" altLang="de-DE" sz="2000" dirty="0">
-                <a:sym typeface="Wingdings" panose="05000000000000000000" pitchFamily="2" charset="2"/>
-              </a:rPr>
-              <a:t>Mehrwert begründen</a:t>
-            </a:r>
-          </a:p>
-          <a:p>
-            <a:pPr marL="1400175" lvl="2">
-              <a:buFont typeface="Arial" panose="020B0604020202020204" pitchFamily="34" charset="0"/>
-              <a:buChar char="•"/>
-            </a:pPr>
-            <a:r>
-              <a:rPr lang="de-DE" altLang="de-DE" sz="2000" b="1" dirty="0" err="1">
-                <a:sym typeface="Wingdings" panose="05000000000000000000" pitchFamily="2" charset="2"/>
-              </a:rPr>
-              <a:t>Enabling</a:t>
-            </a:r>
-            <a:endParaRPr lang="de-DE" altLang="de-DE" sz="2000" b="1" dirty="0">
-              <a:sym typeface="Wingdings" panose="05000000000000000000" pitchFamily="2" charset="2"/>
-            </a:endParaRPr>
-          </a:p>
-          <a:p>
-            <a:pPr marL="1400175" lvl="2">
-              <a:buFont typeface="Arial" panose="020B0604020202020204" pitchFamily="34" charset="0"/>
-              <a:buChar char="•"/>
-            </a:pPr>
-            <a:r>
-              <a:rPr lang="de-DE" altLang="de-DE" sz="2000" dirty="0">
-                <a:sym typeface="Wingdings" panose="05000000000000000000" pitchFamily="2" charset="2"/>
-              </a:rPr>
-              <a:t>Flurfunk entgegen wirken. Meist eine Folge aus Informationsmangel  </a:t>
-            </a:r>
-            <a:r>
-              <a:rPr lang="de-DE" altLang="de-DE" sz="2000" b="1" dirty="0">
-                <a:sym typeface="Wingdings" panose="05000000000000000000" pitchFamily="2" charset="2"/>
-              </a:rPr>
-              <a:t>Glaubwürdigkeit</a:t>
-            </a:r>
-          </a:p>
-          <a:p>
-            <a:pPr marL="1400175" lvl="2">
-              <a:buFont typeface="Arial" panose="020B0604020202020204" pitchFamily="34" charset="0"/>
-              <a:buChar char="•"/>
-            </a:pPr>
-            <a:r>
-              <a:rPr lang="de-DE" altLang="de-DE" sz="2000" dirty="0">
-                <a:sym typeface="Wingdings" panose="05000000000000000000" pitchFamily="2" charset="2"/>
-              </a:rPr>
-              <a:t>Allgemein </a:t>
-            </a:r>
-            <a:r>
-              <a:rPr lang="de-DE" altLang="de-DE" sz="2000" b="1" dirty="0">
-                <a:sym typeface="Wingdings" panose="05000000000000000000" pitchFamily="2" charset="2"/>
-              </a:rPr>
-              <a:t>verständliche</a:t>
-            </a:r>
-            <a:r>
-              <a:rPr lang="de-DE" altLang="de-DE" sz="2000" dirty="0">
-                <a:sym typeface="Wingdings" panose="05000000000000000000" pitchFamily="2" charset="2"/>
-              </a:rPr>
-              <a:t> Sprache</a:t>
-            </a:r>
-          </a:p>
-          <a:p>
-            <a:pPr marL="1400175" lvl="2">
-              <a:buFont typeface="Arial" panose="020B0604020202020204" pitchFamily="34" charset="0"/>
-              <a:buChar char="•"/>
-            </a:pPr>
-            <a:endParaRPr lang="de-DE" altLang="de-DE" dirty="0"/>
+              <a:rPr lang="de-DE" altLang="de-DE" dirty="0"/>
+              <a:t>Mehrwert und Anteil am Erfolg des Unternehmens vermitteln</a:t>
+            </a:r>
           </a:p>
           <a:p>
             <a:pPr marL="1400175" lvl="2">
@@ -23668,7 +23318,7 @@
     </p:spTree>
     <p:extLst>
       <p:ext uri="{BB962C8B-B14F-4D97-AF65-F5344CB8AC3E}">
-        <p14:creationId xmlns:p14="http://schemas.microsoft.com/office/powerpoint/2010/main" val="1162816118"/>
+        <p14:creationId xmlns:p14="http://schemas.microsoft.com/office/powerpoint/2010/main" val="208876869"/>
       </p:ext>
     </p:extLst>
   </p:cSld>
@@ -23705,60 +23355,30 @@
       </p:grpSpPr>
       <p:sp>
         <p:nvSpPr>
-          <p:cNvPr id="15362" name="Textplatzhalter 11">
+          <p:cNvPr id="14338" name="Textfeld 30">
             <a:extLst>
               <a:ext uri="{FF2B5EF4-FFF2-40B4-BE49-F238E27FC236}">
-                <a16:creationId xmlns:a16="http://schemas.microsoft.com/office/drawing/2014/main" id="{F9CEF601-A415-435D-AF18-02B21F031151}"/>
+                <a16:creationId xmlns:a16="http://schemas.microsoft.com/office/drawing/2014/main" id="{D9E670DC-973E-4B88-BB53-A3A4ACAA85E9}"/>
               </a:ext>
             </a:extLst>
           </p:cNvPr>
-          <p:cNvSpPr>
-            <a:spLocks noGrp="1"/>
+          <p:cNvSpPr txBox="1">
+            <a:spLocks noChangeArrowheads="1"/>
           </p:cNvSpPr>
-          <p:nvPr>
-            <p:ph type="body" sz="quarter" idx="17"/>
-          </p:nvPr>
-        </p:nvSpPr>
-        <p:spPr>
-          <a:xfrm>
-            <a:off x="463550" y="867000"/>
-            <a:ext cx="6775450" cy="395287"/>
-          </a:xfrm>
-        </p:spPr>
-        <p:txBody>
-          <a:bodyPr/>
-          <a:lstStyle/>
-          <a:p>
-            <a:pPr eaLnBrk="1" hangingPunct="1"/>
-            <a:r>
-              <a:rPr lang="de-DE" altLang="de-DE" dirty="0"/>
-              <a:t>Fazit</a:t>
-            </a:r>
-          </a:p>
-        </p:txBody>
-      </p:sp>
-      <p:sp>
-        <p:nvSpPr>
-          <p:cNvPr id="15363" name="Titel 10">
-            <a:extLst>
-              <a:ext uri="{FF2B5EF4-FFF2-40B4-BE49-F238E27FC236}">
-                <a16:creationId xmlns:a16="http://schemas.microsoft.com/office/drawing/2014/main" id="{698E43B1-92E7-41A6-8021-11F2F7574DFC}"/>
-              </a:ext>
-            </a:extLst>
-          </p:cNvPr>
-          <p:cNvSpPr>
-            <a:spLocks noGrp="1"/>
-          </p:cNvSpPr>
-          <p:nvPr>
-            <p:ph type="title"/>
-          </p:nvPr>
+          <p:nvPr/>
         </p:nvSpPr>
         <p:spPr bwMode="auto">
           <a:xfrm>
-            <a:off x="457200" y="458788"/>
-            <a:ext cx="6781800" cy="368750"/>
+            <a:off x="1617663" y="6773863"/>
+            <a:ext cx="184150" cy="368300"/>
           </a:xfrm>
+          <a:prstGeom prst="rect">
+            <a:avLst/>
+          </a:prstGeom>
           <a:noFill/>
+          <a:ln>
+            <a:noFill/>
+          </a:ln>
           <a:extLst>
             <a:ext uri="{909E8E84-426E-40DD-AFC4-6F175D3DCCD1}">
               <a14:hiddenFill xmlns:a14="http://schemas.microsoft.com/office/drawing/2010/main">
@@ -23780,39 +23400,182 @@
           </a:extLst>
         </p:spPr>
         <p:txBody>
-          <a:bodyPr numCol="1" anchorCtr="0" compatLnSpc="1">
-            <a:prstTxWarp prst="textNoShape">
-              <a:avLst/>
-            </a:prstTxWarp>
+          <a:bodyPr wrap="none">
+            <a:spAutoFit/>
           </a:bodyPr>
-          <a:lstStyle/>
-          <a:p>
-            <a:pPr eaLnBrk="1" hangingPunct="1"/>
-            <a:r>
-              <a:rPr lang="de-DE" altLang="de-DE" cap="none" dirty="0"/>
-              <a:t>Kommunikation als Pflicht und Kür eines IT-Managers</a:t>
-            </a:r>
+          <a:lstStyle>
+            <a:lvl1pPr eaLnBrk="0" hangingPunct="0">
+              <a:buSzPct val="90000"/>
+              <a:buFont typeface="Lucida Grande" pitchFamily="125" charset="0"/>
+              <a:defRPr sz="2200">
+                <a:solidFill>
+                  <a:srgbClr val="002D58"/>
+                </a:solidFill>
+                <a:latin typeface="Calibri" panose="020F0502020204030204" pitchFamily="34" charset="0"/>
+                <a:ea typeface="ヒラギノ角ゴ Pro W3" pitchFamily="125" charset="-128"/>
+              </a:defRPr>
+            </a:lvl1pPr>
+            <a:lvl2pPr marL="742950" indent="-285750" eaLnBrk="0" hangingPunct="0">
+              <a:buSzPct val="90000"/>
+              <a:buFont typeface="Lucida Grande" pitchFamily="125" charset="0"/>
+              <a:buChar char="I"/>
+              <a:defRPr sz="2200">
+                <a:solidFill>
+                  <a:srgbClr val="002D58"/>
+                </a:solidFill>
+                <a:latin typeface="Calibri" panose="020F0502020204030204" pitchFamily="34" charset="0"/>
+                <a:ea typeface="ヒラギノ角ゴ Pro W3" pitchFamily="125" charset="-128"/>
+              </a:defRPr>
+            </a:lvl2pPr>
+            <a:lvl3pPr marL="1143000" indent="-228600" eaLnBrk="0" hangingPunct="0">
+              <a:buSzPct val="90000"/>
+              <a:buFont typeface="Lucida Grande" pitchFamily="125" charset="0"/>
+              <a:buChar char="I"/>
+              <a:defRPr>
+                <a:solidFill>
+                  <a:srgbClr val="002D58"/>
+                </a:solidFill>
+                <a:latin typeface="Calibri" panose="020F0502020204030204" pitchFamily="34" charset="0"/>
+                <a:ea typeface="ヒラギノ角ゴ Pro W3" pitchFamily="125" charset="-128"/>
+              </a:defRPr>
+            </a:lvl3pPr>
+            <a:lvl4pPr marL="1600200" indent="-228600" eaLnBrk="0" hangingPunct="0">
+              <a:buSzPct val="90000"/>
+              <a:buFont typeface="Lucida Grande" pitchFamily="125" charset="0"/>
+              <a:buChar char="I"/>
+              <a:defRPr>
+                <a:solidFill>
+                  <a:srgbClr val="002D58"/>
+                </a:solidFill>
+                <a:latin typeface="Calibri" panose="020F0502020204030204" pitchFamily="34" charset="0"/>
+                <a:ea typeface="ヒラギノ角ゴ Pro W3" pitchFamily="125" charset="-128"/>
+              </a:defRPr>
+            </a:lvl4pPr>
+            <a:lvl5pPr marL="2057400" indent="-228600" eaLnBrk="0" hangingPunct="0">
+              <a:buSzPct val="90000"/>
+              <a:buFont typeface="Lucida Grande" pitchFamily="125" charset="0"/>
+              <a:buChar char="I"/>
+              <a:defRPr>
+                <a:solidFill>
+                  <a:srgbClr val="002D58"/>
+                </a:solidFill>
+                <a:latin typeface="Calibri" panose="020F0502020204030204" pitchFamily="34" charset="0"/>
+                <a:ea typeface="ヒラギノ角ゴ Pro W3" pitchFamily="125" charset="-128"/>
+              </a:defRPr>
+            </a:lvl5pPr>
+            <a:lvl6pPr marL="2514600" indent="-228600" defTabSz="457200" eaLnBrk="0" fontAlgn="base" hangingPunct="0">
+              <a:spcBef>
+                <a:spcPct val="0"/>
+              </a:spcBef>
+              <a:spcAft>
+                <a:spcPct val="0"/>
+              </a:spcAft>
+              <a:buSzPct val="90000"/>
+              <a:buFont typeface="Lucida Grande" pitchFamily="125" charset="0"/>
+              <a:buChar char="I"/>
+              <a:defRPr>
+                <a:solidFill>
+                  <a:srgbClr val="002D58"/>
+                </a:solidFill>
+                <a:latin typeface="Calibri" panose="020F0502020204030204" pitchFamily="34" charset="0"/>
+                <a:ea typeface="ヒラギノ角ゴ Pro W3" pitchFamily="125" charset="-128"/>
+              </a:defRPr>
+            </a:lvl6pPr>
+            <a:lvl7pPr marL="2971800" indent="-228600" defTabSz="457200" eaLnBrk="0" fontAlgn="base" hangingPunct="0">
+              <a:spcBef>
+                <a:spcPct val="0"/>
+              </a:spcBef>
+              <a:spcAft>
+                <a:spcPct val="0"/>
+              </a:spcAft>
+              <a:buSzPct val="90000"/>
+              <a:buFont typeface="Lucida Grande" pitchFamily="125" charset="0"/>
+              <a:buChar char="I"/>
+              <a:defRPr>
+                <a:solidFill>
+                  <a:srgbClr val="002D58"/>
+                </a:solidFill>
+                <a:latin typeface="Calibri" panose="020F0502020204030204" pitchFamily="34" charset="0"/>
+                <a:ea typeface="ヒラギノ角ゴ Pro W3" pitchFamily="125" charset="-128"/>
+              </a:defRPr>
+            </a:lvl7pPr>
+            <a:lvl8pPr marL="3429000" indent="-228600" defTabSz="457200" eaLnBrk="0" fontAlgn="base" hangingPunct="0">
+              <a:spcBef>
+                <a:spcPct val="0"/>
+              </a:spcBef>
+              <a:spcAft>
+                <a:spcPct val="0"/>
+              </a:spcAft>
+              <a:buSzPct val="90000"/>
+              <a:buFont typeface="Lucida Grande" pitchFamily="125" charset="0"/>
+              <a:buChar char="I"/>
+              <a:defRPr>
+                <a:solidFill>
+                  <a:srgbClr val="002D58"/>
+                </a:solidFill>
+                <a:latin typeface="Calibri" panose="020F0502020204030204" pitchFamily="34" charset="0"/>
+                <a:ea typeface="ヒラギノ角ゴ Pro W3" pitchFamily="125" charset="-128"/>
+              </a:defRPr>
+            </a:lvl8pPr>
+            <a:lvl9pPr marL="3886200" indent="-228600" defTabSz="457200" eaLnBrk="0" fontAlgn="base" hangingPunct="0">
+              <a:spcBef>
+                <a:spcPct val="0"/>
+              </a:spcBef>
+              <a:spcAft>
+                <a:spcPct val="0"/>
+              </a:spcAft>
+              <a:buSzPct val="90000"/>
+              <a:buFont typeface="Lucida Grande" pitchFamily="125" charset="0"/>
+              <a:buChar char="I"/>
+              <a:defRPr>
+                <a:solidFill>
+                  <a:srgbClr val="002D58"/>
+                </a:solidFill>
+                <a:latin typeface="Calibri" panose="020F0502020204030204" pitchFamily="34" charset="0"/>
+                <a:ea typeface="ヒラギノ角ゴ Pro W3" pitchFamily="125" charset="-128"/>
+              </a:defRPr>
+            </a:lvl9pPr>
+          </a:lstStyle>
+          <a:p>
+            <a:pPr eaLnBrk="1" hangingPunct="1">
+              <a:buSzTx/>
+              <a:buFontTx/>
+              <a:buNone/>
+            </a:pPr>
+            <a:endParaRPr lang="de-DE" altLang="de-DE" sz="1800">
+              <a:solidFill>
+                <a:schemeClr val="tx1"/>
+              </a:solidFill>
+            </a:endParaRPr>
           </a:p>
         </p:txBody>
       </p:sp>
       <p:sp>
         <p:nvSpPr>
-          <p:cNvPr id="15365" name="Datumsplatzhalter 2">
+          <p:cNvPr id="14339" name="Textfeld 32">
             <a:extLst>
               <a:ext uri="{FF2B5EF4-FFF2-40B4-BE49-F238E27FC236}">
-                <a16:creationId xmlns:a16="http://schemas.microsoft.com/office/drawing/2014/main" id="{41149F59-FE91-4735-918C-40458223008B}"/>
+                <a16:creationId xmlns:a16="http://schemas.microsoft.com/office/drawing/2014/main" id="{EFF6A0F3-6C3E-4D82-8964-8A5203CEE63D}"/>
               </a:ext>
             </a:extLst>
           </p:cNvPr>
-          <p:cNvSpPr>
-            <a:spLocks noGrp="1"/>
+          <p:cNvSpPr txBox="1">
+            <a:spLocks noChangeArrowheads="1"/>
           </p:cNvSpPr>
-          <p:nvPr>
-            <p:ph type="dt" sz="quarter" idx="22"/>
-          </p:nvPr>
+          <p:nvPr/>
         </p:nvSpPr>
         <p:spPr bwMode="auto">
+          <a:xfrm>
+            <a:off x="744538" y="6799263"/>
+            <a:ext cx="185737" cy="368300"/>
+          </a:xfrm>
+          <a:prstGeom prst="rect">
+            <a:avLst/>
+          </a:prstGeom>
           <a:noFill/>
+          <a:ln>
+            <a:noFill/>
+          </a:ln>
           <a:extLst>
             <a:ext uri="{909E8E84-426E-40DD-AFC4-6F175D3DCCD1}">
               <a14:hiddenFill xmlns:a14="http://schemas.microsoft.com/office/drawing/2010/main">
@@ -23834,7 +23597,9 @@
           </a:extLst>
         </p:spPr>
         <p:txBody>
-          <a:bodyPr/>
+          <a:bodyPr wrap="none">
+            <a:spAutoFit/>
+          </a:bodyPr>
           <a:lstStyle>
             <a:lvl1pPr eaLnBrk="0" hangingPunct="0">
               <a:buSzPct val="90000"/>
@@ -23974,501 +23739,142 @@
               <a:buFontTx/>
               <a:buNone/>
             </a:pPr>
-            <a:r>
-              <a:rPr lang="de-DE" altLang="de-DE" sz="1000"/>
-              <a:t>28.05.2019</a:t>
-            </a:r>
-            <a:endParaRPr lang="hr-HR" altLang="de-DE" sz="1000"/>
+            <a:endParaRPr lang="de-DE" altLang="de-DE" sz="1800">
+              <a:solidFill>
+                <a:schemeClr val="tx1"/>
+              </a:solidFill>
+            </a:endParaRPr>
           </a:p>
         </p:txBody>
       </p:sp>
       <p:sp>
         <p:nvSpPr>
-          <p:cNvPr id="15366" name="Fußzeilenplatzhalter 23">
+          <p:cNvPr id="10" name="Rechteck 9">
             <a:extLst>
               <a:ext uri="{FF2B5EF4-FFF2-40B4-BE49-F238E27FC236}">
-                <a16:creationId xmlns:a16="http://schemas.microsoft.com/office/drawing/2014/main" id="{BE4197B2-157B-4ED7-B4A9-DF1C67835F2B}"/>
+                <a16:creationId xmlns:a16="http://schemas.microsoft.com/office/drawing/2014/main" id="{9101E5F2-FD76-454C-87CE-802D4D115E2F}"/>
+              </a:ext>
+            </a:extLst>
+          </p:cNvPr>
+          <p:cNvSpPr/>
+          <p:nvPr/>
+        </p:nvSpPr>
+        <p:spPr>
+          <a:xfrm>
+            <a:off x="446088" y="2608263"/>
+            <a:ext cx="6353175" cy="3651250"/>
+          </a:xfrm>
+          <a:prstGeom prst="rect">
+            <a:avLst/>
+          </a:prstGeom>
+          <a:noFill/>
+          <a:ln>
+            <a:noFill/>
+          </a:ln>
+          <a:effectLst/>
+        </p:spPr>
+        <p:style>
+          <a:lnRef idx="1">
+            <a:schemeClr val="accent1"/>
+          </a:lnRef>
+          <a:fillRef idx="3">
+            <a:schemeClr val="accent1"/>
+          </a:fillRef>
+          <a:effectRef idx="2">
+            <a:schemeClr val="accent1"/>
+          </a:effectRef>
+          <a:fontRef idx="minor">
+            <a:schemeClr val="lt1"/>
+          </a:fontRef>
+        </p:style>
+        <p:txBody>
+          <a:bodyPr lIns="0" tIns="0" rIns="36000" bIns="0" spcCol="1332000"/>
+          <a:lstStyle/>
+          <a:p>
+            <a:pPr fontAlgn="auto">
+              <a:spcBef>
+                <a:spcPts val="0"/>
+              </a:spcBef>
+              <a:spcAft>
+                <a:spcPts val="0"/>
+              </a:spcAft>
+              <a:defRPr/>
+            </a:pPr>
+            <a:endParaRPr lang="de-DE" sz="2800" dirty="0">
+              <a:latin typeface="+mj-lt"/>
+            </a:endParaRPr>
+          </a:p>
+          <a:p>
+            <a:pPr fontAlgn="auto">
+              <a:spcBef>
+                <a:spcPts val="0"/>
+              </a:spcBef>
+              <a:spcAft>
+                <a:spcPts val="0"/>
+              </a:spcAft>
+              <a:defRPr/>
+            </a:pPr>
+            <a:endParaRPr lang="de-DE" sz="2800" dirty="0">
+              <a:latin typeface="+mj-lt"/>
+            </a:endParaRPr>
+          </a:p>
+          <a:p>
+            <a:pPr fontAlgn="auto">
+              <a:spcBef>
+                <a:spcPts val="0"/>
+              </a:spcBef>
+              <a:spcAft>
+                <a:spcPts val="0"/>
+              </a:spcAft>
+              <a:defRPr/>
+            </a:pPr>
+            <a:r>
+              <a:rPr lang="de-DE" sz="5400" cap="all" dirty="0">
+                <a:latin typeface="Calibri Light"/>
+                <a:cs typeface="Calibri Light"/>
+              </a:rPr>
+              <a:t>Kommunikatives </a:t>
+            </a:r>
+            <a:r>
+              <a:rPr lang="de-DE" sz="5400" cap="all" dirty="0" err="1">
+                <a:latin typeface="Calibri Light"/>
+                <a:cs typeface="Calibri Light"/>
+              </a:rPr>
+              <a:t>marketing</a:t>
+            </a:r>
+            <a:endParaRPr lang="de-DE" sz="5400" cap="all" dirty="0">
+              <a:cs typeface="Calibri Light"/>
+            </a:endParaRPr>
+          </a:p>
+        </p:txBody>
+      </p:sp>
+      <p:sp>
+        <p:nvSpPr>
+          <p:cNvPr id="14341" name="Bildplatzhalter 13">
+            <a:extLst>
+              <a:ext uri="{FF2B5EF4-FFF2-40B4-BE49-F238E27FC236}">
+                <a16:creationId xmlns:a16="http://schemas.microsoft.com/office/drawing/2014/main" id="{CA62B5E4-E831-4648-B9DA-EA3A466187E6}"/>
               </a:ext>
             </a:extLst>
           </p:cNvPr>
           <p:cNvSpPr>
-            <a:spLocks noGrp="1"/>
+            <a:spLocks noGrp="1" noTextEdit="1"/>
           </p:cNvSpPr>
           <p:nvPr>
-            <p:ph type="ftr" sz="quarter" idx="23"/>
-          </p:nvPr>
-        </p:nvSpPr>
-        <p:spPr bwMode="auto">
-          <a:noFill/>
-          <a:extLst>
-            <a:ext uri="{909E8E84-426E-40DD-AFC4-6F175D3DCCD1}">
-              <a14:hiddenFill xmlns:a14="http://schemas.microsoft.com/office/drawing/2010/main">
-                <a:solidFill>
-                  <a:srgbClr val="FFFFFF"/>
-                </a:solidFill>
-              </a14:hiddenFill>
-            </a:ext>
-            <a:ext uri="{91240B29-F687-4F45-9708-019B960494DF}">
-              <a14:hiddenLine xmlns:a14="http://schemas.microsoft.com/office/drawing/2010/main" w="9525">
-                <a:solidFill>
-                  <a:srgbClr val="000000"/>
-                </a:solidFill>
-                <a:miter lim="800000"/>
-                <a:headEnd/>
-                <a:tailEnd/>
-              </a14:hiddenLine>
-            </a:ext>
-          </a:extLst>
-        </p:spPr>
-        <p:txBody>
-          <a:bodyPr/>
-          <a:lstStyle>
-            <a:lvl1pPr eaLnBrk="0" hangingPunct="0">
-              <a:buSzPct val="90000"/>
-              <a:buFont typeface="Lucida Grande" pitchFamily="125" charset="0"/>
-              <a:defRPr sz="2200">
-                <a:solidFill>
-                  <a:srgbClr val="002D58"/>
-                </a:solidFill>
-                <a:latin typeface="Calibri" panose="020F0502020204030204" pitchFamily="34" charset="0"/>
-                <a:ea typeface="ヒラギノ角ゴ Pro W3" pitchFamily="125" charset="-128"/>
-              </a:defRPr>
-            </a:lvl1pPr>
-            <a:lvl2pPr marL="742950" indent="-285750" eaLnBrk="0" hangingPunct="0">
-              <a:buSzPct val="90000"/>
-              <a:buFont typeface="Lucida Grande" pitchFamily="125" charset="0"/>
-              <a:buChar char="I"/>
-              <a:defRPr sz="2200">
-                <a:solidFill>
-                  <a:srgbClr val="002D58"/>
-                </a:solidFill>
-                <a:latin typeface="Calibri" panose="020F0502020204030204" pitchFamily="34" charset="0"/>
-                <a:ea typeface="ヒラギノ角ゴ Pro W3" pitchFamily="125" charset="-128"/>
-              </a:defRPr>
-            </a:lvl2pPr>
-            <a:lvl3pPr marL="1143000" indent="-228600" eaLnBrk="0" hangingPunct="0">
-              <a:buSzPct val="90000"/>
-              <a:buFont typeface="Lucida Grande" pitchFamily="125" charset="0"/>
-              <a:buChar char="I"/>
-              <a:defRPr>
-                <a:solidFill>
-                  <a:srgbClr val="002D58"/>
-                </a:solidFill>
-                <a:latin typeface="Calibri" panose="020F0502020204030204" pitchFamily="34" charset="0"/>
-                <a:ea typeface="ヒラギノ角ゴ Pro W3" pitchFamily="125" charset="-128"/>
-              </a:defRPr>
-            </a:lvl3pPr>
-            <a:lvl4pPr marL="1600200" indent="-228600" eaLnBrk="0" hangingPunct="0">
-              <a:buSzPct val="90000"/>
-              <a:buFont typeface="Lucida Grande" pitchFamily="125" charset="0"/>
-              <a:buChar char="I"/>
-              <a:defRPr>
-                <a:solidFill>
-                  <a:srgbClr val="002D58"/>
-                </a:solidFill>
-                <a:latin typeface="Calibri" panose="020F0502020204030204" pitchFamily="34" charset="0"/>
-                <a:ea typeface="ヒラギノ角ゴ Pro W3" pitchFamily="125" charset="-128"/>
-              </a:defRPr>
-            </a:lvl4pPr>
-            <a:lvl5pPr marL="2057400" indent="-228600" eaLnBrk="0" hangingPunct="0">
-              <a:buSzPct val="90000"/>
-              <a:buFont typeface="Lucida Grande" pitchFamily="125" charset="0"/>
-              <a:buChar char="I"/>
-              <a:defRPr>
-                <a:solidFill>
-                  <a:srgbClr val="002D58"/>
-                </a:solidFill>
-                <a:latin typeface="Calibri" panose="020F0502020204030204" pitchFamily="34" charset="0"/>
-                <a:ea typeface="ヒラギノ角ゴ Pro W3" pitchFamily="125" charset="-128"/>
-              </a:defRPr>
-            </a:lvl5pPr>
-            <a:lvl6pPr marL="2514600" indent="-228600" defTabSz="457200" eaLnBrk="0" fontAlgn="base" hangingPunct="0">
-              <a:spcBef>
-                <a:spcPct val="0"/>
-              </a:spcBef>
-              <a:spcAft>
-                <a:spcPct val="0"/>
-              </a:spcAft>
-              <a:buSzPct val="90000"/>
-              <a:buFont typeface="Lucida Grande" pitchFamily="125" charset="0"/>
-              <a:buChar char="I"/>
-              <a:defRPr>
-                <a:solidFill>
-                  <a:srgbClr val="002D58"/>
-                </a:solidFill>
-                <a:latin typeface="Calibri" panose="020F0502020204030204" pitchFamily="34" charset="0"/>
-                <a:ea typeface="ヒラギノ角ゴ Pro W3" pitchFamily="125" charset="-128"/>
-              </a:defRPr>
-            </a:lvl6pPr>
-            <a:lvl7pPr marL="2971800" indent="-228600" defTabSz="457200" eaLnBrk="0" fontAlgn="base" hangingPunct="0">
-              <a:spcBef>
-                <a:spcPct val="0"/>
-              </a:spcBef>
-              <a:spcAft>
-                <a:spcPct val="0"/>
-              </a:spcAft>
-              <a:buSzPct val="90000"/>
-              <a:buFont typeface="Lucida Grande" pitchFamily="125" charset="0"/>
-              <a:buChar char="I"/>
-              <a:defRPr>
-                <a:solidFill>
-                  <a:srgbClr val="002D58"/>
-                </a:solidFill>
-                <a:latin typeface="Calibri" panose="020F0502020204030204" pitchFamily="34" charset="0"/>
-                <a:ea typeface="ヒラギノ角ゴ Pro W3" pitchFamily="125" charset="-128"/>
-              </a:defRPr>
-            </a:lvl7pPr>
-            <a:lvl8pPr marL="3429000" indent="-228600" defTabSz="457200" eaLnBrk="0" fontAlgn="base" hangingPunct="0">
-              <a:spcBef>
-                <a:spcPct val="0"/>
-              </a:spcBef>
-              <a:spcAft>
-                <a:spcPct val="0"/>
-              </a:spcAft>
-              <a:buSzPct val="90000"/>
-              <a:buFont typeface="Lucida Grande" pitchFamily="125" charset="0"/>
-              <a:buChar char="I"/>
-              <a:defRPr>
-                <a:solidFill>
-                  <a:srgbClr val="002D58"/>
-                </a:solidFill>
-                <a:latin typeface="Calibri" panose="020F0502020204030204" pitchFamily="34" charset="0"/>
-                <a:ea typeface="ヒラギノ角ゴ Pro W3" pitchFamily="125" charset="-128"/>
-              </a:defRPr>
-            </a:lvl8pPr>
-            <a:lvl9pPr marL="3886200" indent="-228600" defTabSz="457200" eaLnBrk="0" fontAlgn="base" hangingPunct="0">
-              <a:spcBef>
-                <a:spcPct val="0"/>
-              </a:spcBef>
-              <a:spcAft>
-                <a:spcPct val="0"/>
-              </a:spcAft>
-              <a:buSzPct val="90000"/>
-              <a:buFont typeface="Lucida Grande" pitchFamily="125" charset="0"/>
-              <a:buChar char="I"/>
-              <a:defRPr>
-                <a:solidFill>
-                  <a:srgbClr val="002D58"/>
-                </a:solidFill>
-                <a:latin typeface="Calibri" panose="020F0502020204030204" pitchFamily="34" charset="0"/>
-                <a:ea typeface="ヒラギノ角ゴ Pro W3" pitchFamily="125" charset="-128"/>
-              </a:defRPr>
-            </a:lvl9pPr>
-          </a:lstStyle>
-          <a:p>
-            <a:pPr eaLnBrk="1" hangingPunct="1">
-              <a:buSzTx/>
-              <a:buFontTx/>
-              <a:buNone/>
-            </a:pPr>
-            <a:r>
-              <a:rPr lang="de-DE" altLang="de-DE" sz="1000"/>
-              <a:t>IT-Kommunikation innerhalb des Unternehmens</a:t>
-            </a:r>
-          </a:p>
-        </p:txBody>
-      </p:sp>
-      <p:sp>
-        <p:nvSpPr>
-          <p:cNvPr id="15367" name="Foliennummernplatzhalter 4">
-            <a:extLst>
-              <a:ext uri="{FF2B5EF4-FFF2-40B4-BE49-F238E27FC236}">
-                <a16:creationId xmlns:a16="http://schemas.microsoft.com/office/drawing/2014/main" id="{72CCDEF0-A0B9-4425-BAB3-6E85079DE1DC}"/>
-              </a:ext>
-            </a:extLst>
-          </p:cNvPr>
-          <p:cNvSpPr>
-            <a:spLocks noGrp="1"/>
-          </p:cNvSpPr>
-          <p:nvPr>
-            <p:ph type="sldNum" sz="quarter" idx="24"/>
-          </p:nvPr>
-        </p:nvSpPr>
-        <p:spPr bwMode="auto">
-          <a:xfrm>
-            <a:off x="8388350" y="6670675"/>
-            <a:ext cx="576263" cy="211138"/>
-          </a:xfrm>
-          <a:noFill/>
-          <a:extLst>
-            <a:ext uri="{909E8E84-426E-40DD-AFC4-6F175D3DCCD1}">
-              <a14:hiddenFill xmlns:a14="http://schemas.microsoft.com/office/drawing/2010/main">
-                <a:solidFill>
-                  <a:srgbClr val="FFFFFF"/>
-                </a:solidFill>
-              </a14:hiddenFill>
-            </a:ext>
-            <a:ext uri="{91240B29-F687-4F45-9708-019B960494DF}">
-              <a14:hiddenLine xmlns:a14="http://schemas.microsoft.com/office/drawing/2010/main" w="9525">
-                <a:solidFill>
-                  <a:srgbClr val="000000"/>
-                </a:solidFill>
-                <a:miter lim="800000"/>
-                <a:headEnd/>
-                <a:tailEnd/>
-              </a14:hiddenLine>
-            </a:ext>
-          </a:extLst>
-        </p:spPr>
-        <p:txBody>
-          <a:bodyPr/>
-          <a:lstStyle>
-            <a:lvl1pPr eaLnBrk="0" hangingPunct="0">
-              <a:buSzPct val="90000"/>
-              <a:buFont typeface="Lucida Grande" pitchFamily="125" charset="0"/>
-              <a:defRPr sz="2200">
-                <a:solidFill>
-                  <a:srgbClr val="002D58"/>
-                </a:solidFill>
-                <a:latin typeface="Calibri" panose="020F0502020204030204" pitchFamily="34" charset="0"/>
-                <a:ea typeface="ヒラギノ角ゴ Pro W3" pitchFamily="125" charset="-128"/>
-              </a:defRPr>
-            </a:lvl1pPr>
-            <a:lvl2pPr marL="742950" indent="-285750" eaLnBrk="0" hangingPunct="0">
-              <a:buSzPct val="90000"/>
-              <a:buFont typeface="Lucida Grande" pitchFamily="125" charset="0"/>
-              <a:buChar char="I"/>
-              <a:defRPr sz="2200">
-                <a:solidFill>
-                  <a:srgbClr val="002D58"/>
-                </a:solidFill>
-                <a:latin typeface="Calibri" panose="020F0502020204030204" pitchFamily="34" charset="0"/>
-                <a:ea typeface="ヒラギノ角ゴ Pro W3" pitchFamily="125" charset="-128"/>
-              </a:defRPr>
-            </a:lvl2pPr>
-            <a:lvl3pPr marL="1143000" indent="-228600" eaLnBrk="0" hangingPunct="0">
-              <a:buSzPct val="90000"/>
-              <a:buFont typeface="Lucida Grande" pitchFamily="125" charset="0"/>
-              <a:buChar char="I"/>
-              <a:defRPr>
-                <a:solidFill>
-                  <a:srgbClr val="002D58"/>
-                </a:solidFill>
-                <a:latin typeface="Calibri" panose="020F0502020204030204" pitchFamily="34" charset="0"/>
-                <a:ea typeface="ヒラギノ角ゴ Pro W3" pitchFamily="125" charset="-128"/>
-              </a:defRPr>
-            </a:lvl3pPr>
-            <a:lvl4pPr marL="1600200" indent="-228600" eaLnBrk="0" hangingPunct="0">
-              <a:buSzPct val="90000"/>
-              <a:buFont typeface="Lucida Grande" pitchFamily="125" charset="0"/>
-              <a:buChar char="I"/>
-              <a:defRPr>
-                <a:solidFill>
-                  <a:srgbClr val="002D58"/>
-                </a:solidFill>
-                <a:latin typeface="Calibri" panose="020F0502020204030204" pitchFamily="34" charset="0"/>
-                <a:ea typeface="ヒラギノ角ゴ Pro W3" pitchFamily="125" charset="-128"/>
-              </a:defRPr>
-            </a:lvl4pPr>
-            <a:lvl5pPr marL="2057400" indent="-228600" eaLnBrk="0" hangingPunct="0">
-              <a:buSzPct val="90000"/>
-              <a:buFont typeface="Lucida Grande" pitchFamily="125" charset="0"/>
-              <a:buChar char="I"/>
-              <a:defRPr>
-                <a:solidFill>
-                  <a:srgbClr val="002D58"/>
-                </a:solidFill>
-                <a:latin typeface="Calibri" panose="020F0502020204030204" pitchFamily="34" charset="0"/>
-                <a:ea typeface="ヒラギノ角ゴ Pro W3" pitchFamily="125" charset="-128"/>
-              </a:defRPr>
-            </a:lvl5pPr>
-            <a:lvl6pPr marL="2514600" indent="-228600" defTabSz="457200" eaLnBrk="0" fontAlgn="base" hangingPunct="0">
-              <a:spcBef>
-                <a:spcPct val="0"/>
-              </a:spcBef>
-              <a:spcAft>
-                <a:spcPct val="0"/>
-              </a:spcAft>
-              <a:buSzPct val="90000"/>
-              <a:buFont typeface="Lucida Grande" pitchFamily="125" charset="0"/>
-              <a:buChar char="I"/>
-              <a:defRPr>
-                <a:solidFill>
-                  <a:srgbClr val="002D58"/>
-                </a:solidFill>
-                <a:latin typeface="Calibri" panose="020F0502020204030204" pitchFamily="34" charset="0"/>
-                <a:ea typeface="ヒラギノ角ゴ Pro W3" pitchFamily="125" charset="-128"/>
-              </a:defRPr>
-            </a:lvl6pPr>
-            <a:lvl7pPr marL="2971800" indent="-228600" defTabSz="457200" eaLnBrk="0" fontAlgn="base" hangingPunct="0">
-              <a:spcBef>
-                <a:spcPct val="0"/>
-              </a:spcBef>
-              <a:spcAft>
-                <a:spcPct val="0"/>
-              </a:spcAft>
-              <a:buSzPct val="90000"/>
-              <a:buFont typeface="Lucida Grande" pitchFamily="125" charset="0"/>
-              <a:buChar char="I"/>
-              <a:defRPr>
-                <a:solidFill>
-                  <a:srgbClr val="002D58"/>
-                </a:solidFill>
-                <a:latin typeface="Calibri" panose="020F0502020204030204" pitchFamily="34" charset="0"/>
-                <a:ea typeface="ヒラギノ角ゴ Pro W3" pitchFamily="125" charset="-128"/>
-              </a:defRPr>
-            </a:lvl7pPr>
-            <a:lvl8pPr marL="3429000" indent="-228600" defTabSz="457200" eaLnBrk="0" fontAlgn="base" hangingPunct="0">
-              <a:spcBef>
-                <a:spcPct val="0"/>
-              </a:spcBef>
-              <a:spcAft>
-                <a:spcPct val="0"/>
-              </a:spcAft>
-              <a:buSzPct val="90000"/>
-              <a:buFont typeface="Lucida Grande" pitchFamily="125" charset="0"/>
-              <a:buChar char="I"/>
-              <a:defRPr>
-                <a:solidFill>
-                  <a:srgbClr val="002D58"/>
-                </a:solidFill>
-                <a:latin typeface="Calibri" panose="020F0502020204030204" pitchFamily="34" charset="0"/>
-                <a:ea typeface="ヒラギノ角ゴ Pro W3" pitchFamily="125" charset="-128"/>
-              </a:defRPr>
-            </a:lvl8pPr>
-            <a:lvl9pPr marL="3886200" indent="-228600" defTabSz="457200" eaLnBrk="0" fontAlgn="base" hangingPunct="0">
-              <a:spcBef>
-                <a:spcPct val="0"/>
-              </a:spcBef>
-              <a:spcAft>
-                <a:spcPct val="0"/>
-              </a:spcAft>
-              <a:buSzPct val="90000"/>
-              <a:buFont typeface="Lucida Grande" pitchFamily="125" charset="0"/>
-              <a:buChar char="I"/>
-              <a:defRPr>
-                <a:solidFill>
-                  <a:srgbClr val="002D58"/>
-                </a:solidFill>
-                <a:latin typeface="Calibri" panose="020F0502020204030204" pitchFamily="34" charset="0"/>
-                <a:ea typeface="ヒラギノ角ゴ Pro W3" pitchFamily="125" charset="-128"/>
-              </a:defRPr>
-            </a:lvl9pPr>
-          </a:lstStyle>
-          <a:p>
-            <a:pPr eaLnBrk="1" hangingPunct="1">
-              <a:buSzTx/>
-              <a:buFontTx/>
-              <a:buNone/>
-            </a:pPr>
-            <a:fld id="{A1ECC0F0-4FE4-48D5-AFD9-A229AE059B8E}" type="slidenum">
-              <a:rPr lang="de-DE" altLang="de-DE" sz="1000"/>
-              <a:pPr eaLnBrk="1" hangingPunct="1">
-                <a:buSzTx/>
-                <a:buFontTx/>
-                <a:buNone/>
-              </a:pPr>
-              <a:t>23</a:t>
-            </a:fld>
-            <a:endParaRPr lang="de-DE" altLang="de-DE" sz="1000"/>
-          </a:p>
-        </p:txBody>
-      </p:sp>
-      <p:sp>
-        <p:nvSpPr>
-          <p:cNvPr id="11" name="Inhaltsplatzhalter 12">
-            <a:extLst>
-              <a:ext uri="{FF2B5EF4-FFF2-40B4-BE49-F238E27FC236}">
-                <a16:creationId xmlns:a16="http://schemas.microsoft.com/office/drawing/2014/main" id="{52183B3E-1030-4990-A081-94B25C4FD246}"/>
-              </a:ext>
-            </a:extLst>
-          </p:cNvPr>
-          <p:cNvSpPr>
-            <a:spLocks noGrp="1"/>
-          </p:cNvSpPr>
-          <p:nvPr>
-            <p:ph sz="quarter" idx="21"/>
+            <p:ph type="pic" sz="quarter" idx="14"/>
           </p:nvPr>
         </p:nvSpPr>
         <p:spPr>
           <a:xfrm>
-            <a:off x="463550" y="1697038"/>
-            <a:ext cx="6775450" cy="4741862"/>
+            <a:off x="6926263" y="963613"/>
+            <a:ext cx="1944687" cy="5626100"/>
           </a:xfrm>
         </p:spPr>
-        <p:txBody>
-          <a:bodyPr/>
-          <a:lstStyle/>
-          <a:p>
-            <a:pPr marL="685800" indent="-342900">
-              <a:buFont typeface="Arial" panose="020B0604020202020204" pitchFamily="34" charset="0"/>
-              <a:buChar char="•"/>
-            </a:pPr>
-            <a:r>
-              <a:rPr lang="de-DE" altLang="de-DE" dirty="0"/>
-              <a:t>Kommunikation fördern und aktiv mitgestalten</a:t>
-            </a:r>
-          </a:p>
-          <a:p>
-            <a:pPr marL="685800" indent="-342900">
-              <a:buFont typeface="Arial" panose="020B0604020202020204" pitchFamily="34" charset="0"/>
-              <a:buChar char="•"/>
-            </a:pPr>
-            <a:r>
-              <a:rPr lang="de-DE" altLang="de-DE" dirty="0"/>
-              <a:t>Wissens- und Erfahrungsaustausch</a:t>
-            </a:r>
-          </a:p>
-          <a:p>
-            <a:pPr marL="685800" indent="-342900">
-              <a:buFont typeface="Arial" panose="020B0604020202020204" pitchFamily="34" charset="0"/>
-              <a:buChar char="•"/>
-            </a:pPr>
-            <a:r>
-              <a:rPr lang="de-DE" altLang="de-DE" dirty="0"/>
-              <a:t>Glaubwürdigkeit, Konsistenz</a:t>
-            </a:r>
-          </a:p>
-          <a:p>
-            <a:pPr marL="685800" indent="-342900">
-              <a:buFont typeface="Arial" panose="020B0604020202020204" pitchFamily="34" charset="0"/>
-              <a:buChar char="•"/>
-            </a:pPr>
-            <a:r>
-              <a:rPr lang="de-DE" altLang="de-DE" dirty="0"/>
-              <a:t>Informationen an die Bedürfnisse der Empfänger anpassen</a:t>
-            </a:r>
-          </a:p>
-          <a:p>
-            <a:pPr marL="685800" indent="-342900">
-              <a:buFont typeface="Arial" panose="020B0604020202020204" pitchFamily="34" charset="0"/>
-              <a:buChar char="•"/>
-            </a:pPr>
-            <a:r>
-              <a:rPr lang="de-DE" altLang="de-DE" dirty="0"/>
-              <a:t>Mehrwert und Anteil am Erfolg des Unternehmens vermitteln</a:t>
-            </a:r>
-          </a:p>
-          <a:p>
-            <a:pPr marL="1400175" lvl="2">
-              <a:buFont typeface="Arial" panose="020B0604020202020204" pitchFamily="34" charset="0"/>
-              <a:buChar char="•"/>
-            </a:pPr>
-            <a:endParaRPr lang="de-DE" altLang="de-DE" sz="2000" dirty="0"/>
-          </a:p>
-          <a:p>
-            <a:pPr marL="342900"/>
-            <a:endParaRPr lang="de-DE" altLang="de-DE" dirty="0"/>
-          </a:p>
-          <a:p>
-            <a:pPr marL="685800" lvl="1" indent="0">
-              <a:buNone/>
-            </a:pPr>
-            <a:endParaRPr lang="de-DE" altLang="de-DE" dirty="0"/>
-          </a:p>
-          <a:p>
-            <a:pPr marL="1028700" lvl="1">
-              <a:buFont typeface="Arial" panose="020B0604020202020204" pitchFamily="34" charset="0"/>
-              <a:buChar char="•"/>
-            </a:pPr>
-            <a:endParaRPr lang="de-DE" altLang="de-DE" sz="2000" dirty="0"/>
-          </a:p>
-        </p:txBody>
       </p:sp>
     </p:spTree>
     <p:extLst>
       <p:ext uri="{BB962C8B-B14F-4D97-AF65-F5344CB8AC3E}">
-        <p14:creationId xmlns:p14="http://schemas.microsoft.com/office/powerpoint/2010/main" val="208876869"/>
+        <p14:creationId xmlns:p14="http://schemas.microsoft.com/office/powerpoint/2010/main" val="1484846296"/>
       </p:ext>
     </p:extLst>
   </p:cSld>
@@ -24983,14 +24389,28 @@
                 <a:latin typeface="Calibri Light"/>
                 <a:cs typeface="Calibri Light"/>
               </a:rPr>
-              <a:t>Kommunikatives </a:t>
+              <a:t>Information </a:t>
             </a:r>
             <a:r>
               <a:rPr lang="de-DE" sz="5400" cap="all" dirty="0" err="1">
                 <a:latin typeface="Calibri Light"/>
                 <a:cs typeface="Calibri Light"/>
               </a:rPr>
-              <a:t>marketing</a:t>
+              <a:t>security</a:t>
+            </a:r>
+            <a:r>
+              <a:rPr lang="de-DE" sz="5400" cap="all" dirty="0">
+                <a:latin typeface="Calibri Light"/>
+                <a:cs typeface="Calibri Light"/>
+              </a:rPr>
+              <a:t> </a:t>
+            </a:r>
+            <a:r>
+              <a:rPr lang="de-DE" sz="5400" cap="all" dirty="0" err="1">
+                <a:latin typeface="Calibri Light"/>
+                <a:cs typeface="Calibri Light"/>
+              </a:rPr>
+              <a:t>awareness</a:t>
             </a:r>
             <a:endParaRPr lang="de-DE" sz="5400" cap="all" dirty="0">
               <a:cs typeface="Calibri Light"/>
@@ -25024,7 +24444,7 @@
     </p:spTree>
     <p:extLst>
       <p:ext uri="{BB962C8B-B14F-4D97-AF65-F5344CB8AC3E}">
-        <p14:creationId xmlns:p14="http://schemas.microsoft.com/office/powerpoint/2010/main" val="1484846296"/>
+        <p14:creationId xmlns:p14="http://schemas.microsoft.com/office/powerpoint/2010/main" val="716089871"/>
       </p:ext>
     </p:extLst>
   </p:cSld>
@@ -25539,28 +24959,7 @@
                 <a:latin typeface="Calibri Light"/>
                 <a:cs typeface="Calibri Light"/>
               </a:rPr>
-              <a:t>Information </a:t>
-            </a:r>
-            <a:r>
-              <a:rPr lang="de-DE" sz="5400" cap="all" dirty="0" err="1">
-                <a:latin typeface="Calibri Light"/>
-                <a:cs typeface="Calibri Light"/>
-              </a:rPr>
-              <a:t>security</a:t>
-            </a:r>
-            <a:r>
-              <a:rPr lang="de-DE" sz="5400" cap="all" dirty="0">
-                <a:latin typeface="Calibri Light"/>
-                <a:cs typeface="Calibri Light"/>
-              </a:rPr>
-              <a:t> </a:t>
-            </a:r>
-            <a:r>
-              <a:rPr lang="de-DE" sz="5400" cap="all" dirty="0" err="1">
-                <a:latin typeface="Calibri Light"/>
-                <a:cs typeface="Calibri Light"/>
-              </a:rPr>
-              <a:t>awareness</a:t>
+              <a:t>End-user-kommunikation</a:t>
             </a:r>
             <a:endParaRPr lang="de-DE" sz="5400" cap="all" dirty="0">
               <a:cs typeface="Calibri Light"/>
@@ -25594,7 +24993,7 @@
     </p:spTree>
     <p:extLst>
       <p:ext uri="{BB962C8B-B14F-4D97-AF65-F5344CB8AC3E}">
-        <p14:creationId xmlns:p14="http://schemas.microsoft.com/office/powerpoint/2010/main" val="716089871"/>
+        <p14:creationId xmlns:p14="http://schemas.microsoft.com/office/powerpoint/2010/main" val="3397398721"/>
       </p:ext>
     </p:extLst>
   </p:cSld>
@@ -26109,555 +25508,6 @@
                 <a:latin typeface="Calibri Light"/>
                 <a:cs typeface="Calibri Light"/>
               </a:rPr>
-              <a:t>End-user-kommunikation</a:t>
-            </a:r>
-            <a:endParaRPr lang="de-DE" sz="5400" cap="all" dirty="0">
-              <a:cs typeface="Calibri Light"/>
-            </a:endParaRPr>
-          </a:p>
-        </p:txBody>
-      </p:sp>
-      <p:sp>
-        <p:nvSpPr>
-          <p:cNvPr id="14341" name="Bildplatzhalter 13">
-            <a:extLst>
-              <a:ext uri="{FF2B5EF4-FFF2-40B4-BE49-F238E27FC236}">
-                <a16:creationId xmlns:a16="http://schemas.microsoft.com/office/drawing/2014/main" id="{CA62B5E4-E831-4648-B9DA-EA3A466187E6}"/>
-              </a:ext>
-            </a:extLst>
-          </p:cNvPr>
-          <p:cNvSpPr>
-            <a:spLocks noGrp="1" noTextEdit="1"/>
-          </p:cNvSpPr>
-          <p:nvPr>
-            <p:ph type="pic" sz="quarter" idx="14"/>
-          </p:nvPr>
-        </p:nvSpPr>
-        <p:spPr>
-          <a:xfrm>
-            <a:off x="6926263" y="963613"/>
-            <a:ext cx="1944687" cy="5626100"/>
-          </a:xfrm>
-        </p:spPr>
-      </p:sp>
-    </p:spTree>
-    <p:extLst>
-      <p:ext uri="{BB962C8B-B14F-4D97-AF65-F5344CB8AC3E}">
-        <p14:creationId xmlns:p14="http://schemas.microsoft.com/office/powerpoint/2010/main" val="3397398721"/>
-      </p:ext>
-    </p:extLst>
-  </p:cSld>
-  <p:clrMapOvr>
-    <a:masterClrMapping/>
-  </p:clrMapOvr>
-  <mc:AlternateContent xmlns:mc="http://schemas.openxmlformats.org/markup-compatibility/2006" xmlns:p14="http://schemas.microsoft.com/office/powerpoint/2010/main">
-    <mc:Choice Requires="p14">
-      <p:transition p14:dur="0"/>
-    </mc:Choice>
-    <mc:Fallback xmlns="">
-      <p:transition/>
-    </mc:Fallback>
-  </mc:AlternateContent>
-</p:sld>
-</file>
-
-<file path=ppt/slides/slide27.xml><?xml version="1.0" encoding="utf-8"?>
-<p:sld xmlns:a="http://schemas.openxmlformats.org/drawingml/2006/main" xmlns:r="http://schemas.openxmlformats.org/officeDocument/2006/relationships" xmlns:p="http://schemas.openxmlformats.org/presentationml/2006/main">
-  <p:cSld>
-    <p:spTree>
-      <p:nvGrpSpPr>
-        <p:cNvPr id="1" name=""/>
-        <p:cNvGrpSpPr/>
-        <p:nvPr/>
-      </p:nvGrpSpPr>
-      <p:grpSpPr>
-        <a:xfrm>
-          <a:off x="0" y="0"/>
-          <a:ext cx="0" cy="0"/>
-          <a:chOff x="0" y="0"/>
-          <a:chExt cx="0" cy="0"/>
-        </a:xfrm>
-      </p:grpSpPr>
-      <p:sp>
-        <p:nvSpPr>
-          <p:cNvPr id="14338" name="Textfeld 30">
-            <a:extLst>
-              <a:ext uri="{FF2B5EF4-FFF2-40B4-BE49-F238E27FC236}">
-                <a16:creationId xmlns:a16="http://schemas.microsoft.com/office/drawing/2014/main" id="{D9E670DC-973E-4B88-BB53-A3A4ACAA85E9}"/>
-              </a:ext>
-            </a:extLst>
-          </p:cNvPr>
-          <p:cNvSpPr txBox="1">
-            <a:spLocks noChangeArrowheads="1"/>
-          </p:cNvSpPr>
-          <p:nvPr/>
-        </p:nvSpPr>
-        <p:spPr bwMode="auto">
-          <a:xfrm>
-            <a:off x="1617663" y="6773863"/>
-            <a:ext cx="184150" cy="368300"/>
-          </a:xfrm>
-          <a:prstGeom prst="rect">
-            <a:avLst/>
-          </a:prstGeom>
-          <a:noFill/>
-          <a:ln>
-            <a:noFill/>
-          </a:ln>
-          <a:extLst>
-            <a:ext uri="{909E8E84-426E-40DD-AFC4-6F175D3DCCD1}">
-              <a14:hiddenFill xmlns:a14="http://schemas.microsoft.com/office/drawing/2010/main">
-                <a:solidFill>
-                  <a:srgbClr val="FFFFFF"/>
-                </a:solidFill>
-              </a14:hiddenFill>
-            </a:ext>
-            <a:ext uri="{91240B29-F687-4F45-9708-019B960494DF}">
-              <a14:hiddenLine xmlns:a14="http://schemas.microsoft.com/office/drawing/2010/main" w="9525">
-                <a:solidFill>
-                  <a:srgbClr val="000000"/>
-                </a:solidFill>
-                <a:miter lim="800000"/>
-                <a:headEnd/>
-                <a:tailEnd/>
-              </a14:hiddenLine>
-            </a:ext>
-          </a:extLst>
-        </p:spPr>
-        <p:txBody>
-          <a:bodyPr wrap="none">
-            <a:spAutoFit/>
-          </a:bodyPr>
-          <a:lstStyle>
-            <a:lvl1pPr eaLnBrk="0" hangingPunct="0">
-              <a:buSzPct val="90000"/>
-              <a:buFont typeface="Lucida Grande" pitchFamily="125" charset="0"/>
-              <a:defRPr sz="2200">
-                <a:solidFill>
-                  <a:srgbClr val="002D58"/>
-                </a:solidFill>
-                <a:latin typeface="Calibri" panose="020F0502020204030204" pitchFamily="34" charset="0"/>
-                <a:ea typeface="ヒラギノ角ゴ Pro W3" pitchFamily="125" charset="-128"/>
-              </a:defRPr>
-            </a:lvl1pPr>
-            <a:lvl2pPr marL="742950" indent="-285750" eaLnBrk="0" hangingPunct="0">
-              <a:buSzPct val="90000"/>
-              <a:buFont typeface="Lucida Grande" pitchFamily="125" charset="0"/>
-              <a:buChar char="I"/>
-              <a:defRPr sz="2200">
-                <a:solidFill>
-                  <a:srgbClr val="002D58"/>
-                </a:solidFill>
-                <a:latin typeface="Calibri" panose="020F0502020204030204" pitchFamily="34" charset="0"/>
-                <a:ea typeface="ヒラギノ角ゴ Pro W3" pitchFamily="125" charset="-128"/>
-              </a:defRPr>
-            </a:lvl2pPr>
-            <a:lvl3pPr marL="1143000" indent="-228600" eaLnBrk="0" hangingPunct="0">
-              <a:buSzPct val="90000"/>
-              <a:buFont typeface="Lucida Grande" pitchFamily="125" charset="0"/>
-              <a:buChar char="I"/>
-              <a:defRPr>
-                <a:solidFill>
-                  <a:srgbClr val="002D58"/>
-                </a:solidFill>
-                <a:latin typeface="Calibri" panose="020F0502020204030204" pitchFamily="34" charset="0"/>
-                <a:ea typeface="ヒラギノ角ゴ Pro W3" pitchFamily="125" charset="-128"/>
-              </a:defRPr>
-            </a:lvl3pPr>
-            <a:lvl4pPr marL="1600200" indent="-228600" eaLnBrk="0" hangingPunct="0">
-              <a:buSzPct val="90000"/>
-              <a:buFont typeface="Lucida Grande" pitchFamily="125" charset="0"/>
-              <a:buChar char="I"/>
-              <a:defRPr>
-                <a:solidFill>
-                  <a:srgbClr val="002D58"/>
-                </a:solidFill>
-                <a:latin typeface="Calibri" panose="020F0502020204030204" pitchFamily="34" charset="0"/>
-                <a:ea typeface="ヒラギノ角ゴ Pro W3" pitchFamily="125" charset="-128"/>
-              </a:defRPr>
-            </a:lvl4pPr>
-            <a:lvl5pPr marL="2057400" indent="-228600" eaLnBrk="0" hangingPunct="0">
-              <a:buSzPct val="90000"/>
-              <a:buFont typeface="Lucida Grande" pitchFamily="125" charset="0"/>
-              <a:buChar char="I"/>
-              <a:defRPr>
-                <a:solidFill>
-                  <a:srgbClr val="002D58"/>
-                </a:solidFill>
-                <a:latin typeface="Calibri" panose="020F0502020204030204" pitchFamily="34" charset="0"/>
-                <a:ea typeface="ヒラギノ角ゴ Pro W3" pitchFamily="125" charset="-128"/>
-              </a:defRPr>
-            </a:lvl5pPr>
-            <a:lvl6pPr marL="2514600" indent="-228600" defTabSz="457200" eaLnBrk="0" fontAlgn="base" hangingPunct="0">
-              <a:spcBef>
-                <a:spcPct val="0"/>
-              </a:spcBef>
-              <a:spcAft>
-                <a:spcPct val="0"/>
-              </a:spcAft>
-              <a:buSzPct val="90000"/>
-              <a:buFont typeface="Lucida Grande" pitchFamily="125" charset="0"/>
-              <a:buChar char="I"/>
-              <a:defRPr>
-                <a:solidFill>
-                  <a:srgbClr val="002D58"/>
-                </a:solidFill>
-                <a:latin typeface="Calibri" panose="020F0502020204030204" pitchFamily="34" charset="0"/>
-                <a:ea typeface="ヒラギノ角ゴ Pro W3" pitchFamily="125" charset="-128"/>
-              </a:defRPr>
-            </a:lvl6pPr>
-            <a:lvl7pPr marL="2971800" indent="-228600" defTabSz="457200" eaLnBrk="0" fontAlgn="base" hangingPunct="0">
-              <a:spcBef>
-                <a:spcPct val="0"/>
-              </a:spcBef>
-              <a:spcAft>
-                <a:spcPct val="0"/>
-              </a:spcAft>
-              <a:buSzPct val="90000"/>
-              <a:buFont typeface="Lucida Grande" pitchFamily="125" charset="0"/>
-              <a:buChar char="I"/>
-              <a:defRPr>
-                <a:solidFill>
-                  <a:srgbClr val="002D58"/>
-                </a:solidFill>
-                <a:latin typeface="Calibri" panose="020F0502020204030204" pitchFamily="34" charset="0"/>
-                <a:ea typeface="ヒラギノ角ゴ Pro W3" pitchFamily="125" charset="-128"/>
-              </a:defRPr>
-            </a:lvl7pPr>
-            <a:lvl8pPr marL="3429000" indent="-228600" defTabSz="457200" eaLnBrk="0" fontAlgn="base" hangingPunct="0">
-              <a:spcBef>
-                <a:spcPct val="0"/>
-              </a:spcBef>
-              <a:spcAft>
-                <a:spcPct val="0"/>
-              </a:spcAft>
-              <a:buSzPct val="90000"/>
-              <a:buFont typeface="Lucida Grande" pitchFamily="125" charset="0"/>
-              <a:buChar char="I"/>
-              <a:defRPr>
-                <a:solidFill>
-                  <a:srgbClr val="002D58"/>
-                </a:solidFill>
-                <a:latin typeface="Calibri" panose="020F0502020204030204" pitchFamily="34" charset="0"/>
-                <a:ea typeface="ヒラギノ角ゴ Pro W3" pitchFamily="125" charset="-128"/>
-              </a:defRPr>
-            </a:lvl8pPr>
-            <a:lvl9pPr marL="3886200" indent="-228600" defTabSz="457200" eaLnBrk="0" fontAlgn="base" hangingPunct="0">
-              <a:spcBef>
-                <a:spcPct val="0"/>
-              </a:spcBef>
-              <a:spcAft>
-                <a:spcPct val="0"/>
-              </a:spcAft>
-              <a:buSzPct val="90000"/>
-              <a:buFont typeface="Lucida Grande" pitchFamily="125" charset="0"/>
-              <a:buChar char="I"/>
-              <a:defRPr>
-                <a:solidFill>
-                  <a:srgbClr val="002D58"/>
-                </a:solidFill>
-                <a:latin typeface="Calibri" panose="020F0502020204030204" pitchFamily="34" charset="0"/>
-                <a:ea typeface="ヒラギノ角ゴ Pro W3" pitchFamily="125" charset="-128"/>
-              </a:defRPr>
-            </a:lvl9pPr>
-          </a:lstStyle>
-          <a:p>
-            <a:pPr eaLnBrk="1" hangingPunct="1">
-              <a:buSzTx/>
-              <a:buFontTx/>
-              <a:buNone/>
-            </a:pPr>
-            <a:endParaRPr lang="de-DE" altLang="de-DE" sz="1800">
-              <a:solidFill>
-                <a:schemeClr val="tx1"/>
-              </a:solidFill>
-            </a:endParaRPr>
-          </a:p>
-        </p:txBody>
-      </p:sp>
-      <p:sp>
-        <p:nvSpPr>
-          <p:cNvPr id="14339" name="Textfeld 32">
-            <a:extLst>
-              <a:ext uri="{FF2B5EF4-FFF2-40B4-BE49-F238E27FC236}">
-                <a16:creationId xmlns:a16="http://schemas.microsoft.com/office/drawing/2014/main" id="{EFF6A0F3-6C3E-4D82-8964-8A5203CEE63D}"/>
-              </a:ext>
-            </a:extLst>
-          </p:cNvPr>
-          <p:cNvSpPr txBox="1">
-            <a:spLocks noChangeArrowheads="1"/>
-          </p:cNvSpPr>
-          <p:nvPr/>
-        </p:nvSpPr>
-        <p:spPr bwMode="auto">
-          <a:xfrm>
-            <a:off x="744538" y="6799263"/>
-            <a:ext cx="185737" cy="368300"/>
-          </a:xfrm>
-          <a:prstGeom prst="rect">
-            <a:avLst/>
-          </a:prstGeom>
-          <a:noFill/>
-          <a:ln>
-            <a:noFill/>
-          </a:ln>
-          <a:extLst>
-            <a:ext uri="{909E8E84-426E-40DD-AFC4-6F175D3DCCD1}">
-              <a14:hiddenFill xmlns:a14="http://schemas.microsoft.com/office/drawing/2010/main">
-                <a:solidFill>
-                  <a:srgbClr val="FFFFFF"/>
-                </a:solidFill>
-              </a14:hiddenFill>
-            </a:ext>
-            <a:ext uri="{91240B29-F687-4F45-9708-019B960494DF}">
-              <a14:hiddenLine xmlns:a14="http://schemas.microsoft.com/office/drawing/2010/main" w="9525">
-                <a:solidFill>
-                  <a:srgbClr val="000000"/>
-                </a:solidFill>
-                <a:miter lim="800000"/>
-                <a:headEnd/>
-                <a:tailEnd/>
-              </a14:hiddenLine>
-            </a:ext>
-          </a:extLst>
-        </p:spPr>
-        <p:txBody>
-          <a:bodyPr wrap="none">
-            <a:spAutoFit/>
-          </a:bodyPr>
-          <a:lstStyle>
-            <a:lvl1pPr eaLnBrk="0" hangingPunct="0">
-              <a:buSzPct val="90000"/>
-              <a:buFont typeface="Lucida Grande" pitchFamily="125" charset="0"/>
-              <a:defRPr sz="2200">
-                <a:solidFill>
-                  <a:srgbClr val="002D58"/>
-                </a:solidFill>
-                <a:latin typeface="Calibri" panose="020F0502020204030204" pitchFamily="34" charset="0"/>
-                <a:ea typeface="ヒラギノ角ゴ Pro W3" pitchFamily="125" charset="-128"/>
-              </a:defRPr>
-            </a:lvl1pPr>
-            <a:lvl2pPr marL="742950" indent="-285750" eaLnBrk="0" hangingPunct="0">
-              <a:buSzPct val="90000"/>
-              <a:buFont typeface="Lucida Grande" pitchFamily="125" charset="0"/>
-              <a:buChar char="I"/>
-              <a:defRPr sz="2200">
-                <a:solidFill>
-                  <a:srgbClr val="002D58"/>
-                </a:solidFill>
-                <a:latin typeface="Calibri" panose="020F0502020204030204" pitchFamily="34" charset="0"/>
-                <a:ea typeface="ヒラギノ角ゴ Pro W3" pitchFamily="125" charset="-128"/>
-              </a:defRPr>
-            </a:lvl2pPr>
-            <a:lvl3pPr marL="1143000" indent="-228600" eaLnBrk="0" hangingPunct="0">
-              <a:buSzPct val="90000"/>
-              <a:buFont typeface="Lucida Grande" pitchFamily="125" charset="0"/>
-              <a:buChar char="I"/>
-              <a:defRPr>
-                <a:solidFill>
-                  <a:srgbClr val="002D58"/>
-                </a:solidFill>
-                <a:latin typeface="Calibri" panose="020F0502020204030204" pitchFamily="34" charset="0"/>
-                <a:ea typeface="ヒラギノ角ゴ Pro W3" pitchFamily="125" charset="-128"/>
-              </a:defRPr>
-            </a:lvl3pPr>
-            <a:lvl4pPr marL="1600200" indent="-228600" eaLnBrk="0" hangingPunct="0">
-              <a:buSzPct val="90000"/>
-              <a:buFont typeface="Lucida Grande" pitchFamily="125" charset="0"/>
-              <a:buChar char="I"/>
-              <a:defRPr>
-                <a:solidFill>
-                  <a:srgbClr val="002D58"/>
-                </a:solidFill>
-                <a:latin typeface="Calibri" panose="020F0502020204030204" pitchFamily="34" charset="0"/>
-                <a:ea typeface="ヒラギノ角ゴ Pro W3" pitchFamily="125" charset="-128"/>
-              </a:defRPr>
-            </a:lvl4pPr>
-            <a:lvl5pPr marL="2057400" indent="-228600" eaLnBrk="0" hangingPunct="0">
-              <a:buSzPct val="90000"/>
-              <a:buFont typeface="Lucida Grande" pitchFamily="125" charset="0"/>
-              <a:buChar char="I"/>
-              <a:defRPr>
-                <a:solidFill>
-                  <a:srgbClr val="002D58"/>
-                </a:solidFill>
-                <a:latin typeface="Calibri" panose="020F0502020204030204" pitchFamily="34" charset="0"/>
-                <a:ea typeface="ヒラギノ角ゴ Pro W3" pitchFamily="125" charset="-128"/>
-              </a:defRPr>
-            </a:lvl5pPr>
-            <a:lvl6pPr marL="2514600" indent="-228600" defTabSz="457200" eaLnBrk="0" fontAlgn="base" hangingPunct="0">
-              <a:spcBef>
-                <a:spcPct val="0"/>
-              </a:spcBef>
-              <a:spcAft>
-                <a:spcPct val="0"/>
-              </a:spcAft>
-              <a:buSzPct val="90000"/>
-              <a:buFont typeface="Lucida Grande" pitchFamily="125" charset="0"/>
-              <a:buChar char="I"/>
-              <a:defRPr>
-                <a:solidFill>
-                  <a:srgbClr val="002D58"/>
-                </a:solidFill>
-                <a:latin typeface="Calibri" panose="020F0502020204030204" pitchFamily="34" charset="0"/>
-                <a:ea typeface="ヒラギノ角ゴ Pro W3" pitchFamily="125" charset="-128"/>
-              </a:defRPr>
-            </a:lvl6pPr>
-            <a:lvl7pPr marL="2971800" indent="-228600" defTabSz="457200" eaLnBrk="0" fontAlgn="base" hangingPunct="0">
-              <a:spcBef>
-                <a:spcPct val="0"/>
-              </a:spcBef>
-              <a:spcAft>
-                <a:spcPct val="0"/>
-              </a:spcAft>
-              <a:buSzPct val="90000"/>
-              <a:buFont typeface="Lucida Grande" pitchFamily="125" charset="0"/>
-              <a:buChar char="I"/>
-              <a:defRPr>
-                <a:solidFill>
-                  <a:srgbClr val="002D58"/>
-                </a:solidFill>
-                <a:latin typeface="Calibri" panose="020F0502020204030204" pitchFamily="34" charset="0"/>
-                <a:ea typeface="ヒラギノ角ゴ Pro W3" pitchFamily="125" charset="-128"/>
-              </a:defRPr>
-            </a:lvl7pPr>
-            <a:lvl8pPr marL="3429000" indent="-228600" defTabSz="457200" eaLnBrk="0" fontAlgn="base" hangingPunct="0">
-              <a:spcBef>
-                <a:spcPct val="0"/>
-              </a:spcBef>
-              <a:spcAft>
-                <a:spcPct val="0"/>
-              </a:spcAft>
-              <a:buSzPct val="90000"/>
-              <a:buFont typeface="Lucida Grande" pitchFamily="125" charset="0"/>
-              <a:buChar char="I"/>
-              <a:defRPr>
-                <a:solidFill>
-                  <a:srgbClr val="002D58"/>
-                </a:solidFill>
-                <a:latin typeface="Calibri" panose="020F0502020204030204" pitchFamily="34" charset="0"/>
-                <a:ea typeface="ヒラギノ角ゴ Pro W3" pitchFamily="125" charset="-128"/>
-              </a:defRPr>
-            </a:lvl8pPr>
-            <a:lvl9pPr marL="3886200" indent="-228600" defTabSz="457200" eaLnBrk="0" fontAlgn="base" hangingPunct="0">
-              <a:spcBef>
-                <a:spcPct val="0"/>
-              </a:spcBef>
-              <a:spcAft>
-                <a:spcPct val="0"/>
-              </a:spcAft>
-              <a:buSzPct val="90000"/>
-              <a:buFont typeface="Lucida Grande" pitchFamily="125" charset="0"/>
-              <a:buChar char="I"/>
-              <a:defRPr>
-                <a:solidFill>
-                  <a:srgbClr val="002D58"/>
-                </a:solidFill>
-                <a:latin typeface="Calibri" panose="020F0502020204030204" pitchFamily="34" charset="0"/>
-                <a:ea typeface="ヒラギノ角ゴ Pro W3" pitchFamily="125" charset="-128"/>
-              </a:defRPr>
-            </a:lvl9pPr>
-          </a:lstStyle>
-          <a:p>
-            <a:pPr eaLnBrk="1" hangingPunct="1">
-              <a:buSzTx/>
-              <a:buFontTx/>
-              <a:buNone/>
-            </a:pPr>
-            <a:endParaRPr lang="de-DE" altLang="de-DE" sz="1800">
-              <a:solidFill>
-                <a:schemeClr val="tx1"/>
-              </a:solidFill>
-            </a:endParaRPr>
-          </a:p>
-        </p:txBody>
-      </p:sp>
-      <p:sp>
-        <p:nvSpPr>
-          <p:cNvPr id="10" name="Rechteck 9">
-            <a:extLst>
-              <a:ext uri="{FF2B5EF4-FFF2-40B4-BE49-F238E27FC236}">
-                <a16:creationId xmlns:a16="http://schemas.microsoft.com/office/drawing/2014/main" id="{9101E5F2-FD76-454C-87CE-802D4D115E2F}"/>
-              </a:ext>
-            </a:extLst>
-          </p:cNvPr>
-          <p:cNvSpPr/>
-          <p:nvPr/>
-        </p:nvSpPr>
-        <p:spPr>
-          <a:xfrm>
-            <a:off x="446088" y="2608263"/>
-            <a:ext cx="6353175" cy="3651250"/>
-          </a:xfrm>
-          <a:prstGeom prst="rect">
-            <a:avLst/>
-          </a:prstGeom>
-          <a:noFill/>
-          <a:ln>
-            <a:noFill/>
-          </a:ln>
-          <a:effectLst/>
-        </p:spPr>
-        <p:style>
-          <a:lnRef idx="1">
-            <a:schemeClr val="accent1"/>
-          </a:lnRef>
-          <a:fillRef idx="3">
-            <a:schemeClr val="accent1"/>
-          </a:fillRef>
-          <a:effectRef idx="2">
-            <a:schemeClr val="accent1"/>
-          </a:effectRef>
-          <a:fontRef idx="minor">
-            <a:schemeClr val="lt1"/>
-          </a:fontRef>
-        </p:style>
-        <p:txBody>
-          <a:bodyPr lIns="0" tIns="0" rIns="36000" bIns="0" spcCol="1332000"/>
-          <a:lstStyle/>
-          <a:p>
-            <a:pPr fontAlgn="auto">
-              <a:spcBef>
-                <a:spcPts val="0"/>
-              </a:spcBef>
-              <a:spcAft>
-                <a:spcPts val="0"/>
-              </a:spcAft>
-              <a:defRPr/>
-            </a:pPr>
-            <a:endParaRPr lang="de-DE" sz="2800" dirty="0">
-              <a:latin typeface="+mj-lt"/>
-            </a:endParaRPr>
-          </a:p>
-          <a:p>
-            <a:pPr fontAlgn="auto">
-              <a:spcBef>
-                <a:spcPts val="0"/>
-              </a:spcBef>
-              <a:spcAft>
-                <a:spcPts val="0"/>
-              </a:spcAft>
-              <a:defRPr/>
-            </a:pPr>
-            <a:endParaRPr lang="de-DE" sz="2800" dirty="0">
-              <a:latin typeface="+mj-lt"/>
-            </a:endParaRPr>
-          </a:p>
-          <a:p>
-            <a:pPr fontAlgn="auto">
-              <a:spcBef>
-                <a:spcPts val="0"/>
-              </a:spcBef>
-              <a:spcAft>
-                <a:spcPts val="0"/>
-              </a:spcAft>
-              <a:defRPr/>
-            </a:pPr>
-            <a:r>
-              <a:rPr lang="de-DE" sz="5400" cap="all" dirty="0">
-                <a:latin typeface="Calibri Light"/>
-                <a:cs typeface="Calibri Light"/>
-              </a:rPr>
               <a:t>Risiko Digitalisierung</a:t>
             </a:r>
             <a:endParaRPr lang="de-DE" sz="5400" cap="all" dirty="0">
@@ -26710,7 +25560,7 @@
 </p:sld>
 </file>
 
-<file path=ppt/slides/slide28.xml><?xml version="1.0" encoding="utf-8"?>
+<file path=ppt/slides/slide27.xml><?xml version="1.0" encoding="utf-8"?>
 <p:sld xmlns:a="http://schemas.openxmlformats.org/drawingml/2006/main" xmlns:r="http://schemas.openxmlformats.org/officeDocument/2006/relationships" xmlns:p="http://schemas.openxmlformats.org/presentationml/2006/main">
   <p:cSld>
     <p:spTree>
@@ -26818,72 +25668,8 @@
             </a:r>
             <a:r>
               <a:rPr lang="de-DE" altLang="de-DE" dirty="0"/>
-              <a:t>] Praxishandbuch IT-Kommunikation, Sandra </a:t>
-            </a:r>
-            <a:r>
-              <a:rPr lang="de-DE" altLang="de-DE" dirty="0" err="1"/>
-              <a:t>Aengenheyster</a:t>
-            </a:r>
-            <a:r>
-              <a:rPr lang="de-DE" altLang="de-DE" dirty="0"/>
-              <a:t> und Kim Miriam Dörr, Springer Gabler, 2019, E-Book</a:t>
-            </a:r>
-          </a:p>
-          <a:p>
-            <a:pPr eaLnBrk="1" hangingPunct="1"/>
-            <a:endParaRPr lang="de-DE" altLang="de-DE" dirty="0"/>
-          </a:p>
-          <a:p>
-            <a:r>
-              <a:rPr lang="de-DE" altLang="de-DE" dirty="0"/>
-              <a:t>[2] Was ist IT-</a:t>
-            </a:r>
-            <a:r>
-              <a:rPr lang="de-DE" altLang="de-DE" dirty="0" err="1"/>
-              <a:t>Governance</a:t>
-            </a:r>
-            <a:r>
-              <a:rPr lang="de-DE" altLang="de-DE" dirty="0"/>
-              <a:t>?, Stefan Luber, </a:t>
-            </a:r>
-            <a:r>
-              <a:rPr lang="de-DE" dirty="0">
-                <a:hlinkClick r:id="rId2"/>
-              </a:rPr>
-              <a:t>https://www.security-insider.de/was-ist-it-governance-a-640525/</a:t>
-            </a:r>
-            <a:r>
-              <a:rPr lang="de-DE" dirty="0"/>
-              <a:t>, zuletzt aufgerufen: 04.04.2019</a:t>
-            </a:r>
-          </a:p>
-          <a:p>
-            <a:endParaRPr lang="de-DE" altLang="de-DE" dirty="0"/>
-          </a:p>
-          <a:p>
-            <a:r>
-              <a:rPr lang="de-DE" altLang="de-DE" dirty="0"/>
-              <a:t>[3] IT-</a:t>
-            </a:r>
-            <a:r>
-              <a:rPr lang="de-DE" altLang="de-DE" dirty="0" err="1"/>
-              <a:t>Governance</a:t>
-            </a:r>
-            <a:r>
-              <a:rPr lang="de-DE" altLang="de-DE" dirty="0"/>
-              <a:t>-Framework, Marcus Messerschmidt, </a:t>
-            </a:r>
-            <a:r>
-              <a:rPr lang="de-DE" dirty="0">
-                <a:hlinkClick r:id="rId3"/>
-              </a:rPr>
-              <a:t>https://www.pwc.de/de/strategie-organisation-prozesse-systeme/it-governance-framework.html</a:t>
-            </a:r>
-            <a:r>
-              <a:rPr lang="de-DE" dirty="0"/>
-              <a:t>, zuletzt aufgerufen: 04.04.2019</a:t>
-            </a:r>
-            <a:endParaRPr lang="de-DE" altLang="de-DE" dirty="0"/>
+              <a:t>] Praxishandbuch IT-Kommunikation, Sandra Aengenheyster und Kim Miriam Dörr, Springer Gabler, 2019, E-Book</a:t>
+            </a:r>
           </a:p>
         </p:txBody>
       </p:sp>
@@ -27450,7 +26236,7 @@
                 <a:buFontTx/>
                 <a:buNone/>
               </a:pPr>
-              <a:t>28</a:t>
+              <a:t>27</a:t>
             </a:fld>
             <a:endParaRPr lang="de-DE" altLang="de-DE" sz="1000"/>
           </a:p>
@@ -27477,7 +26263,7 @@
 </p:sld>
 </file>
 
-<file path=ppt/slides/slide29.xml><?xml version="1.0" encoding="utf-8"?>
+<file path=ppt/slides/slide28.xml><?xml version="1.0" encoding="utf-8"?>
 <p:sld xmlns:a="http://schemas.openxmlformats.org/drawingml/2006/main" xmlns:r="http://schemas.openxmlformats.org/officeDocument/2006/relationships" xmlns:p="http://schemas.openxmlformats.org/presentationml/2006/main">
   <p:cSld>
     <p:spTree>
@@ -28020,12 +26806,694 @@
             <a:fld id="{F846377B-F563-4071-BF06-49AEC7E395EC}" type="slidenum">
               <a:rPr lang="de-DE" altLang="de-DE" smtClean="0"/>
               <a:pPr/>
-              <a:t>29</a:t>
+              <a:t>28</a:t>
             </a:fld>
             <a:endParaRPr lang="de-DE" altLang="de-DE"/>
           </a:p>
         </p:txBody>
       </p:sp>
+    </p:spTree>
+  </p:cSld>
+  <p:clrMapOvr>
+    <a:masterClrMapping/>
+  </p:clrMapOvr>
+  <mc:AlternateContent xmlns:mc="http://schemas.openxmlformats.org/markup-compatibility/2006" xmlns:p14="http://schemas.microsoft.com/office/powerpoint/2010/main">
+    <mc:Choice Requires="p14">
+      <p:transition p14:dur="0"/>
+    </mc:Choice>
+    <mc:Fallback xmlns="">
+      <p:transition/>
+    </mc:Fallback>
+  </mc:AlternateContent>
+</p:sld>
+</file>
+
+<file path=ppt/slides/slide29.xml><?xml version="1.0" encoding="utf-8"?>
+<p:sld xmlns:a="http://schemas.openxmlformats.org/drawingml/2006/main" xmlns:r="http://schemas.openxmlformats.org/officeDocument/2006/relationships" xmlns:p="http://schemas.openxmlformats.org/presentationml/2006/main">
+  <p:cSld>
+    <p:spTree>
+      <p:nvGrpSpPr>
+        <p:cNvPr id="1" name=""/>
+        <p:cNvGrpSpPr/>
+        <p:nvPr/>
+      </p:nvGrpSpPr>
+      <p:grpSpPr>
+        <a:xfrm>
+          <a:off x="0" y="0"/>
+          <a:ext cx="0" cy="0"/>
+          <a:chOff x="0" y="0"/>
+          <a:chExt cx="0" cy="0"/>
+        </a:xfrm>
+      </p:grpSpPr>
+      <p:sp>
+        <p:nvSpPr>
+          <p:cNvPr id="3" name="Untertitel 2">
+            <a:extLst>
+              <a:ext uri="{FF2B5EF4-FFF2-40B4-BE49-F238E27FC236}">
+                <a16:creationId xmlns:a16="http://schemas.microsoft.com/office/drawing/2014/main" id="{889D8B81-2A08-4337-9007-B50EB5EA152C}"/>
+              </a:ext>
+            </a:extLst>
+          </p:cNvPr>
+          <p:cNvSpPr>
+            <a:spLocks noGrp="1"/>
+          </p:cNvSpPr>
+          <p:nvPr>
+            <p:ph type="subTitle" idx="1"/>
+          </p:nvPr>
+        </p:nvSpPr>
+        <p:spPr>
+          <a:xfrm>
+            <a:off x="457200" y="3254375"/>
+            <a:ext cx="6472238" cy="3070225"/>
+          </a:xfrm>
+        </p:spPr>
+        <p:txBody>
+          <a:bodyPr rtlCol="0">
+            <a:normAutofit/>
+          </a:bodyPr>
+          <a:lstStyle/>
+          <a:p>
+            <a:pPr>
+              <a:defRPr/>
+            </a:pPr>
+            <a:endParaRPr/>
+          </a:p>
+          <a:p>
+            <a:pPr>
+              <a:defRPr/>
+            </a:pPr>
+            <a:endParaRPr/>
+          </a:p>
+        </p:txBody>
+      </p:sp>
+      <p:sp>
+        <p:nvSpPr>
+          <p:cNvPr id="2" name="Titel 1">
+            <a:extLst>
+              <a:ext uri="{FF2B5EF4-FFF2-40B4-BE49-F238E27FC236}">
+                <a16:creationId xmlns:a16="http://schemas.microsoft.com/office/drawing/2014/main" id="{3CEF34B0-2D8A-4060-9335-E42325D575C7}"/>
+              </a:ext>
+            </a:extLst>
+          </p:cNvPr>
+          <p:cNvSpPr>
+            <a:spLocks noGrp="1"/>
+          </p:cNvSpPr>
+          <p:nvPr>
+            <p:ph type="title" idx="4294967295"/>
+          </p:nvPr>
+        </p:nvSpPr>
+        <p:spPr>
+          <a:xfrm>
+            <a:off x="0" y="3435350"/>
+            <a:ext cx="6281738" cy="401638"/>
+          </a:xfrm>
+          <a:prstGeom prst="rect">
+            <a:avLst/>
+          </a:prstGeom>
+        </p:spPr>
+        <p:txBody>
+          <a:bodyPr/>
+          <a:lstStyle/>
+          <a:p>
+            <a:pPr eaLnBrk="1" fontAlgn="auto" hangingPunct="1">
+              <a:spcAft>
+                <a:spcPts val="0"/>
+              </a:spcAft>
+              <a:defRPr/>
+            </a:pPr>
+            <a:br>
+              <a:rPr lang="de-DE" dirty="0">
+                <a:solidFill>
+                  <a:srgbClr val="FFFFFF"/>
+                </a:solidFill>
+                <a:latin typeface="Calibri Light"/>
+                <a:ea typeface="+mj-ea"/>
+              </a:rPr>
+            </a:br>
+            <a:endParaRPr lang="de-DE" dirty="0">
+              <a:ea typeface="+mj-ea"/>
+            </a:endParaRPr>
+          </a:p>
+        </p:txBody>
+      </p:sp>
+      <p:sp>
+        <p:nvSpPr>
+          <p:cNvPr id="10" name="Textfeld 9">
+            <a:extLst>
+              <a:ext uri="{FF2B5EF4-FFF2-40B4-BE49-F238E27FC236}">
+                <a16:creationId xmlns:a16="http://schemas.microsoft.com/office/drawing/2014/main" id="{852651FB-DFAD-4DE8-924D-E7FC4F854A7D}"/>
+              </a:ext>
+            </a:extLst>
+          </p:cNvPr>
+          <p:cNvSpPr txBox="1"/>
+          <p:nvPr/>
+        </p:nvSpPr>
+        <p:spPr>
+          <a:xfrm>
+            <a:off x="458788" y="4283075"/>
+            <a:ext cx="6048375" cy="1868488"/>
+          </a:xfrm>
+          <a:prstGeom prst="rect">
+            <a:avLst/>
+          </a:prstGeom>
+          <a:noFill/>
+        </p:spPr>
+        <p:txBody>
+          <a:bodyPr lIns="0" rIns="0">
+            <a:spAutoFit/>
+          </a:bodyPr>
+          <a:lstStyle/>
+          <a:p>
+            <a:pPr fontAlgn="auto">
+              <a:lnSpc>
+                <a:spcPct val="80000"/>
+              </a:lnSpc>
+              <a:spcBef>
+                <a:spcPts val="0"/>
+              </a:spcBef>
+              <a:spcAft>
+                <a:spcPts val="0"/>
+              </a:spcAft>
+              <a:defRPr/>
+            </a:pPr>
+            <a:r>
+              <a:rPr lang="de-DE" sz="2000" cap="all" spc="100" dirty="0">
+                <a:solidFill>
+                  <a:srgbClr val="FFFFFF"/>
+                </a:solidFill>
+                <a:latin typeface="Calibri Light"/>
+                <a:ea typeface="+mj-ea"/>
+                <a:cs typeface="+mj-cs"/>
+              </a:rPr>
+              <a:t>01.09.2017, Stuttgart</a:t>
+            </a:r>
+          </a:p>
+          <a:p>
+            <a:pPr fontAlgn="auto">
+              <a:lnSpc>
+                <a:spcPct val="80000"/>
+              </a:lnSpc>
+              <a:spcBef>
+                <a:spcPts val="0"/>
+              </a:spcBef>
+              <a:spcAft>
+                <a:spcPts val="0"/>
+              </a:spcAft>
+              <a:defRPr/>
+            </a:pPr>
+            <a:r>
+              <a:rPr lang="de-DE" sz="5400" cap="all" dirty="0">
+                <a:solidFill>
+                  <a:srgbClr val="FFFFFF"/>
+                </a:solidFill>
+                <a:latin typeface="Calibri"/>
+                <a:ea typeface="+mn-ea"/>
+                <a:cs typeface="Calibri"/>
+              </a:rPr>
+              <a:t>Hochschule </a:t>
+            </a:r>
+          </a:p>
+          <a:p>
+            <a:pPr fontAlgn="auto">
+              <a:lnSpc>
+                <a:spcPct val="70000"/>
+              </a:lnSpc>
+              <a:spcBef>
+                <a:spcPts val="0"/>
+              </a:spcBef>
+              <a:spcAft>
+                <a:spcPts val="0"/>
+              </a:spcAft>
+              <a:defRPr/>
+            </a:pPr>
+            <a:r>
+              <a:rPr lang="de-DE" sz="5400" cap="all" dirty="0">
+                <a:solidFill>
+                  <a:srgbClr val="FFFFFF"/>
+                </a:solidFill>
+                <a:latin typeface="Calibri"/>
+                <a:ea typeface="+mn-ea"/>
+                <a:cs typeface="Calibri"/>
+              </a:rPr>
+              <a:t>Esslingen</a:t>
+            </a:r>
+          </a:p>
+          <a:p>
+            <a:pPr fontAlgn="auto">
+              <a:lnSpc>
+                <a:spcPct val="90000"/>
+              </a:lnSpc>
+              <a:spcBef>
+                <a:spcPts val="0"/>
+              </a:spcBef>
+              <a:spcAft>
+                <a:spcPts val="0"/>
+              </a:spcAft>
+              <a:defRPr/>
+            </a:pPr>
+            <a:r>
+              <a:rPr lang="de-DE" sz="2000" cap="all" spc="100" dirty="0">
+                <a:solidFill>
+                  <a:srgbClr val="FFFFFF"/>
+                </a:solidFill>
+                <a:latin typeface="Calibri Light"/>
+                <a:ea typeface="+mj-ea"/>
+                <a:cs typeface="+mj-cs"/>
+              </a:rPr>
+              <a:t>Nah an Mensch und Technik</a:t>
+            </a:r>
+          </a:p>
+        </p:txBody>
+      </p:sp>
+      <p:sp>
+        <p:nvSpPr>
+          <p:cNvPr id="12293" name="Textfeld 10">
+            <a:extLst>
+              <a:ext uri="{FF2B5EF4-FFF2-40B4-BE49-F238E27FC236}">
+                <a16:creationId xmlns:a16="http://schemas.microsoft.com/office/drawing/2014/main" id="{454FD221-C62B-4F98-868A-5E4EC62F3649}"/>
+              </a:ext>
+            </a:extLst>
+          </p:cNvPr>
+          <p:cNvSpPr txBox="1">
+            <a:spLocks noChangeArrowheads="1"/>
+          </p:cNvSpPr>
+          <p:nvPr/>
+        </p:nvSpPr>
+        <p:spPr bwMode="auto">
+          <a:xfrm>
+            <a:off x="9852025" y="500063"/>
+            <a:ext cx="914400" cy="914400"/>
+          </a:xfrm>
+          <a:prstGeom prst="rect">
+            <a:avLst/>
+          </a:prstGeom>
+          <a:noFill/>
+          <a:ln>
+            <a:noFill/>
+          </a:ln>
+          <a:extLst>
+            <a:ext uri="{909E8E84-426E-40DD-AFC4-6F175D3DCCD1}">
+              <a14:hiddenFill xmlns:a14="http://schemas.microsoft.com/office/drawing/2010/main">
+                <a:solidFill>
+                  <a:srgbClr val="FFFFFF"/>
+                </a:solidFill>
+              </a14:hiddenFill>
+            </a:ext>
+            <a:ext uri="{91240B29-F687-4F45-9708-019B960494DF}">
+              <a14:hiddenLine xmlns:a14="http://schemas.microsoft.com/office/drawing/2010/main" w="9525">
+                <a:solidFill>
+                  <a:srgbClr val="000000"/>
+                </a:solidFill>
+                <a:miter lim="800000"/>
+                <a:headEnd/>
+                <a:tailEnd/>
+              </a14:hiddenLine>
+            </a:ext>
+          </a:extLst>
+        </p:spPr>
+        <p:txBody>
+          <a:bodyPr wrap="none" lIns="0"/>
+          <a:lstStyle>
+            <a:lvl1pPr eaLnBrk="0" hangingPunct="0">
+              <a:buSzPct val="90000"/>
+              <a:buFont typeface="Lucida Grande" pitchFamily="125" charset="0"/>
+              <a:defRPr sz="2200">
+                <a:solidFill>
+                  <a:srgbClr val="002D58"/>
+                </a:solidFill>
+                <a:latin typeface="Calibri" panose="020F0502020204030204" pitchFamily="34" charset="0"/>
+                <a:ea typeface="ヒラギノ角ゴ Pro W3" pitchFamily="125" charset="-128"/>
+              </a:defRPr>
+            </a:lvl1pPr>
+            <a:lvl2pPr marL="742950" indent="-285750" eaLnBrk="0" hangingPunct="0">
+              <a:buSzPct val="90000"/>
+              <a:buFont typeface="Lucida Grande" pitchFamily="125" charset="0"/>
+              <a:buChar char="I"/>
+              <a:defRPr sz="2200">
+                <a:solidFill>
+                  <a:srgbClr val="002D58"/>
+                </a:solidFill>
+                <a:latin typeface="Calibri" panose="020F0502020204030204" pitchFamily="34" charset="0"/>
+                <a:ea typeface="ヒラギノ角ゴ Pro W3" pitchFamily="125" charset="-128"/>
+              </a:defRPr>
+            </a:lvl2pPr>
+            <a:lvl3pPr marL="1143000" indent="-228600" eaLnBrk="0" hangingPunct="0">
+              <a:buSzPct val="90000"/>
+              <a:buFont typeface="Lucida Grande" pitchFamily="125" charset="0"/>
+              <a:buChar char="I"/>
+              <a:defRPr>
+                <a:solidFill>
+                  <a:srgbClr val="002D58"/>
+                </a:solidFill>
+                <a:latin typeface="Calibri" panose="020F0502020204030204" pitchFamily="34" charset="0"/>
+                <a:ea typeface="ヒラギノ角ゴ Pro W3" pitchFamily="125" charset="-128"/>
+              </a:defRPr>
+            </a:lvl3pPr>
+            <a:lvl4pPr marL="1600200" indent="-228600" eaLnBrk="0" hangingPunct="0">
+              <a:buSzPct val="90000"/>
+              <a:buFont typeface="Lucida Grande" pitchFamily="125" charset="0"/>
+              <a:buChar char="I"/>
+              <a:defRPr>
+                <a:solidFill>
+                  <a:srgbClr val="002D58"/>
+                </a:solidFill>
+                <a:latin typeface="Calibri" panose="020F0502020204030204" pitchFamily="34" charset="0"/>
+                <a:ea typeface="ヒラギノ角ゴ Pro W3" pitchFamily="125" charset="-128"/>
+              </a:defRPr>
+            </a:lvl4pPr>
+            <a:lvl5pPr marL="2057400" indent="-228600" eaLnBrk="0" hangingPunct="0">
+              <a:buSzPct val="90000"/>
+              <a:buFont typeface="Lucida Grande" pitchFamily="125" charset="0"/>
+              <a:buChar char="I"/>
+              <a:defRPr>
+                <a:solidFill>
+                  <a:srgbClr val="002D58"/>
+                </a:solidFill>
+                <a:latin typeface="Calibri" panose="020F0502020204030204" pitchFamily="34" charset="0"/>
+                <a:ea typeface="ヒラギノ角ゴ Pro W3" pitchFamily="125" charset="-128"/>
+              </a:defRPr>
+            </a:lvl5pPr>
+            <a:lvl6pPr marL="2514600" indent="-228600" defTabSz="457200" eaLnBrk="0" fontAlgn="base" hangingPunct="0">
+              <a:spcBef>
+                <a:spcPct val="0"/>
+              </a:spcBef>
+              <a:spcAft>
+                <a:spcPct val="0"/>
+              </a:spcAft>
+              <a:buSzPct val="90000"/>
+              <a:buFont typeface="Lucida Grande" pitchFamily="125" charset="0"/>
+              <a:buChar char="I"/>
+              <a:defRPr>
+                <a:solidFill>
+                  <a:srgbClr val="002D58"/>
+                </a:solidFill>
+                <a:latin typeface="Calibri" panose="020F0502020204030204" pitchFamily="34" charset="0"/>
+                <a:ea typeface="ヒラギノ角ゴ Pro W3" pitchFamily="125" charset="-128"/>
+              </a:defRPr>
+            </a:lvl6pPr>
+            <a:lvl7pPr marL="2971800" indent="-228600" defTabSz="457200" eaLnBrk="0" fontAlgn="base" hangingPunct="0">
+              <a:spcBef>
+                <a:spcPct val="0"/>
+              </a:spcBef>
+              <a:spcAft>
+                <a:spcPct val="0"/>
+              </a:spcAft>
+              <a:buSzPct val="90000"/>
+              <a:buFont typeface="Lucida Grande" pitchFamily="125" charset="0"/>
+              <a:buChar char="I"/>
+              <a:defRPr>
+                <a:solidFill>
+                  <a:srgbClr val="002D58"/>
+                </a:solidFill>
+                <a:latin typeface="Calibri" panose="020F0502020204030204" pitchFamily="34" charset="0"/>
+                <a:ea typeface="ヒラギノ角ゴ Pro W3" pitchFamily="125" charset="-128"/>
+              </a:defRPr>
+            </a:lvl7pPr>
+            <a:lvl8pPr marL="3429000" indent="-228600" defTabSz="457200" eaLnBrk="0" fontAlgn="base" hangingPunct="0">
+              <a:spcBef>
+                <a:spcPct val="0"/>
+              </a:spcBef>
+              <a:spcAft>
+                <a:spcPct val="0"/>
+              </a:spcAft>
+              <a:buSzPct val="90000"/>
+              <a:buFont typeface="Lucida Grande" pitchFamily="125" charset="0"/>
+              <a:buChar char="I"/>
+              <a:defRPr>
+                <a:solidFill>
+                  <a:srgbClr val="002D58"/>
+                </a:solidFill>
+                <a:latin typeface="Calibri" panose="020F0502020204030204" pitchFamily="34" charset="0"/>
+                <a:ea typeface="ヒラギノ角ゴ Pro W3" pitchFamily="125" charset="-128"/>
+              </a:defRPr>
+            </a:lvl8pPr>
+            <a:lvl9pPr marL="3886200" indent="-228600" defTabSz="457200" eaLnBrk="0" fontAlgn="base" hangingPunct="0">
+              <a:spcBef>
+                <a:spcPct val="0"/>
+              </a:spcBef>
+              <a:spcAft>
+                <a:spcPct val="0"/>
+              </a:spcAft>
+              <a:buSzPct val="90000"/>
+              <a:buFont typeface="Lucida Grande" pitchFamily="125" charset="0"/>
+              <a:buChar char="I"/>
+              <a:defRPr>
+                <a:solidFill>
+                  <a:srgbClr val="002D58"/>
+                </a:solidFill>
+                <a:latin typeface="Calibri" panose="020F0502020204030204" pitchFamily="34" charset="0"/>
+                <a:ea typeface="ヒラギノ角ゴ Pro W3" pitchFamily="125" charset="-128"/>
+              </a:defRPr>
+            </a:lvl9pPr>
+          </a:lstStyle>
+          <a:p>
+            <a:pPr eaLnBrk="1" hangingPunct="1">
+              <a:buSzTx/>
+              <a:buFontTx/>
+              <a:buNone/>
+            </a:pPr>
+            <a:endParaRPr lang="de-DE" altLang="de-DE" sz="1800">
+              <a:solidFill>
+                <a:schemeClr val="tx1"/>
+              </a:solidFill>
+            </a:endParaRPr>
+          </a:p>
+        </p:txBody>
+      </p:sp>
+      <p:sp>
+        <p:nvSpPr>
+          <p:cNvPr id="12294" name="Textfeld 3">
+            <a:extLst>
+              <a:ext uri="{FF2B5EF4-FFF2-40B4-BE49-F238E27FC236}">
+                <a16:creationId xmlns:a16="http://schemas.microsoft.com/office/drawing/2014/main" id="{43259DDE-DEE7-4601-8190-2EF9835A20DF}"/>
+              </a:ext>
+            </a:extLst>
+          </p:cNvPr>
+          <p:cNvSpPr txBox="1">
+            <a:spLocks noChangeArrowheads="1"/>
+          </p:cNvSpPr>
+          <p:nvPr/>
+        </p:nvSpPr>
+        <p:spPr bwMode="auto">
+          <a:xfrm>
+            <a:off x="2540000" y="3624263"/>
+            <a:ext cx="914400" cy="914400"/>
+          </a:xfrm>
+          <a:prstGeom prst="rect">
+            <a:avLst/>
+          </a:prstGeom>
+          <a:noFill/>
+          <a:ln>
+            <a:noFill/>
+          </a:ln>
+          <a:extLst>
+            <a:ext uri="{909E8E84-426E-40DD-AFC4-6F175D3DCCD1}">
+              <a14:hiddenFill xmlns:a14="http://schemas.microsoft.com/office/drawing/2010/main">
+                <a:solidFill>
+                  <a:srgbClr val="FFFFFF"/>
+                </a:solidFill>
+              </a14:hiddenFill>
+            </a:ext>
+            <a:ext uri="{91240B29-F687-4F45-9708-019B960494DF}">
+              <a14:hiddenLine xmlns:a14="http://schemas.microsoft.com/office/drawing/2010/main" w="9525">
+                <a:solidFill>
+                  <a:srgbClr val="000000"/>
+                </a:solidFill>
+                <a:miter lim="800000"/>
+                <a:headEnd/>
+                <a:tailEnd/>
+              </a14:hiddenLine>
+            </a:ext>
+          </a:extLst>
+        </p:spPr>
+        <p:txBody>
+          <a:bodyPr wrap="none" lIns="0" tIns="46800"/>
+          <a:lstStyle>
+            <a:lvl1pPr eaLnBrk="0" hangingPunct="0">
+              <a:buSzPct val="90000"/>
+              <a:buFont typeface="Lucida Grande" pitchFamily="125" charset="0"/>
+              <a:defRPr sz="2200">
+                <a:solidFill>
+                  <a:srgbClr val="002D58"/>
+                </a:solidFill>
+                <a:latin typeface="Calibri" panose="020F0502020204030204" pitchFamily="34" charset="0"/>
+                <a:ea typeface="ヒラギノ角ゴ Pro W3" pitchFamily="125" charset="-128"/>
+              </a:defRPr>
+            </a:lvl1pPr>
+            <a:lvl2pPr marL="742950" indent="-285750" eaLnBrk="0" hangingPunct="0">
+              <a:buSzPct val="90000"/>
+              <a:buFont typeface="Lucida Grande" pitchFamily="125" charset="0"/>
+              <a:buChar char="I"/>
+              <a:defRPr sz="2200">
+                <a:solidFill>
+                  <a:srgbClr val="002D58"/>
+                </a:solidFill>
+                <a:latin typeface="Calibri" panose="020F0502020204030204" pitchFamily="34" charset="0"/>
+                <a:ea typeface="ヒラギノ角ゴ Pro W3" pitchFamily="125" charset="-128"/>
+              </a:defRPr>
+            </a:lvl2pPr>
+            <a:lvl3pPr marL="1143000" indent="-228600" eaLnBrk="0" hangingPunct="0">
+              <a:buSzPct val="90000"/>
+              <a:buFont typeface="Lucida Grande" pitchFamily="125" charset="0"/>
+              <a:buChar char="I"/>
+              <a:defRPr>
+                <a:solidFill>
+                  <a:srgbClr val="002D58"/>
+                </a:solidFill>
+                <a:latin typeface="Calibri" panose="020F0502020204030204" pitchFamily="34" charset="0"/>
+                <a:ea typeface="ヒラギノ角ゴ Pro W3" pitchFamily="125" charset="-128"/>
+              </a:defRPr>
+            </a:lvl3pPr>
+            <a:lvl4pPr marL="1600200" indent="-228600" eaLnBrk="0" hangingPunct="0">
+              <a:buSzPct val="90000"/>
+              <a:buFont typeface="Lucida Grande" pitchFamily="125" charset="0"/>
+              <a:buChar char="I"/>
+              <a:defRPr>
+                <a:solidFill>
+                  <a:srgbClr val="002D58"/>
+                </a:solidFill>
+                <a:latin typeface="Calibri" panose="020F0502020204030204" pitchFamily="34" charset="0"/>
+                <a:ea typeface="ヒラギノ角ゴ Pro W3" pitchFamily="125" charset="-128"/>
+              </a:defRPr>
+            </a:lvl4pPr>
+            <a:lvl5pPr marL="2057400" indent="-228600" eaLnBrk="0" hangingPunct="0">
+              <a:buSzPct val="90000"/>
+              <a:buFont typeface="Lucida Grande" pitchFamily="125" charset="0"/>
+              <a:buChar char="I"/>
+              <a:defRPr>
+                <a:solidFill>
+                  <a:srgbClr val="002D58"/>
+                </a:solidFill>
+                <a:latin typeface="Calibri" panose="020F0502020204030204" pitchFamily="34" charset="0"/>
+                <a:ea typeface="ヒラギノ角ゴ Pro W3" pitchFamily="125" charset="-128"/>
+              </a:defRPr>
+            </a:lvl5pPr>
+            <a:lvl6pPr marL="2514600" indent="-228600" defTabSz="457200" eaLnBrk="0" fontAlgn="base" hangingPunct="0">
+              <a:spcBef>
+                <a:spcPct val="0"/>
+              </a:spcBef>
+              <a:spcAft>
+                <a:spcPct val="0"/>
+              </a:spcAft>
+              <a:buSzPct val="90000"/>
+              <a:buFont typeface="Lucida Grande" pitchFamily="125" charset="0"/>
+              <a:buChar char="I"/>
+              <a:defRPr>
+                <a:solidFill>
+                  <a:srgbClr val="002D58"/>
+                </a:solidFill>
+                <a:latin typeface="Calibri" panose="020F0502020204030204" pitchFamily="34" charset="0"/>
+                <a:ea typeface="ヒラギノ角ゴ Pro W3" pitchFamily="125" charset="-128"/>
+              </a:defRPr>
+            </a:lvl6pPr>
+            <a:lvl7pPr marL="2971800" indent="-228600" defTabSz="457200" eaLnBrk="0" fontAlgn="base" hangingPunct="0">
+              <a:spcBef>
+                <a:spcPct val="0"/>
+              </a:spcBef>
+              <a:spcAft>
+                <a:spcPct val="0"/>
+              </a:spcAft>
+              <a:buSzPct val="90000"/>
+              <a:buFont typeface="Lucida Grande" pitchFamily="125" charset="0"/>
+              <a:buChar char="I"/>
+              <a:defRPr>
+                <a:solidFill>
+                  <a:srgbClr val="002D58"/>
+                </a:solidFill>
+                <a:latin typeface="Calibri" panose="020F0502020204030204" pitchFamily="34" charset="0"/>
+                <a:ea typeface="ヒラギノ角ゴ Pro W3" pitchFamily="125" charset="-128"/>
+              </a:defRPr>
+            </a:lvl7pPr>
+            <a:lvl8pPr marL="3429000" indent="-228600" defTabSz="457200" eaLnBrk="0" fontAlgn="base" hangingPunct="0">
+              <a:spcBef>
+                <a:spcPct val="0"/>
+              </a:spcBef>
+              <a:spcAft>
+                <a:spcPct val="0"/>
+              </a:spcAft>
+              <a:buSzPct val="90000"/>
+              <a:buFont typeface="Lucida Grande" pitchFamily="125" charset="0"/>
+              <a:buChar char="I"/>
+              <a:defRPr>
+                <a:solidFill>
+                  <a:srgbClr val="002D58"/>
+                </a:solidFill>
+                <a:latin typeface="Calibri" panose="020F0502020204030204" pitchFamily="34" charset="0"/>
+                <a:ea typeface="ヒラギノ角ゴ Pro W3" pitchFamily="125" charset="-128"/>
+              </a:defRPr>
+            </a:lvl8pPr>
+            <a:lvl9pPr marL="3886200" indent="-228600" defTabSz="457200" eaLnBrk="0" fontAlgn="base" hangingPunct="0">
+              <a:spcBef>
+                <a:spcPct val="0"/>
+              </a:spcBef>
+              <a:spcAft>
+                <a:spcPct val="0"/>
+              </a:spcAft>
+              <a:buSzPct val="90000"/>
+              <a:buFont typeface="Lucida Grande" pitchFamily="125" charset="0"/>
+              <a:buChar char="I"/>
+              <a:defRPr>
+                <a:solidFill>
+                  <a:srgbClr val="002D58"/>
+                </a:solidFill>
+                <a:latin typeface="Calibri" panose="020F0502020204030204" pitchFamily="34" charset="0"/>
+                <a:ea typeface="ヒラギノ角ゴ Pro W3" pitchFamily="125" charset="-128"/>
+              </a:defRPr>
+            </a:lvl9pPr>
+          </a:lstStyle>
+          <a:p>
+            <a:pPr eaLnBrk="1" hangingPunct="1">
+              <a:lnSpc>
+                <a:spcPts val="1000"/>
+              </a:lnSpc>
+              <a:buSzTx/>
+              <a:buFontTx/>
+              <a:buNone/>
+            </a:pPr>
+            <a:endParaRPr lang="de-DE" altLang="de-DE" sz="2000">
+              <a:solidFill>
+                <a:schemeClr val="tx1"/>
+              </a:solidFill>
+            </a:endParaRPr>
+          </a:p>
+        </p:txBody>
+      </p:sp>
+      <p:pic>
+        <p:nvPicPr>
+          <p:cNvPr id="12295" name="Bildplatzhalter 6" descr="Titel_KDB2792.jpg">
+            <a:extLst>
+              <a:ext uri="{FF2B5EF4-FFF2-40B4-BE49-F238E27FC236}">
+                <a16:creationId xmlns:a16="http://schemas.microsoft.com/office/drawing/2014/main" id="{60AD17A7-2616-4E29-803E-88EE429160F7}"/>
+              </a:ext>
+            </a:extLst>
+          </p:cNvPr>
+          <p:cNvPicPr>
+            <a:picLocks noGrp="1" noChangeAspect="1"/>
+          </p:cNvPicPr>
+          <p:nvPr>
+            <p:ph type="pic" sz="quarter" idx="13"/>
+          </p:nvPr>
+        </p:nvPicPr>
+        <p:blipFill>
+          <a:blip r:embed="rId2">
+            <a:extLst>
+              <a:ext uri="{28A0092B-C50C-407E-A947-70E740481C1C}">
+                <a14:useLocalDpi xmlns:a14="http://schemas.microsoft.com/office/drawing/2010/main" val="0"/>
+              </a:ext>
+            </a:extLst>
+          </a:blip>
+          <a:srcRect t="458" b="458"/>
+          <a:stretch>
+            <a:fillRect/>
+          </a:stretch>
+        </p:blipFill>
+        <p:spPr>
+          <a:xfrm>
+            <a:off x="6921500" y="958850"/>
+            <a:ext cx="1962150" cy="5651500"/>
+          </a:xfrm>
+        </p:spPr>
+      </p:pic>
     </p:spTree>
   </p:cSld>
   <p:clrMapOvr>
@@ -28946,688 +28414,6 @@
       </p:grpSpPr>
       <p:sp>
         <p:nvSpPr>
-          <p:cNvPr id="3" name="Untertitel 2">
-            <a:extLst>
-              <a:ext uri="{FF2B5EF4-FFF2-40B4-BE49-F238E27FC236}">
-                <a16:creationId xmlns:a16="http://schemas.microsoft.com/office/drawing/2014/main" id="{889D8B81-2A08-4337-9007-B50EB5EA152C}"/>
-              </a:ext>
-            </a:extLst>
-          </p:cNvPr>
-          <p:cNvSpPr>
-            <a:spLocks noGrp="1"/>
-          </p:cNvSpPr>
-          <p:nvPr>
-            <p:ph type="subTitle" idx="1"/>
-          </p:nvPr>
-        </p:nvSpPr>
-        <p:spPr>
-          <a:xfrm>
-            <a:off x="457200" y="3254375"/>
-            <a:ext cx="6472238" cy="3070225"/>
-          </a:xfrm>
-        </p:spPr>
-        <p:txBody>
-          <a:bodyPr rtlCol="0">
-            <a:normAutofit/>
-          </a:bodyPr>
-          <a:lstStyle/>
-          <a:p>
-            <a:pPr>
-              <a:defRPr/>
-            </a:pPr>
-            <a:endParaRPr/>
-          </a:p>
-          <a:p>
-            <a:pPr>
-              <a:defRPr/>
-            </a:pPr>
-            <a:endParaRPr/>
-          </a:p>
-        </p:txBody>
-      </p:sp>
-      <p:sp>
-        <p:nvSpPr>
-          <p:cNvPr id="2" name="Titel 1">
-            <a:extLst>
-              <a:ext uri="{FF2B5EF4-FFF2-40B4-BE49-F238E27FC236}">
-                <a16:creationId xmlns:a16="http://schemas.microsoft.com/office/drawing/2014/main" id="{3CEF34B0-2D8A-4060-9335-E42325D575C7}"/>
-              </a:ext>
-            </a:extLst>
-          </p:cNvPr>
-          <p:cNvSpPr>
-            <a:spLocks noGrp="1"/>
-          </p:cNvSpPr>
-          <p:nvPr>
-            <p:ph type="title" idx="4294967295"/>
-          </p:nvPr>
-        </p:nvSpPr>
-        <p:spPr>
-          <a:xfrm>
-            <a:off x="0" y="3435350"/>
-            <a:ext cx="6281738" cy="401638"/>
-          </a:xfrm>
-          <a:prstGeom prst="rect">
-            <a:avLst/>
-          </a:prstGeom>
-        </p:spPr>
-        <p:txBody>
-          <a:bodyPr/>
-          <a:lstStyle/>
-          <a:p>
-            <a:pPr eaLnBrk="1" fontAlgn="auto" hangingPunct="1">
-              <a:spcAft>
-                <a:spcPts val="0"/>
-              </a:spcAft>
-              <a:defRPr/>
-            </a:pPr>
-            <a:br>
-              <a:rPr lang="de-DE" dirty="0">
-                <a:solidFill>
-                  <a:srgbClr val="FFFFFF"/>
-                </a:solidFill>
-                <a:latin typeface="Calibri Light"/>
-                <a:ea typeface="+mj-ea"/>
-              </a:rPr>
-            </a:br>
-            <a:endParaRPr lang="de-DE" dirty="0">
-              <a:ea typeface="+mj-ea"/>
-            </a:endParaRPr>
-          </a:p>
-        </p:txBody>
-      </p:sp>
-      <p:sp>
-        <p:nvSpPr>
-          <p:cNvPr id="10" name="Textfeld 9">
-            <a:extLst>
-              <a:ext uri="{FF2B5EF4-FFF2-40B4-BE49-F238E27FC236}">
-                <a16:creationId xmlns:a16="http://schemas.microsoft.com/office/drawing/2014/main" id="{852651FB-DFAD-4DE8-924D-E7FC4F854A7D}"/>
-              </a:ext>
-            </a:extLst>
-          </p:cNvPr>
-          <p:cNvSpPr txBox="1"/>
-          <p:nvPr/>
-        </p:nvSpPr>
-        <p:spPr>
-          <a:xfrm>
-            <a:off x="458788" y="4283075"/>
-            <a:ext cx="6048375" cy="1868488"/>
-          </a:xfrm>
-          <a:prstGeom prst="rect">
-            <a:avLst/>
-          </a:prstGeom>
-          <a:noFill/>
-        </p:spPr>
-        <p:txBody>
-          <a:bodyPr lIns="0" rIns="0">
-            <a:spAutoFit/>
-          </a:bodyPr>
-          <a:lstStyle/>
-          <a:p>
-            <a:pPr fontAlgn="auto">
-              <a:lnSpc>
-                <a:spcPct val="80000"/>
-              </a:lnSpc>
-              <a:spcBef>
-                <a:spcPts val="0"/>
-              </a:spcBef>
-              <a:spcAft>
-                <a:spcPts val="0"/>
-              </a:spcAft>
-              <a:defRPr/>
-            </a:pPr>
-            <a:r>
-              <a:rPr lang="de-DE" sz="2000" cap="all" spc="100" dirty="0">
-                <a:solidFill>
-                  <a:srgbClr val="FFFFFF"/>
-                </a:solidFill>
-                <a:latin typeface="Calibri Light"/>
-                <a:ea typeface="+mj-ea"/>
-                <a:cs typeface="+mj-cs"/>
-              </a:rPr>
-              <a:t>01.09.2017, Stuttgart</a:t>
-            </a:r>
-          </a:p>
-          <a:p>
-            <a:pPr fontAlgn="auto">
-              <a:lnSpc>
-                <a:spcPct val="80000"/>
-              </a:lnSpc>
-              <a:spcBef>
-                <a:spcPts val="0"/>
-              </a:spcBef>
-              <a:spcAft>
-                <a:spcPts val="0"/>
-              </a:spcAft>
-              <a:defRPr/>
-            </a:pPr>
-            <a:r>
-              <a:rPr lang="de-DE" sz="5400" cap="all" dirty="0">
-                <a:solidFill>
-                  <a:srgbClr val="FFFFFF"/>
-                </a:solidFill>
-                <a:latin typeface="Calibri"/>
-                <a:ea typeface="+mn-ea"/>
-                <a:cs typeface="Calibri"/>
-              </a:rPr>
-              <a:t>Hochschule </a:t>
-            </a:r>
-          </a:p>
-          <a:p>
-            <a:pPr fontAlgn="auto">
-              <a:lnSpc>
-                <a:spcPct val="70000"/>
-              </a:lnSpc>
-              <a:spcBef>
-                <a:spcPts val="0"/>
-              </a:spcBef>
-              <a:spcAft>
-                <a:spcPts val="0"/>
-              </a:spcAft>
-              <a:defRPr/>
-            </a:pPr>
-            <a:r>
-              <a:rPr lang="de-DE" sz="5400" cap="all" dirty="0">
-                <a:solidFill>
-                  <a:srgbClr val="FFFFFF"/>
-                </a:solidFill>
-                <a:latin typeface="Calibri"/>
-                <a:ea typeface="+mn-ea"/>
-                <a:cs typeface="Calibri"/>
-              </a:rPr>
-              <a:t>Esslingen</a:t>
-            </a:r>
-          </a:p>
-          <a:p>
-            <a:pPr fontAlgn="auto">
-              <a:lnSpc>
-                <a:spcPct val="90000"/>
-              </a:lnSpc>
-              <a:spcBef>
-                <a:spcPts val="0"/>
-              </a:spcBef>
-              <a:spcAft>
-                <a:spcPts val="0"/>
-              </a:spcAft>
-              <a:defRPr/>
-            </a:pPr>
-            <a:r>
-              <a:rPr lang="de-DE" sz="2000" cap="all" spc="100" dirty="0">
-                <a:solidFill>
-                  <a:srgbClr val="FFFFFF"/>
-                </a:solidFill>
-                <a:latin typeface="Calibri Light"/>
-                <a:ea typeface="+mj-ea"/>
-                <a:cs typeface="+mj-cs"/>
-              </a:rPr>
-              <a:t>Nah an Mensch und Technik</a:t>
-            </a:r>
-          </a:p>
-        </p:txBody>
-      </p:sp>
-      <p:sp>
-        <p:nvSpPr>
-          <p:cNvPr id="12293" name="Textfeld 10">
-            <a:extLst>
-              <a:ext uri="{FF2B5EF4-FFF2-40B4-BE49-F238E27FC236}">
-                <a16:creationId xmlns:a16="http://schemas.microsoft.com/office/drawing/2014/main" id="{454FD221-C62B-4F98-868A-5E4EC62F3649}"/>
-              </a:ext>
-            </a:extLst>
-          </p:cNvPr>
-          <p:cNvSpPr txBox="1">
-            <a:spLocks noChangeArrowheads="1"/>
-          </p:cNvSpPr>
-          <p:nvPr/>
-        </p:nvSpPr>
-        <p:spPr bwMode="auto">
-          <a:xfrm>
-            <a:off x="9852025" y="500063"/>
-            <a:ext cx="914400" cy="914400"/>
-          </a:xfrm>
-          <a:prstGeom prst="rect">
-            <a:avLst/>
-          </a:prstGeom>
-          <a:noFill/>
-          <a:ln>
-            <a:noFill/>
-          </a:ln>
-          <a:extLst>
-            <a:ext uri="{909E8E84-426E-40DD-AFC4-6F175D3DCCD1}">
-              <a14:hiddenFill xmlns:a14="http://schemas.microsoft.com/office/drawing/2010/main">
-                <a:solidFill>
-                  <a:srgbClr val="FFFFFF"/>
-                </a:solidFill>
-              </a14:hiddenFill>
-            </a:ext>
-            <a:ext uri="{91240B29-F687-4F45-9708-019B960494DF}">
-              <a14:hiddenLine xmlns:a14="http://schemas.microsoft.com/office/drawing/2010/main" w="9525">
-                <a:solidFill>
-                  <a:srgbClr val="000000"/>
-                </a:solidFill>
-                <a:miter lim="800000"/>
-                <a:headEnd/>
-                <a:tailEnd/>
-              </a14:hiddenLine>
-            </a:ext>
-          </a:extLst>
-        </p:spPr>
-        <p:txBody>
-          <a:bodyPr wrap="none" lIns="0"/>
-          <a:lstStyle>
-            <a:lvl1pPr eaLnBrk="0" hangingPunct="0">
-              <a:buSzPct val="90000"/>
-              <a:buFont typeface="Lucida Grande" pitchFamily="125" charset="0"/>
-              <a:defRPr sz="2200">
-                <a:solidFill>
-                  <a:srgbClr val="002D58"/>
-                </a:solidFill>
-                <a:latin typeface="Calibri" panose="020F0502020204030204" pitchFamily="34" charset="0"/>
-                <a:ea typeface="ヒラギノ角ゴ Pro W3" pitchFamily="125" charset="-128"/>
-              </a:defRPr>
-            </a:lvl1pPr>
-            <a:lvl2pPr marL="742950" indent="-285750" eaLnBrk="0" hangingPunct="0">
-              <a:buSzPct val="90000"/>
-              <a:buFont typeface="Lucida Grande" pitchFamily="125" charset="0"/>
-              <a:buChar char="I"/>
-              <a:defRPr sz="2200">
-                <a:solidFill>
-                  <a:srgbClr val="002D58"/>
-                </a:solidFill>
-                <a:latin typeface="Calibri" panose="020F0502020204030204" pitchFamily="34" charset="0"/>
-                <a:ea typeface="ヒラギノ角ゴ Pro W3" pitchFamily="125" charset="-128"/>
-              </a:defRPr>
-            </a:lvl2pPr>
-            <a:lvl3pPr marL="1143000" indent="-228600" eaLnBrk="0" hangingPunct="0">
-              <a:buSzPct val="90000"/>
-              <a:buFont typeface="Lucida Grande" pitchFamily="125" charset="0"/>
-              <a:buChar char="I"/>
-              <a:defRPr>
-                <a:solidFill>
-                  <a:srgbClr val="002D58"/>
-                </a:solidFill>
-                <a:latin typeface="Calibri" panose="020F0502020204030204" pitchFamily="34" charset="0"/>
-                <a:ea typeface="ヒラギノ角ゴ Pro W3" pitchFamily="125" charset="-128"/>
-              </a:defRPr>
-            </a:lvl3pPr>
-            <a:lvl4pPr marL="1600200" indent="-228600" eaLnBrk="0" hangingPunct="0">
-              <a:buSzPct val="90000"/>
-              <a:buFont typeface="Lucida Grande" pitchFamily="125" charset="0"/>
-              <a:buChar char="I"/>
-              <a:defRPr>
-                <a:solidFill>
-                  <a:srgbClr val="002D58"/>
-                </a:solidFill>
-                <a:latin typeface="Calibri" panose="020F0502020204030204" pitchFamily="34" charset="0"/>
-                <a:ea typeface="ヒラギノ角ゴ Pro W3" pitchFamily="125" charset="-128"/>
-              </a:defRPr>
-            </a:lvl4pPr>
-            <a:lvl5pPr marL="2057400" indent="-228600" eaLnBrk="0" hangingPunct="0">
-              <a:buSzPct val="90000"/>
-              <a:buFont typeface="Lucida Grande" pitchFamily="125" charset="0"/>
-              <a:buChar char="I"/>
-              <a:defRPr>
-                <a:solidFill>
-                  <a:srgbClr val="002D58"/>
-                </a:solidFill>
-                <a:latin typeface="Calibri" panose="020F0502020204030204" pitchFamily="34" charset="0"/>
-                <a:ea typeface="ヒラギノ角ゴ Pro W3" pitchFamily="125" charset="-128"/>
-              </a:defRPr>
-            </a:lvl5pPr>
-            <a:lvl6pPr marL="2514600" indent="-228600" defTabSz="457200" eaLnBrk="0" fontAlgn="base" hangingPunct="0">
-              <a:spcBef>
-                <a:spcPct val="0"/>
-              </a:spcBef>
-              <a:spcAft>
-                <a:spcPct val="0"/>
-              </a:spcAft>
-              <a:buSzPct val="90000"/>
-              <a:buFont typeface="Lucida Grande" pitchFamily="125" charset="0"/>
-              <a:buChar char="I"/>
-              <a:defRPr>
-                <a:solidFill>
-                  <a:srgbClr val="002D58"/>
-                </a:solidFill>
-                <a:latin typeface="Calibri" panose="020F0502020204030204" pitchFamily="34" charset="0"/>
-                <a:ea typeface="ヒラギノ角ゴ Pro W3" pitchFamily="125" charset="-128"/>
-              </a:defRPr>
-            </a:lvl6pPr>
-            <a:lvl7pPr marL="2971800" indent="-228600" defTabSz="457200" eaLnBrk="0" fontAlgn="base" hangingPunct="0">
-              <a:spcBef>
-                <a:spcPct val="0"/>
-              </a:spcBef>
-              <a:spcAft>
-                <a:spcPct val="0"/>
-              </a:spcAft>
-              <a:buSzPct val="90000"/>
-              <a:buFont typeface="Lucida Grande" pitchFamily="125" charset="0"/>
-              <a:buChar char="I"/>
-              <a:defRPr>
-                <a:solidFill>
-                  <a:srgbClr val="002D58"/>
-                </a:solidFill>
-                <a:latin typeface="Calibri" panose="020F0502020204030204" pitchFamily="34" charset="0"/>
-                <a:ea typeface="ヒラギノ角ゴ Pro W3" pitchFamily="125" charset="-128"/>
-              </a:defRPr>
-            </a:lvl7pPr>
-            <a:lvl8pPr marL="3429000" indent="-228600" defTabSz="457200" eaLnBrk="0" fontAlgn="base" hangingPunct="0">
-              <a:spcBef>
-                <a:spcPct val="0"/>
-              </a:spcBef>
-              <a:spcAft>
-                <a:spcPct val="0"/>
-              </a:spcAft>
-              <a:buSzPct val="90000"/>
-              <a:buFont typeface="Lucida Grande" pitchFamily="125" charset="0"/>
-              <a:buChar char="I"/>
-              <a:defRPr>
-                <a:solidFill>
-                  <a:srgbClr val="002D58"/>
-                </a:solidFill>
-                <a:latin typeface="Calibri" panose="020F0502020204030204" pitchFamily="34" charset="0"/>
-                <a:ea typeface="ヒラギノ角ゴ Pro W3" pitchFamily="125" charset="-128"/>
-              </a:defRPr>
-            </a:lvl8pPr>
-            <a:lvl9pPr marL="3886200" indent="-228600" defTabSz="457200" eaLnBrk="0" fontAlgn="base" hangingPunct="0">
-              <a:spcBef>
-                <a:spcPct val="0"/>
-              </a:spcBef>
-              <a:spcAft>
-                <a:spcPct val="0"/>
-              </a:spcAft>
-              <a:buSzPct val="90000"/>
-              <a:buFont typeface="Lucida Grande" pitchFamily="125" charset="0"/>
-              <a:buChar char="I"/>
-              <a:defRPr>
-                <a:solidFill>
-                  <a:srgbClr val="002D58"/>
-                </a:solidFill>
-                <a:latin typeface="Calibri" panose="020F0502020204030204" pitchFamily="34" charset="0"/>
-                <a:ea typeface="ヒラギノ角ゴ Pro W3" pitchFamily="125" charset="-128"/>
-              </a:defRPr>
-            </a:lvl9pPr>
-          </a:lstStyle>
-          <a:p>
-            <a:pPr eaLnBrk="1" hangingPunct="1">
-              <a:buSzTx/>
-              <a:buFontTx/>
-              <a:buNone/>
-            </a:pPr>
-            <a:endParaRPr lang="de-DE" altLang="de-DE" sz="1800">
-              <a:solidFill>
-                <a:schemeClr val="tx1"/>
-              </a:solidFill>
-            </a:endParaRPr>
-          </a:p>
-        </p:txBody>
-      </p:sp>
-      <p:sp>
-        <p:nvSpPr>
-          <p:cNvPr id="12294" name="Textfeld 3">
-            <a:extLst>
-              <a:ext uri="{FF2B5EF4-FFF2-40B4-BE49-F238E27FC236}">
-                <a16:creationId xmlns:a16="http://schemas.microsoft.com/office/drawing/2014/main" id="{43259DDE-DEE7-4601-8190-2EF9835A20DF}"/>
-              </a:ext>
-            </a:extLst>
-          </p:cNvPr>
-          <p:cNvSpPr txBox="1">
-            <a:spLocks noChangeArrowheads="1"/>
-          </p:cNvSpPr>
-          <p:nvPr/>
-        </p:nvSpPr>
-        <p:spPr bwMode="auto">
-          <a:xfrm>
-            <a:off x="2540000" y="3624263"/>
-            <a:ext cx="914400" cy="914400"/>
-          </a:xfrm>
-          <a:prstGeom prst="rect">
-            <a:avLst/>
-          </a:prstGeom>
-          <a:noFill/>
-          <a:ln>
-            <a:noFill/>
-          </a:ln>
-          <a:extLst>
-            <a:ext uri="{909E8E84-426E-40DD-AFC4-6F175D3DCCD1}">
-              <a14:hiddenFill xmlns:a14="http://schemas.microsoft.com/office/drawing/2010/main">
-                <a:solidFill>
-                  <a:srgbClr val="FFFFFF"/>
-                </a:solidFill>
-              </a14:hiddenFill>
-            </a:ext>
-            <a:ext uri="{91240B29-F687-4F45-9708-019B960494DF}">
-              <a14:hiddenLine xmlns:a14="http://schemas.microsoft.com/office/drawing/2010/main" w="9525">
-                <a:solidFill>
-                  <a:srgbClr val="000000"/>
-                </a:solidFill>
-                <a:miter lim="800000"/>
-                <a:headEnd/>
-                <a:tailEnd/>
-              </a14:hiddenLine>
-            </a:ext>
-          </a:extLst>
-        </p:spPr>
-        <p:txBody>
-          <a:bodyPr wrap="none" lIns="0" tIns="46800"/>
-          <a:lstStyle>
-            <a:lvl1pPr eaLnBrk="0" hangingPunct="0">
-              <a:buSzPct val="90000"/>
-              <a:buFont typeface="Lucida Grande" pitchFamily="125" charset="0"/>
-              <a:defRPr sz="2200">
-                <a:solidFill>
-                  <a:srgbClr val="002D58"/>
-                </a:solidFill>
-                <a:latin typeface="Calibri" panose="020F0502020204030204" pitchFamily="34" charset="0"/>
-                <a:ea typeface="ヒラギノ角ゴ Pro W3" pitchFamily="125" charset="-128"/>
-              </a:defRPr>
-            </a:lvl1pPr>
-            <a:lvl2pPr marL="742950" indent="-285750" eaLnBrk="0" hangingPunct="0">
-              <a:buSzPct val="90000"/>
-              <a:buFont typeface="Lucida Grande" pitchFamily="125" charset="0"/>
-              <a:buChar char="I"/>
-              <a:defRPr sz="2200">
-                <a:solidFill>
-                  <a:srgbClr val="002D58"/>
-                </a:solidFill>
-                <a:latin typeface="Calibri" panose="020F0502020204030204" pitchFamily="34" charset="0"/>
-                <a:ea typeface="ヒラギノ角ゴ Pro W3" pitchFamily="125" charset="-128"/>
-              </a:defRPr>
-            </a:lvl2pPr>
-            <a:lvl3pPr marL="1143000" indent="-228600" eaLnBrk="0" hangingPunct="0">
-              <a:buSzPct val="90000"/>
-              <a:buFont typeface="Lucida Grande" pitchFamily="125" charset="0"/>
-              <a:buChar char="I"/>
-              <a:defRPr>
-                <a:solidFill>
-                  <a:srgbClr val="002D58"/>
-                </a:solidFill>
-                <a:latin typeface="Calibri" panose="020F0502020204030204" pitchFamily="34" charset="0"/>
-                <a:ea typeface="ヒラギノ角ゴ Pro W3" pitchFamily="125" charset="-128"/>
-              </a:defRPr>
-            </a:lvl3pPr>
-            <a:lvl4pPr marL="1600200" indent="-228600" eaLnBrk="0" hangingPunct="0">
-              <a:buSzPct val="90000"/>
-              <a:buFont typeface="Lucida Grande" pitchFamily="125" charset="0"/>
-              <a:buChar char="I"/>
-              <a:defRPr>
-                <a:solidFill>
-                  <a:srgbClr val="002D58"/>
-                </a:solidFill>
-                <a:latin typeface="Calibri" panose="020F0502020204030204" pitchFamily="34" charset="0"/>
-                <a:ea typeface="ヒラギノ角ゴ Pro W3" pitchFamily="125" charset="-128"/>
-              </a:defRPr>
-            </a:lvl4pPr>
-            <a:lvl5pPr marL="2057400" indent="-228600" eaLnBrk="0" hangingPunct="0">
-              <a:buSzPct val="90000"/>
-              <a:buFont typeface="Lucida Grande" pitchFamily="125" charset="0"/>
-              <a:buChar char="I"/>
-              <a:defRPr>
-                <a:solidFill>
-                  <a:srgbClr val="002D58"/>
-                </a:solidFill>
-                <a:latin typeface="Calibri" panose="020F0502020204030204" pitchFamily="34" charset="0"/>
-                <a:ea typeface="ヒラギノ角ゴ Pro W3" pitchFamily="125" charset="-128"/>
-              </a:defRPr>
-            </a:lvl5pPr>
-            <a:lvl6pPr marL="2514600" indent="-228600" defTabSz="457200" eaLnBrk="0" fontAlgn="base" hangingPunct="0">
-              <a:spcBef>
-                <a:spcPct val="0"/>
-              </a:spcBef>
-              <a:spcAft>
-                <a:spcPct val="0"/>
-              </a:spcAft>
-              <a:buSzPct val="90000"/>
-              <a:buFont typeface="Lucida Grande" pitchFamily="125" charset="0"/>
-              <a:buChar char="I"/>
-              <a:defRPr>
-                <a:solidFill>
-                  <a:srgbClr val="002D58"/>
-                </a:solidFill>
-                <a:latin typeface="Calibri" panose="020F0502020204030204" pitchFamily="34" charset="0"/>
-                <a:ea typeface="ヒラギノ角ゴ Pro W3" pitchFamily="125" charset="-128"/>
-              </a:defRPr>
-            </a:lvl6pPr>
-            <a:lvl7pPr marL="2971800" indent="-228600" defTabSz="457200" eaLnBrk="0" fontAlgn="base" hangingPunct="0">
-              <a:spcBef>
-                <a:spcPct val="0"/>
-              </a:spcBef>
-              <a:spcAft>
-                <a:spcPct val="0"/>
-              </a:spcAft>
-              <a:buSzPct val="90000"/>
-              <a:buFont typeface="Lucida Grande" pitchFamily="125" charset="0"/>
-              <a:buChar char="I"/>
-              <a:defRPr>
-                <a:solidFill>
-                  <a:srgbClr val="002D58"/>
-                </a:solidFill>
-                <a:latin typeface="Calibri" panose="020F0502020204030204" pitchFamily="34" charset="0"/>
-                <a:ea typeface="ヒラギノ角ゴ Pro W3" pitchFamily="125" charset="-128"/>
-              </a:defRPr>
-            </a:lvl7pPr>
-            <a:lvl8pPr marL="3429000" indent="-228600" defTabSz="457200" eaLnBrk="0" fontAlgn="base" hangingPunct="0">
-              <a:spcBef>
-                <a:spcPct val="0"/>
-              </a:spcBef>
-              <a:spcAft>
-                <a:spcPct val="0"/>
-              </a:spcAft>
-              <a:buSzPct val="90000"/>
-              <a:buFont typeface="Lucida Grande" pitchFamily="125" charset="0"/>
-              <a:buChar char="I"/>
-              <a:defRPr>
-                <a:solidFill>
-                  <a:srgbClr val="002D58"/>
-                </a:solidFill>
-                <a:latin typeface="Calibri" panose="020F0502020204030204" pitchFamily="34" charset="0"/>
-                <a:ea typeface="ヒラギノ角ゴ Pro W3" pitchFamily="125" charset="-128"/>
-              </a:defRPr>
-            </a:lvl8pPr>
-            <a:lvl9pPr marL="3886200" indent="-228600" defTabSz="457200" eaLnBrk="0" fontAlgn="base" hangingPunct="0">
-              <a:spcBef>
-                <a:spcPct val="0"/>
-              </a:spcBef>
-              <a:spcAft>
-                <a:spcPct val="0"/>
-              </a:spcAft>
-              <a:buSzPct val="90000"/>
-              <a:buFont typeface="Lucida Grande" pitchFamily="125" charset="0"/>
-              <a:buChar char="I"/>
-              <a:defRPr>
-                <a:solidFill>
-                  <a:srgbClr val="002D58"/>
-                </a:solidFill>
-                <a:latin typeface="Calibri" panose="020F0502020204030204" pitchFamily="34" charset="0"/>
-                <a:ea typeface="ヒラギノ角ゴ Pro W3" pitchFamily="125" charset="-128"/>
-              </a:defRPr>
-            </a:lvl9pPr>
-          </a:lstStyle>
-          <a:p>
-            <a:pPr eaLnBrk="1" hangingPunct="1">
-              <a:lnSpc>
-                <a:spcPts val="1000"/>
-              </a:lnSpc>
-              <a:buSzTx/>
-              <a:buFontTx/>
-              <a:buNone/>
-            </a:pPr>
-            <a:endParaRPr lang="de-DE" altLang="de-DE" sz="2000">
-              <a:solidFill>
-                <a:schemeClr val="tx1"/>
-              </a:solidFill>
-            </a:endParaRPr>
-          </a:p>
-        </p:txBody>
-      </p:sp>
-      <p:pic>
-        <p:nvPicPr>
-          <p:cNvPr id="12295" name="Bildplatzhalter 6" descr="Titel_KDB2792.jpg">
-            <a:extLst>
-              <a:ext uri="{FF2B5EF4-FFF2-40B4-BE49-F238E27FC236}">
-                <a16:creationId xmlns:a16="http://schemas.microsoft.com/office/drawing/2014/main" id="{60AD17A7-2616-4E29-803E-88EE429160F7}"/>
-              </a:ext>
-            </a:extLst>
-          </p:cNvPr>
-          <p:cNvPicPr>
-            <a:picLocks noGrp="1" noChangeAspect="1"/>
-          </p:cNvPicPr>
-          <p:nvPr>
-            <p:ph type="pic" sz="quarter" idx="13"/>
-          </p:nvPr>
-        </p:nvPicPr>
-        <p:blipFill>
-          <a:blip r:embed="rId2">
-            <a:extLst>
-              <a:ext uri="{28A0092B-C50C-407E-A947-70E740481C1C}">
-                <a14:useLocalDpi xmlns:a14="http://schemas.microsoft.com/office/drawing/2010/main" val="0"/>
-              </a:ext>
-            </a:extLst>
-          </a:blip>
-          <a:srcRect t="458" b="458"/>
-          <a:stretch>
-            <a:fillRect/>
-          </a:stretch>
-        </p:blipFill>
-        <p:spPr>
-          <a:xfrm>
-            <a:off x="6921500" y="958850"/>
-            <a:ext cx="1962150" cy="5651500"/>
-          </a:xfrm>
-        </p:spPr>
-      </p:pic>
-    </p:spTree>
-  </p:cSld>
-  <p:clrMapOvr>
-    <a:masterClrMapping/>
-  </p:clrMapOvr>
-  <mc:AlternateContent xmlns:mc="http://schemas.openxmlformats.org/markup-compatibility/2006" xmlns:p14="http://schemas.microsoft.com/office/powerpoint/2010/main">
-    <mc:Choice Requires="p14">
-      <p:transition p14:dur="0"/>
-    </mc:Choice>
-    <mc:Fallback xmlns="">
-      <p:transition/>
-    </mc:Fallback>
-  </mc:AlternateContent>
-</p:sld>
-</file>
-
-<file path=ppt/slides/slide31.xml><?xml version="1.0" encoding="utf-8"?>
-<p:sld xmlns:a="http://schemas.openxmlformats.org/drawingml/2006/main" xmlns:r="http://schemas.openxmlformats.org/officeDocument/2006/relationships" xmlns:p="http://schemas.openxmlformats.org/presentationml/2006/main">
-  <p:cSld>
-    <p:spTree>
-      <p:nvGrpSpPr>
-        <p:cNvPr id="1" name=""/>
-        <p:cNvGrpSpPr/>
-        <p:nvPr/>
-      </p:nvGrpSpPr>
-      <p:grpSpPr>
-        <a:xfrm>
-          <a:off x="0" y="0"/>
-          <a:ext cx="0" cy="0"/>
-          <a:chOff x="0" y="0"/>
-          <a:chExt cx="0" cy="0"/>
-        </a:xfrm>
-      </p:grpSpPr>
-      <p:sp>
-        <p:nvSpPr>
           <p:cNvPr id="8" name="Textplatzhalter 7">
             <a:extLst>
               <a:ext uri="{FF2B5EF4-FFF2-40B4-BE49-F238E27FC236}">
@@ -29816,7 +28602,7 @@
 </p:sld>
 </file>
 
-<file path=ppt/slides/slide32.xml><?xml version="1.0" encoding="utf-8"?>
+<file path=ppt/slides/slide31.xml><?xml version="1.0" encoding="utf-8"?>
 <p:sld xmlns:a="http://schemas.openxmlformats.org/drawingml/2006/main" xmlns:r="http://schemas.openxmlformats.org/officeDocument/2006/relationships" xmlns:p="http://schemas.openxmlformats.org/presentationml/2006/main">
   <p:cSld>
     <p:spTree>
@@ -30374,7 +29160,7 @@
 </p:sld>
 </file>
 
-<file path=ppt/slides/slide33.xml><?xml version="1.0" encoding="utf-8"?>
+<file path=ppt/slides/slide32.xml><?xml version="1.0" encoding="utf-8"?>
 <p:sld xmlns:a="http://schemas.openxmlformats.org/drawingml/2006/main" xmlns:r="http://schemas.openxmlformats.org/officeDocument/2006/relationships" xmlns:p="http://schemas.openxmlformats.org/presentationml/2006/main">
   <p:cSld>
     <p:spTree>
@@ -31265,7 +30051,7 @@
                 <a:buFontTx/>
                 <a:buNone/>
               </a:pPr>
-              <a:t>33</a:t>
+              <a:t>32</a:t>
             </a:fld>
             <a:endParaRPr lang="de-DE" altLang="de-DE" sz="1000"/>
           </a:p>
@@ -31287,7 +30073,7 @@
 </p:sld>
 </file>
 
-<file path=ppt/slides/slide34.xml><?xml version="1.0" encoding="utf-8"?>
+<file path=ppt/slides/slide33.xml><?xml version="1.0" encoding="utf-8"?>
 <p:sld xmlns:a="http://schemas.openxmlformats.org/drawingml/2006/main" xmlns:r="http://schemas.openxmlformats.org/officeDocument/2006/relationships" xmlns:p="http://schemas.openxmlformats.org/presentationml/2006/main">
   <p:cSld>
     <p:spTree>
@@ -32041,7 +30827,7 @@
                 <a:buFontTx/>
                 <a:buNone/>
               </a:pPr>
-              <a:t>34</a:t>
+              <a:t>33</a:t>
             </a:fld>
             <a:endParaRPr lang="de-DE" altLang="de-DE" sz="1000"/>
           </a:p>
@@ -32063,7 +30849,7 @@
 </p:sld>
 </file>
 
-<file path=ppt/slides/slide35.xml><?xml version="1.0" encoding="utf-8"?>
+<file path=ppt/slides/slide34.xml><?xml version="1.0" encoding="utf-8"?>
 <p:sld xmlns:a="http://schemas.openxmlformats.org/drawingml/2006/main" xmlns:r="http://schemas.openxmlformats.org/officeDocument/2006/relationships" xmlns:p="http://schemas.openxmlformats.org/presentationml/2006/main">
   <p:cSld>
     <p:spTree>
@@ -32932,7 +31718,7 @@
                 <a:buFontTx/>
                 <a:buNone/>
               </a:pPr>
-              <a:t>35</a:t>
+              <a:t>34</a:t>
             </a:fld>
             <a:endParaRPr lang="de-DE" altLang="de-DE" sz="1000"/>
           </a:p>
@@ -33275,7 +32061,7 @@
 </p:sld>
 </file>
 
-<file path=ppt/slides/slide36.xml><?xml version="1.0" encoding="utf-8"?>
+<file path=ppt/slides/slide35.xml><?xml version="1.0" encoding="utf-8"?>
 <p:sld xmlns:a="http://schemas.openxmlformats.org/drawingml/2006/main" xmlns:r="http://schemas.openxmlformats.org/officeDocument/2006/relationships" xmlns:p="http://schemas.openxmlformats.org/presentationml/2006/main">
   <p:cSld>
     <p:spTree>
@@ -33963,7 +32749,7 @@
                 <a:buFontTx/>
                 <a:buNone/>
               </a:pPr>
-              <a:t>36</a:t>
+              <a:t>35</a:t>
             </a:fld>
             <a:endParaRPr lang="de-DE" altLang="de-DE" sz="1000"/>
           </a:p>
@@ -34219,7 +33005,7 @@
 </p:sld>
 </file>
 
-<file path=ppt/slides/slide37.xml><?xml version="1.0" encoding="utf-8"?>
+<file path=ppt/slides/slide36.xml><?xml version="1.0" encoding="utf-8"?>
 <p:sld xmlns:a="http://schemas.openxmlformats.org/drawingml/2006/main" xmlns:r="http://schemas.openxmlformats.org/officeDocument/2006/relationships" xmlns:p="http://schemas.openxmlformats.org/presentationml/2006/main">
   <p:cSld>
     <p:spTree>
@@ -34938,7 +33724,7 @@
                 <a:buFontTx/>
                 <a:buNone/>
               </a:pPr>
-              <a:t>37</a:t>
+              <a:t>36</a:t>
             </a:fld>
             <a:endParaRPr lang="de-DE" altLang="de-DE" sz="1000"/>
           </a:p>
@@ -35149,7 +33935,7 @@
 </p:sld>
 </file>
 
-<file path=ppt/slides/slide38.xml><?xml version="1.0" encoding="utf-8"?>
+<file path=ppt/slides/slide37.xml><?xml version="1.0" encoding="utf-8"?>
 <p:sld xmlns:a="http://schemas.openxmlformats.org/drawingml/2006/main" xmlns:r="http://schemas.openxmlformats.org/officeDocument/2006/relationships" xmlns:p="http://schemas.openxmlformats.org/presentationml/2006/main">
   <p:cSld>
     <p:spTree>
@@ -36014,7 +34800,7 @@
                 <a:buFontTx/>
                 <a:buNone/>
               </a:pPr>
-              <a:t>38</a:t>
+              <a:t>37</a:t>
             </a:fld>
             <a:endParaRPr lang="de-DE" altLang="de-DE" sz="1000"/>
           </a:p>
@@ -36174,7 +34960,7 @@
 </p:sld>
 </file>
 
-<file path=ppt/slides/slide39.xml><?xml version="1.0" encoding="utf-8"?>
+<file path=ppt/slides/slide38.xml><?xml version="1.0" encoding="utf-8"?>
 <p:sld xmlns:a="http://schemas.openxmlformats.org/drawingml/2006/main" xmlns:r="http://schemas.openxmlformats.org/officeDocument/2006/relationships" xmlns:p="http://schemas.openxmlformats.org/presentationml/2006/main">
   <p:cSld>
     <p:spTree>
@@ -36861,7 +35647,7 @@
                 <a:buFontTx/>
                 <a:buNone/>
               </a:pPr>
-              <a:t>39</a:t>
+              <a:t>38</a:t>
             </a:fld>
             <a:endParaRPr lang="de-DE" altLang="de-DE" sz="1000"/>
           </a:p>
@@ -36926,825 +35712,7 @@
 </p:sld>
 </file>
 
-<file path=ppt/slides/slide4.xml><?xml version="1.0" encoding="utf-8"?>
-<p:sld xmlns:a="http://schemas.openxmlformats.org/drawingml/2006/main" xmlns:r="http://schemas.openxmlformats.org/officeDocument/2006/relationships" xmlns:p="http://schemas.openxmlformats.org/presentationml/2006/main">
-  <p:cSld>
-    <p:spTree>
-      <p:nvGrpSpPr>
-        <p:cNvPr id="1" name=""/>
-        <p:cNvGrpSpPr/>
-        <p:nvPr/>
-      </p:nvGrpSpPr>
-      <p:grpSpPr>
-        <a:xfrm>
-          <a:off x="0" y="0"/>
-          <a:ext cx="0" cy="0"/>
-          <a:chOff x="0" y="0"/>
-          <a:chExt cx="0" cy="0"/>
-        </a:xfrm>
-      </p:grpSpPr>
-      <p:sp>
-        <p:nvSpPr>
-          <p:cNvPr id="15362" name="Textplatzhalter 11">
-            <a:extLst>
-              <a:ext uri="{FF2B5EF4-FFF2-40B4-BE49-F238E27FC236}">
-                <a16:creationId xmlns:a16="http://schemas.microsoft.com/office/drawing/2014/main" id="{F9CEF601-A415-435D-AF18-02B21F031151}"/>
-              </a:ext>
-            </a:extLst>
-          </p:cNvPr>
-          <p:cNvSpPr>
-            <a:spLocks noGrp="1"/>
-          </p:cNvSpPr>
-          <p:nvPr>
-            <p:ph type="body" sz="quarter" idx="17"/>
-          </p:nvPr>
-        </p:nvSpPr>
-        <p:spPr>
-          <a:xfrm>
-            <a:off x="463550" y="747713"/>
-            <a:ext cx="6775450" cy="395287"/>
-          </a:xfrm>
-        </p:spPr>
-        <p:txBody>
-          <a:bodyPr/>
-          <a:lstStyle/>
-          <a:p>
-            <a:pPr eaLnBrk="1" hangingPunct="1"/>
-            <a:r>
-              <a:rPr lang="de-DE" altLang="de-DE" dirty="0"/>
-              <a:t>Spannungsfeld zwischen Innovation und Kommunikation</a:t>
-            </a:r>
-          </a:p>
-        </p:txBody>
-      </p:sp>
-      <p:sp>
-        <p:nvSpPr>
-          <p:cNvPr id="15363" name="Titel 10">
-            <a:extLst>
-              <a:ext uri="{FF2B5EF4-FFF2-40B4-BE49-F238E27FC236}">
-                <a16:creationId xmlns:a16="http://schemas.microsoft.com/office/drawing/2014/main" id="{698E43B1-92E7-41A6-8021-11F2F7574DFC}"/>
-              </a:ext>
-            </a:extLst>
-          </p:cNvPr>
-          <p:cNvSpPr>
-            <a:spLocks noGrp="1"/>
-          </p:cNvSpPr>
-          <p:nvPr>
-            <p:ph type="title"/>
-          </p:nvPr>
-        </p:nvSpPr>
-        <p:spPr bwMode="auto">
-          <a:xfrm>
-            <a:off x="457200" y="458788"/>
-            <a:ext cx="6781800" cy="368750"/>
-          </a:xfrm>
-          <a:noFill/>
-          <a:extLst>
-            <a:ext uri="{909E8E84-426E-40DD-AFC4-6F175D3DCCD1}">
-              <a14:hiddenFill xmlns:a14="http://schemas.microsoft.com/office/drawing/2010/main">
-                <a:solidFill>
-                  <a:srgbClr val="FFFFFF"/>
-                </a:solidFill>
-              </a14:hiddenFill>
-            </a:ext>
-            <a:ext uri="{91240B29-F687-4F45-9708-019B960494DF}">
-              <a14:hiddenLine xmlns:a14="http://schemas.microsoft.com/office/drawing/2010/main" w="9525">
-                <a:solidFill>
-                  <a:srgbClr val="000000"/>
-                </a:solidFill>
-                <a:miter lim="800000"/>
-                <a:headEnd/>
-                <a:tailEnd/>
-              </a14:hiddenLine>
-            </a:ext>
-          </a:extLst>
-        </p:spPr>
-        <p:txBody>
-          <a:bodyPr numCol="1" anchorCtr="0" compatLnSpc="1">
-            <a:prstTxWarp prst="textNoShape">
-              <a:avLst/>
-            </a:prstTxWarp>
-          </a:bodyPr>
-          <a:lstStyle/>
-          <a:p>
-            <a:pPr eaLnBrk="1" hangingPunct="1"/>
-            <a:r>
-              <a:rPr lang="de-DE" altLang="de-DE" cap="none" dirty="0"/>
-              <a:t>EINLEITUNG</a:t>
-            </a:r>
-          </a:p>
-        </p:txBody>
-      </p:sp>
-      <p:sp>
-        <p:nvSpPr>
-          <p:cNvPr id="15364" name="Inhaltsplatzhalter 12">
-            <a:extLst>
-              <a:ext uri="{FF2B5EF4-FFF2-40B4-BE49-F238E27FC236}">
-                <a16:creationId xmlns:a16="http://schemas.microsoft.com/office/drawing/2014/main" id="{72A2E84E-058C-430B-B0C1-8900B78C4C38}"/>
-              </a:ext>
-            </a:extLst>
-          </p:cNvPr>
-          <p:cNvSpPr>
-            <a:spLocks noGrp="1"/>
-          </p:cNvSpPr>
-          <p:nvPr>
-            <p:ph sz="quarter" idx="21"/>
-          </p:nvPr>
-        </p:nvSpPr>
-        <p:spPr>
-          <a:xfrm>
-            <a:off x="463550" y="1697038"/>
-            <a:ext cx="6775450" cy="4741862"/>
-          </a:xfrm>
-        </p:spPr>
-        <p:txBody>
-          <a:bodyPr/>
-          <a:lstStyle/>
-          <a:p>
-            <a:pPr marL="342900" indent="-342900" eaLnBrk="1" hangingPunct="1">
-              <a:buFont typeface="Arial" panose="020B0604020202020204" pitchFamily="34" charset="0"/>
-              <a:buChar char="•"/>
-            </a:pPr>
-            <a:r>
-              <a:rPr lang="de-DE" altLang="de-DE" dirty="0"/>
-              <a:t>Innovatives Unternehmen != Innovative Kommunikation</a:t>
-            </a:r>
-          </a:p>
-          <a:p>
-            <a:pPr marL="342900" indent="-342900" eaLnBrk="1" hangingPunct="1">
-              <a:buFont typeface="Arial" panose="020B0604020202020204" pitchFamily="34" charset="0"/>
-              <a:buChar char="•"/>
-            </a:pPr>
-            <a:r>
-              <a:rPr lang="de-DE" altLang="de-DE" dirty="0"/>
-              <a:t>IT-Abteilungen kommunizieren mit den Mitarbeiter*innen meist per E-Mail (gefürchtete “End-User”-Mail)</a:t>
-            </a:r>
-          </a:p>
-          <a:p>
-            <a:pPr marL="342900" indent="-342900" eaLnBrk="1" hangingPunct="1">
-              <a:buFont typeface="Arial" panose="020B0604020202020204" pitchFamily="34" charset="0"/>
-              <a:buChar char="•"/>
-            </a:pPr>
-            <a:r>
-              <a:rPr lang="de-DE" altLang="de-DE" dirty="0"/>
-              <a:t>Vorschlag aus der Kommunikationsforschung: Konzept der integrierten Kommunikation</a:t>
-            </a:r>
-          </a:p>
-          <a:p>
-            <a:pPr marL="685800" lvl="1">
-              <a:buFont typeface="Arial" panose="020B0604020202020204" pitchFamily="34" charset="0"/>
-              <a:buChar char="•"/>
-            </a:pPr>
-            <a:r>
-              <a:rPr lang="de-DE" altLang="de-DE" sz="2000" dirty="0"/>
-              <a:t>Kommunikationsmanagement ist: strategisch, Prozess der Analyse/Kontrolle/Kontrolle</a:t>
-            </a:r>
-          </a:p>
-          <a:p>
-            <a:pPr marL="685800" lvl="1">
-              <a:buFont typeface="Arial" panose="020B0604020202020204" pitchFamily="34" charset="0"/>
-              <a:buChar char="•"/>
-            </a:pPr>
-            <a:r>
-              <a:rPr lang="de-DE" altLang="de-DE" sz="2000" dirty="0"/>
-              <a:t>Ausgerichtet auf interne und externe Kommunikation</a:t>
-            </a:r>
-          </a:p>
-          <a:p>
-            <a:pPr marL="685800" lvl="1">
-              <a:buFont typeface="Arial" panose="020B0604020202020204" pitchFamily="34" charset="0"/>
-              <a:buChar char="•"/>
-            </a:pPr>
-            <a:r>
-              <a:rPr lang="de-DE" altLang="de-DE" sz="2000" dirty="0"/>
-              <a:t>Kommunikation soll ein einheitliches Erscheinungsbild des Bezugsobjekts vermitteln</a:t>
-            </a:r>
-            <a:endParaRPr lang="de-DE" altLang="de-DE" dirty="0"/>
-          </a:p>
-          <a:p>
-            <a:pPr marL="342900" indent="-342900">
-              <a:buFont typeface="Arial" panose="020B0604020202020204" pitchFamily="34" charset="0"/>
-              <a:buChar char="•"/>
-            </a:pPr>
-            <a:r>
-              <a:rPr lang="de-DE" altLang="de-DE" dirty="0"/>
-              <a:t>Forderung: Analog zu Projektplänen sollte es einen Kommunikationsplan geben, welcher die Kommunikation im Einklang mit dem Projekt steuert</a:t>
-            </a:r>
-          </a:p>
-          <a:p>
-            <a:pPr marL="685800" lvl="1">
-              <a:buFont typeface="Arial" panose="020B0604020202020204" pitchFamily="34" charset="0"/>
-              <a:buChar char="•"/>
-            </a:pPr>
-            <a:endParaRPr lang="de-DE" altLang="de-DE" sz="2000" dirty="0"/>
-          </a:p>
-          <a:p>
-            <a:pPr marL="342900">
-              <a:buFont typeface="Arial" panose="020B0604020202020204" pitchFamily="34" charset="0"/>
-              <a:buChar char="•"/>
-            </a:pPr>
-            <a:endParaRPr lang="de-DE" altLang="de-DE" sz="2000" dirty="0"/>
-          </a:p>
-          <a:p>
-            <a:pPr marL="685800" lvl="1">
-              <a:buFont typeface="Arial" panose="020B0604020202020204" pitchFamily="34" charset="0"/>
-              <a:buChar char="•"/>
-            </a:pPr>
-            <a:endParaRPr lang="de-DE" altLang="de-DE" sz="2000" dirty="0"/>
-          </a:p>
-        </p:txBody>
-      </p:sp>
-      <p:sp>
-        <p:nvSpPr>
-          <p:cNvPr id="15365" name="Datumsplatzhalter 2">
-            <a:extLst>
-              <a:ext uri="{FF2B5EF4-FFF2-40B4-BE49-F238E27FC236}">
-                <a16:creationId xmlns:a16="http://schemas.microsoft.com/office/drawing/2014/main" id="{41149F59-FE91-4735-918C-40458223008B}"/>
-              </a:ext>
-            </a:extLst>
-          </p:cNvPr>
-          <p:cNvSpPr>
-            <a:spLocks noGrp="1"/>
-          </p:cNvSpPr>
-          <p:nvPr>
-            <p:ph type="dt" sz="quarter" idx="22"/>
-          </p:nvPr>
-        </p:nvSpPr>
-        <p:spPr bwMode="auto">
-          <a:noFill/>
-          <a:extLst>
-            <a:ext uri="{909E8E84-426E-40DD-AFC4-6F175D3DCCD1}">
-              <a14:hiddenFill xmlns:a14="http://schemas.microsoft.com/office/drawing/2010/main">
-                <a:solidFill>
-                  <a:srgbClr val="FFFFFF"/>
-                </a:solidFill>
-              </a14:hiddenFill>
-            </a:ext>
-            <a:ext uri="{91240B29-F687-4F45-9708-019B960494DF}">
-              <a14:hiddenLine xmlns:a14="http://schemas.microsoft.com/office/drawing/2010/main" w="9525">
-                <a:solidFill>
-                  <a:srgbClr val="000000"/>
-                </a:solidFill>
-                <a:miter lim="800000"/>
-                <a:headEnd/>
-                <a:tailEnd/>
-              </a14:hiddenLine>
-            </a:ext>
-          </a:extLst>
-        </p:spPr>
-        <p:txBody>
-          <a:bodyPr/>
-          <a:lstStyle>
-            <a:lvl1pPr eaLnBrk="0" hangingPunct="0">
-              <a:buSzPct val="90000"/>
-              <a:buFont typeface="Lucida Grande" pitchFamily="125" charset="0"/>
-              <a:defRPr sz="2200">
-                <a:solidFill>
-                  <a:srgbClr val="002D58"/>
-                </a:solidFill>
-                <a:latin typeface="Calibri" panose="020F0502020204030204" pitchFamily="34" charset="0"/>
-                <a:ea typeface="ヒラギノ角ゴ Pro W3" pitchFamily="125" charset="-128"/>
-              </a:defRPr>
-            </a:lvl1pPr>
-            <a:lvl2pPr marL="742950" indent="-285750" eaLnBrk="0" hangingPunct="0">
-              <a:buSzPct val="90000"/>
-              <a:buFont typeface="Lucida Grande" pitchFamily="125" charset="0"/>
-              <a:buChar char="I"/>
-              <a:defRPr sz="2200">
-                <a:solidFill>
-                  <a:srgbClr val="002D58"/>
-                </a:solidFill>
-                <a:latin typeface="Calibri" panose="020F0502020204030204" pitchFamily="34" charset="0"/>
-                <a:ea typeface="ヒラギノ角ゴ Pro W3" pitchFamily="125" charset="-128"/>
-              </a:defRPr>
-            </a:lvl2pPr>
-            <a:lvl3pPr marL="1143000" indent="-228600" eaLnBrk="0" hangingPunct="0">
-              <a:buSzPct val="90000"/>
-              <a:buFont typeface="Lucida Grande" pitchFamily="125" charset="0"/>
-              <a:buChar char="I"/>
-              <a:defRPr>
-                <a:solidFill>
-                  <a:srgbClr val="002D58"/>
-                </a:solidFill>
-                <a:latin typeface="Calibri" panose="020F0502020204030204" pitchFamily="34" charset="0"/>
-                <a:ea typeface="ヒラギノ角ゴ Pro W3" pitchFamily="125" charset="-128"/>
-              </a:defRPr>
-            </a:lvl3pPr>
-            <a:lvl4pPr marL="1600200" indent="-228600" eaLnBrk="0" hangingPunct="0">
-              <a:buSzPct val="90000"/>
-              <a:buFont typeface="Lucida Grande" pitchFamily="125" charset="0"/>
-              <a:buChar char="I"/>
-              <a:defRPr>
-                <a:solidFill>
-                  <a:srgbClr val="002D58"/>
-                </a:solidFill>
-                <a:latin typeface="Calibri" panose="020F0502020204030204" pitchFamily="34" charset="0"/>
-                <a:ea typeface="ヒラギノ角ゴ Pro W3" pitchFamily="125" charset="-128"/>
-              </a:defRPr>
-            </a:lvl4pPr>
-            <a:lvl5pPr marL="2057400" indent="-228600" eaLnBrk="0" hangingPunct="0">
-              <a:buSzPct val="90000"/>
-              <a:buFont typeface="Lucida Grande" pitchFamily="125" charset="0"/>
-              <a:buChar char="I"/>
-              <a:defRPr>
-                <a:solidFill>
-                  <a:srgbClr val="002D58"/>
-                </a:solidFill>
-                <a:latin typeface="Calibri" panose="020F0502020204030204" pitchFamily="34" charset="0"/>
-                <a:ea typeface="ヒラギノ角ゴ Pro W3" pitchFamily="125" charset="-128"/>
-              </a:defRPr>
-            </a:lvl5pPr>
-            <a:lvl6pPr marL="2514600" indent="-228600" defTabSz="457200" eaLnBrk="0" fontAlgn="base" hangingPunct="0">
-              <a:spcBef>
-                <a:spcPct val="0"/>
-              </a:spcBef>
-              <a:spcAft>
-                <a:spcPct val="0"/>
-              </a:spcAft>
-              <a:buSzPct val="90000"/>
-              <a:buFont typeface="Lucida Grande" pitchFamily="125" charset="0"/>
-              <a:buChar char="I"/>
-              <a:defRPr>
-                <a:solidFill>
-                  <a:srgbClr val="002D58"/>
-                </a:solidFill>
-                <a:latin typeface="Calibri" panose="020F0502020204030204" pitchFamily="34" charset="0"/>
-                <a:ea typeface="ヒラギノ角ゴ Pro W3" pitchFamily="125" charset="-128"/>
-              </a:defRPr>
-            </a:lvl6pPr>
-            <a:lvl7pPr marL="2971800" indent="-228600" defTabSz="457200" eaLnBrk="0" fontAlgn="base" hangingPunct="0">
-              <a:spcBef>
-                <a:spcPct val="0"/>
-              </a:spcBef>
-              <a:spcAft>
-                <a:spcPct val="0"/>
-              </a:spcAft>
-              <a:buSzPct val="90000"/>
-              <a:buFont typeface="Lucida Grande" pitchFamily="125" charset="0"/>
-              <a:buChar char="I"/>
-              <a:defRPr>
-                <a:solidFill>
-                  <a:srgbClr val="002D58"/>
-                </a:solidFill>
-                <a:latin typeface="Calibri" panose="020F0502020204030204" pitchFamily="34" charset="0"/>
-                <a:ea typeface="ヒラギノ角ゴ Pro W3" pitchFamily="125" charset="-128"/>
-              </a:defRPr>
-            </a:lvl7pPr>
-            <a:lvl8pPr marL="3429000" indent="-228600" defTabSz="457200" eaLnBrk="0" fontAlgn="base" hangingPunct="0">
-              <a:spcBef>
-                <a:spcPct val="0"/>
-              </a:spcBef>
-              <a:spcAft>
-                <a:spcPct val="0"/>
-              </a:spcAft>
-              <a:buSzPct val="90000"/>
-              <a:buFont typeface="Lucida Grande" pitchFamily="125" charset="0"/>
-              <a:buChar char="I"/>
-              <a:defRPr>
-                <a:solidFill>
-                  <a:srgbClr val="002D58"/>
-                </a:solidFill>
-                <a:latin typeface="Calibri" panose="020F0502020204030204" pitchFamily="34" charset="0"/>
-                <a:ea typeface="ヒラギノ角ゴ Pro W3" pitchFamily="125" charset="-128"/>
-              </a:defRPr>
-            </a:lvl8pPr>
-            <a:lvl9pPr marL="3886200" indent="-228600" defTabSz="457200" eaLnBrk="0" fontAlgn="base" hangingPunct="0">
-              <a:spcBef>
-                <a:spcPct val="0"/>
-              </a:spcBef>
-              <a:spcAft>
-                <a:spcPct val="0"/>
-              </a:spcAft>
-              <a:buSzPct val="90000"/>
-              <a:buFont typeface="Lucida Grande" pitchFamily="125" charset="0"/>
-              <a:buChar char="I"/>
-              <a:defRPr>
-                <a:solidFill>
-                  <a:srgbClr val="002D58"/>
-                </a:solidFill>
-                <a:latin typeface="Calibri" panose="020F0502020204030204" pitchFamily="34" charset="0"/>
-                <a:ea typeface="ヒラギノ角ゴ Pro W3" pitchFamily="125" charset="-128"/>
-              </a:defRPr>
-            </a:lvl9pPr>
-          </a:lstStyle>
-          <a:p>
-            <a:pPr eaLnBrk="1" hangingPunct="1">
-              <a:buSzTx/>
-              <a:buFontTx/>
-              <a:buNone/>
-            </a:pPr>
-            <a:r>
-              <a:rPr lang="de-DE" altLang="de-DE" sz="1000"/>
-              <a:t>28.05.2019</a:t>
-            </a:r>
-            <a:endParaRPr lang="hr-HR" altLang="de-DE" sz="1000"/>
-          </a:p>
-        </p:txBody>
-      </p:sp>
-      <p:sp>
-        <p:nvSpPr>
-          <p:cNvPr id="15366" name="Fußzeilenplatzhalter 23">
-            <a:extLst>
-              <a:ext uri="{FF2B5EF4-FFF2-40B4-BE49-F238E27FC236}">
-                <a16:creationId xmlns:a16="http://schemas.microsoft.com/office/drawing/2014/main" id="{BE4197B2-157B-4ED7-B4A9-DF1C67835F2B}"/>
-              </a:ext>
-            </a:extLst>
-          </p:cNvPr>
-          <p:cNvSpPr>
-            <a:spLocks noGrp="1"/>
-          </p:cNvSpPr>
-          <p:nvPr>
-            <p:ph type="ftr" sz="quarter" idx="23"/>
-          </p:nvPr>
-        </p:nvSpPr>
-        <p:spPr bwMode="auto">
-          <a:noFill/>
-          <a:extLst>
-            <a:ext uri="{909E8E84-426E-40DD-AFC4-6F175D3DCCD1}">
-              <a14:hiddenFill xmlns:a14="http://schemas.microsoft.com/office/drawing/2010/main">
-                <a:solidFill>
-                  <a:srgbClr val="FFFFFF"/>
-                </a:solidFill>
-              </a14:hiddenFill>
-            </a:ext>
-            <a:ext uri="{91240B29-F687-4F45-9708-019B960494DF}">
-              <a14:hiddenLine xmlns:a14="http://schemas.microsoft.com/office/drawing/2010/main" w="9525">
-                <a:solidFill>
-                  <a:srgbClr val="000000"/>
-                </a:solidFill>
-                <a:miter lim="800000"/>
-                <a:headEnd/>
-                <a:tailEnd/>
-              </a14:hiddenLine>
-            </a:ext>
-          </a:extLst>
-        </p:spPr>
-        <p:txBody>
-          <a:bodyPr/>
-          <a:lstStyle>
-            <a:lvl1pPr eaLnBrk="0" hangingPunct="0">
-              <a:buSzPct val="90000"/>
-              <a:buFont typeface="Lucida Grande" pitchFamily="125" charset="0"/>
-              <a:defRPr sz="2200">
-                <a:solidFill>
-                  <a:srgbClr val="002D58"/>
-                </a:solidFill>
-                <a:latin typeface="Calibri" panose="020F0502020204030204" pitchFamily="34" charset="0"/>
-                <a:ea typeface="ヒラギノ角ゴ Pro W3" pitchFamily="125" charset="-128"/>
-              </a:defRPr>
-            </a:lvl1pPr>
-            <a:lvl2pPr marL="742950" indent="-285750" eaLnBrk="0" hangingPunct="0">
-              <a:buSzPct val="90000"/>
-              <a:buFont typeface="Lucida Grande" pitchFamily="125" charset="0"/>
-              <a:buChar char="I"/>
-              <a:defRPr sz="2200">
-                <a:solidFill>
-                  <a:srgbClr val="002D58"/>
-                </a:solidFill>
-                <a:latin typeface="Calibri" panose="020F0502020204030204" pitchFamily="34" charset="0"/>
-                <a:ea typeface="ヒラギノ角ゴ Pro W3" pitchFamily="125" charset="-128"/>
-              </a:defRPr>
-            </a:lvl2pPr>
-            <a:lvl3pPr marL="1143000" indent="-228600" eaLnBrk="0" hangingPunct="0">
-              <a:buSzPct val="90000"/>
-              <a:buFont typeface="Lucida Grande" pitchFamily="125" charset="0"/>
-              <a:buChar char="I"/>
-              <a:defRPr>
-                <a:solidFill>
-                  <a:srgbClr val="002D58"/>
-                </a:solidFill>
-                <a:latin typeface="Calibri" panose="020F0502020204030204" pitchFamily="34" charset="0"/>
-                <a:ea typeface="ヒラギノ角ゴ Pro W3" pitchFamily="125" charset="-128"/>
-              </a:defRPr>
-            </a:lvl3pPr>
-            <a:lvl4pPr marL="1600200" indent="-228600" eaLnBrk="0" hangingPunct="0">
-              <a:buSzPct val="90000"/>
-              <a:buFont typeface="Lucida Grande" pitchFamily="125" charset="0"/>
-              <a:buChar char="I"/>
-              <a:defRPr>
-                <a:solidFill>
-                  <a:srgbClr val="002D58"/>
-                </a:solidFill>
-                <a:latin typeface="Calibri" panose="020F0502020204030204" pitchFamily="34" charset="0"/>
-                <a:ea typeface="ヒラギノ角ゴ Pro W3" pitchFamily="125" charset="-128"/>
-              </a:defRPr>
-            </a:lvl4pPr>
-            <a:lvl5pPr marL="2057400" indent="-228600" eaLnBrk="0" hangingPunct="0">
-              <a:buSzPct val="90000"/>
-              <a:buFont typeface="Lucida Grande" pitchFamily="125" charset="0"/>
-              <a:buChar char="I"/>
-              <a:defRPr>
-                <a:solidFill>
-                  <a:srgbClr val="002D58"/>
-                </a:solidFill>
-                <a:latin typeface="Calibri" panose="020F0502020204030204" pitchFamily="34" charset="0"/>
-                <a:ea typeface="ヒラギノ角ゴ Pro W3" pitchFamily="125" charset="-128"/>
-              </a:defRPr>
-            </a:lvl5pPr>
-            <a:lvl6pPr marL="2514600" indent="-228600" defTabSz="457200" eaLnBrk="0" fontAlgn="base" hangingPunct="0">
-              <a:spcBef>
-                <a:spcPct val="0"/>
-              </a:spcBef>
-              <a:spcAft>
-                <a:spcPct val="0"/>
-              </a:spcAft>
-              <a:buSzPct val="90000"/>
-              <a:buFont typeface="Lucida Grande" pitchFamily="125" charset="0"/>
-              <a:buChar char="I"/>
-              <a:defRPr>
-                <a:solidFill>
-                  <a:srgbClr val="002D58"/>
-                </a:solidFill>
-                <a:latin typeface="Calibri" panose="020F0502020204030204" pitchFamily="34" charset="0"/>
-                <a:ea typeface="ヒラギノ角ゴ Pro W3" pitchFamily="125" charset="-128"/>
-              </a:defRPr>
-            </a:lvl6pPr>
-            <a:lvl7pPr marL="2971800" indent="-228600" defTabSz="457200" eaLnBrk="0" fontAlgn="base" hangingPunct="0">
-              <a:spcBef>
-                <a:spcPct val="0"/>
-              </a:spcBef>
-              <a:spcAft>
-                <a:spcPct val="0"/>
-              </a:spcAft>
-              <a:buSzPct val="90000"/>
-              <a:buFont typeface="Lucida Grande" pitchFamily="125" charset="0"/>
-              <a:buChar char="I"/>
-              <a:defRPr>
-                <a:solidFill>
-                  <a:srgbClr val="002D58"/>
-                </a:solidFill>
-                <a:latin typeface="Calibri" panose="020F0502020204030204" pitchFamily="34" charset="0"/>
-                <a:ea typeface="ヒラギノ角ゴ Pro W3" pitchFamily="125" charset="-128"/>
-              </a:defRPr>
-            </a:lvl7pPr>
-            <a:lvl8pPr marL="3429000" indent="-228600" defTabSz="457200" eaLnBrk="0" fontAlgn="base" hangingPunct="0">
-              <a:spcBef>
-                <a:spcPct val="0"/>
-              </a:spcBef>
-              <a:spcAft>
-                <a:spcPct val="0"/>
-              </a:spcAft>
-              <a:buSzPct val="90000"/>
-              <a:buFont typeface="Lucida Grande" pitchFamily="125" charset="0"/>
-              <a:buChar char="I"/>
-              <a:defRPr>
-                <a:solidFill>
-                  <a:srgbClr val="002D58"/>
-                </a:solidFill>
-                <a:latin typeface="Calibri" panose="020F0502020204030204" pitchFamily="34" charset="0"/>
-                <a:ea typeface="ヒラギノ角ゴ Pro W3" pitchFamily="125" charset="-128"/>
-              </a:defRPr>
-            </a:lvl8pPr>
-            <a:lvl9pPr marL="3886200" indent="-228600" defTabSz="457200" eaLnBrk="0" fontAlgn="base" hangingPunct="0">
-              <a:spcBef>
-                <a:spcPct val="0"/>
-              </a:spcBef>
-              <a:spcAft>
-                <a:spcPct val="0"/>
-              </a:spcAft>
-              <a:buSzPct val="90000"/>
-              <a:buFont typeface="Lucida Grande" pitchFamily="125" charset="0"/>
-              <a:buChar char="I"/>
-              <a:defRPr>
-                <a:solidFill>
-                  <a:srgbClr val="002D58"/>
-                </a:solidFill>
-                <a:latin typeface="Calibri" panose="020F0502020204030204" pitchFamily="34" charset="0"/>
-                <a:ea typeface="ヒラギノ角ゴ Pro W3" pitchFamily="125" charset="-128"/>
-              </a:defRPr>
-            </a:lvl9pPr>
-          </a:lstStyle>
-          <a:p>
-            <a:pPr eaLnBrk="1" hangingPunct="1">
-              <a:buSzTx/>
-              <a:buFontTx/>
-              <a:buNone/>
-            </a:pPr>
-            <a:r>
-              <a:rPr lang="de-DE" altLang="de-DE" sz="1000"/>
-              <a:t>IT-Kommunikation innerhalb des Unternehmens</a:t>
-            </a:r>
-          </a:p>
-        </p:txBody>
-      </p:sp>
-      <p:sp>
-        <p:nvSpPr>
-          <p:cNvPr id="15367" name="Foliennummernplatzhalter 4">
-            <a:extLst>
-              <a:ext uri="{FF2B5EF4-FFF2-40B4-BE49-F238E27FC236}">
-                <a16:creationId xmlns:a16="http://schemas.microsoft.com/office/drawing/2014/main" id="{72CCDEF0-A0B9-4425-BAB3-6E85079DE1DC}"/>
-              </a:ext>
-            </a:extLst>
-          </p:cNvPr>
-          <p:cNvSpPr>
-            <a:spLocks noGrp="1"/>
-          </p:cNvSpPr>
-          <p:nvPr>
-            <p:ph type="sldNum" sz="quarter" idx="24"/>
-          </p:nvPr>
-        </p:nvSpPr>
-        <p:spPr bwMode="auto">
-          <a:xfrm>
-            <a:off x="8388350" y="6670675"/>
-            <a:ext cx="576263" cy="211138"/>
-          </a:xfrm>
-          <a:noFill/>
-          <a:extLst>
-            <a:ext uri="{909E8E84-426E-40DD-AFC4-6F175D3DCCD1}">
-              <a14:hiddenFill xmlns:a14="http://schemas.microsoft.com/office/drawing/2010/main">
-                <a:solidFill>
-                  <a:srgbClr val="FFFFFF"/>
-                </a:solidFill>
-              </a14:hiddenFill>
-            </a:ext>
-            <a:ext uri="{91240B29-F687-4F45-9708-019B960494DF}">
-              <a14:hiddenLine xmlns:a14="http://schemas.microsoft.com/office/drawing/2010/main" w="9525">
-                <a:solidFill>
-                  <a:srgbClr val="000000"/>
-                </a:solidFill>
-                <a:miter lim="800000"/>
-                <a:headEnd/>
-                <a:tailEnd/>
-              </a14:hiddenLine>
-            </a:ext>
-          </a:extLst>
-        </p:spPr>
-        <p:txBody>
-          <a:bodyPr/>
-          <a:lstStyle>
-            <a:lvl1pPr eaLnBrk="0" hangingPunct="0">
-              <a:buSzPct val="90000"/>
-              <a:buFont typeface="Lucida Grande" pitchFamily="125" charset="0"/>
-              <a:defRPr sz="2200">
-                <a:solidFill>
-                  <a:srgbClr val="002D58"/>
-                </a:solidFill>
-                <a:latin typeface="Calibri" panose="020F0502020204030204" pitchFamily="34" charset="0"/>
-                <a:ea typeface="ヒラギノ角ゴ Pro W3" pitchFamily="125" charset="-128"/>
-              </a:defRPr>
-            </a:lvl1pPr>
-            <a:lvl2pPr marL="742950" indent="-285750" eaLnBrk="0" hangingPunct="0">
-              <a:buSzPct val="90000"/>
-              <a:buFont typeface="Lucida Grande" pitchFamily="125" charset="0"/>
-              <a:buChar char="I"/>
-              <a:defRPr sz="2200">
-                <a:solidFill>
-                  <a:srgbClr val="002D58"/>
-                </a:solidFill>
-                <a:latin typeface="Calibri" panose="020F0502020204030204" pitchFamily="34" charset="0"/>
-                <a:ea typeface="ヒラギノ角ゴ Pro W3" pitchFamily="125" charset="-128"/>
-              </a:defRPr>
-            </a:lvl2pPr>
-            <a:lvl3pPr marL="1143000" indent="-228600" eaLnBrk="0" hangingPunct="0">
-              <a:buSzPct val="90000"/>
-              <a:buFont typeface="Lucida Grande" pitchFamily="125" charset="0"/>
-              <a:buChar char="I"/>
-              <a:defRPr>
-                <a:solidFill>
-                  <a:srgbClr val="002D58"/>
-                </a:solidFill>
-                <a:latin typeface="Calibri" panose="020F0502020204030204" pitchFamily="34" charset="0"/>
-                <a:ea typeface="ヒラギノ角ゴ Pro W3" pitchFamily="125" charset="-128"/>
-              </a:defRPr>
-            </a:lvl3pPr>
-            <a:lvl4pPr marL="1600200" indent="-228600" eaLnBrk="0" hangingPunct="0">
-              <a:buSzPct val="90000"/>
-              <a:buFont typeface="Lucida Grande" pitchFamily="125" charset="0"/>
-              <a:buChar char="I"/>
-              <a:defRPr>
-                <a:solidFill>
-                  <a:srgbClr val="002D58"/>
-                </a:solidFill>
-                <a:latin typeface="Calibri" panose="020F0502020204030204" pitchFamily="34" charset="0"/>
-                <a:ea typeface="ヒラギノ角ゴ Pro W3" pitchFamily="125" charset="-128"/>
-              </a:defRPr>
-            </a:lvl4pPr>
-            <a:lvl5pPr marL="2057400" indent="-228600" eaLnBrk="0" hangingPunct="0">
-              <a:buSzPct val="90000"/>
-              <a:buFont typeface="Lucida Grande" pitchFamily="125" charset="0"/>
-              <a:buChar char="I"/>
-              <a:defRPr>
-                <a:solidFill>
-                  <a:srgbClr val="002D58"/>
-                </a:solidFill>
-                <a:latin typeface="Calibri" panose="020F0502020204030204" pitchFamily="34" charset="0"/>
-                <a:ea typeface="ヒラギノ角ゴ Pro W3" pitchFamily="125" charset="-128"/>
-              </a:defRPr>
-            </a:lvl5pPr>
-            <a:lvl6pPr marL="2514600" indent="-228600" defTabSz="457200" eaLnBrk="0" fontAlgn="base" hangingPunct="0">
-              <a:spcBef>
-                <a:spcPct val="0"/>
-              </a:spcBef>
-              <a:spcAft>
-                <a:spcPct val="0"/>
-              </a:spcAft>
-              <a:buSzPct val="90000"/>
-              <a:buFont typeface="Lucida Grande" pitchFamily="125" charset="0"/>
-              <a:buChar char="I"/>
-              <a:defRPr>
-                <a:solidFill>
-                  <a:srgbClr val="002D58"/>
-                </a:solidFill>
-                <a:latin typeface="Calibri" panose="020F0502020204030204" pitchFamily="34" charset="0"/>
-                <a:ea typeface="ヒラギノ角ゴ Pro W3" pitchFamily="125" charset="-128"/>
-              </a:defRPr>
-            </a:lvl6pPr>
-            <a:lvl7pPr marL="2971800" indent="-228600" defTabSz="457200" eaLnBrk="0" fontAlgn="base" hangingPunct="0">
-              <a:spcBef>
-                <a:spcPct val="0"/>
-              </a:spcBef>
-              <a:spcAft>
-                <a:spcPct val="0"/>
-              </a:spcAft>
-              <a:buSzPct val="90000"/>
-              <a:buFont typeface="Lucida Grande" pitchFamily="125" charset="0"/>
-              <a:buChar char="I"/>
-              <a:defRPr>
-                <a:solidFill>
-                  <a:srgbClr val="002D58"/>
-                </a:solidFill>
-                <a:latin typeface="Calibri" panose="020F0502020204030204" pitchFamily="34" charset="0"/>
-                <a:ea typeface="ヒラギノ角ゴ Pro W3" pitchFamily="125" charset="-128"/>
-              </a:defRPr>
-            </a:lvl7pPr>
-            <a:lvl8pPr marL="3429000" indent="-228600" defTabSz="457200" eaLnBrk="0" fontAlgn="base" hangingPunct="0">
-              <a:spcBef>
-                <a:spcPct val="0"/>
-              </a:spcBef>
-              <a:spcAft>
-                <a:spcPct val="0"/>
-              </a:spcAft>
-              <a:buSzPct val="90000"/>
-              <a:buFont typeface="Lucida Grande" pitchFamily="125" charset="0"/>
-              <a:buChar char="I"/>
-              <a:defRPr>
-                <a:solidFill>
-                  <a:srgbClr val="002D58"/>
-                </a:solidFill>
-                <a:latin typeface="Calibri" panose="020F0502020204030204" pitchFamily="34" charset="0"/>
-                <a:ea typeface="ヒラギノ角ゴ Pro W3" pitchFamily="125" charset="-128"/>
-              </a:defRPr>
-            </a:lvl8pPr>
-            <a:lvl9pPr marL="3886200" indent="-228600" defTabSz="457200" eaLnBrk="0" fontAlgn="base" hangingPunct="0">
-              <a:spcBef>
-                <a:spcPct val="0"/>
-              </a:spcBef>
-              <a:spcAft>
-                <a:spcPct val="0"/>
-              </a:spcAft>
-              <a:buSzPct val="90000"/>
-              <a:buFont typeface="Lucida Grande" pitchFamily="125" charset="0"/>
-              <a:buChar char="I"/>
-              <a:defRPr>
-                <a:solidFill>
-                  <a:srgbClr val="002D58"/>
-                </a:solidFill>
-                <a:latin typeface="Calibri" panose="020F0502020204030204" pitchFamily="34" charset="0"/>
-                <a:ea typeface="ヒラギノ角ゴ Pro W3" pitchFamily="125" charset="-128"/>
-              </a:defRPr>
-            </a:lvl9pPr>
-          </a:lstStyle>
-          <a:p>
-            <a:pPr eaLnBrk="1" hangingPunct="1">
-              <a:buSzTx/>
-              <a:buFontTx/>
-              <a:buNone/>
-            </a:pPr>
-            <a:fld id="{A1ECC0F0-4FE4-48D5-AFD9-A229AE059B8E}" type="slidenum">
-              <a:rPr lang="de-DE" altLang="de-DE" sz="1000"/>
-              <a:pPr eaLnBrk="1" hangingPunct="1">
-                <a:buSzTx/>
-                <a:buFontTx/>
-                <a:buNone/>
-              </a:pPr>
-              <a:t>4</a:t>
-            </a:fld>
-            <a:endParaRPr lang="de-DE" altLang="de-DE" sz="1000"/>
-          </a:p>
-        </p:txBody>
-      </p:sp>
-    </p:spTree>
-    <p:extLst>
-      <p:ext uri="{BB962C8B-B14F-4D97-AF65-F5344CB8AC3E}">
-        <p14:creationId xmlns:p14="http://schemas.microsoft.com/office/powerpoint/2010/main" val="1109048721"/>
-      </p:ext>
-    </p:extLst>
-  </p:cSld>
-  <p:clrMapOvr>
-    <a:masterClrMapping/>
-  </p:clrMapOvr>
-  <mc:AlternateContent xmlns:mc="http://schemas.openxmlformats.org/markup-compatibility/2006" xmlns:p14="http://schemas.microsoft.com/office/powerpoint/2010/main">
-    <mc:Choice Requires="p14">
-      <p:transition p14:dur="0"/>
-    </mc:Choice>
-    <mc:Fallback xmlns="">
-      <p:transition/>
-    </mc:Fallback>
-  </mc:AlternateContent>
-</p:sld>
-</file>
-
-<file path=ppt/slides/slide40.xml><?xml version="1.0" encoding="utf-8"?>
+<file path=ppt/slides/slide39.xml><?xml version="1.0" encoding="utf-8"?>
 <p:sld xmlns:a="http://schemas.openxmlformats.org/drawingml/2006/main" xmlns:r="http://schemas.openxmlformats.org/officeDocument/2006/relationships" xmlns:p="http://schemas.openxmlformats.org/presentationml/2006/main">
   <p:cSld>
     <p:spTree>
@@ -38506,7 +36474,7 @@
                 <a:buFontTx/>
                 <a:buNone/>
               </a:pPr>
-              <a:t>40</a:t>
+              <a:t>39</a:t>
             </a:fld>
             <a:endParaRPr lang="de-DE" altLang="de-DE" sz="1000"/>
           </a:p>
@@ -38726,7 +36694,825 @@
 </p:sld>
 </file>
 
-<file path=ppt/slides/slide41.xml><?xml version="1.0" encoding="utf-8"?>
+<file path=ppt/slides/slide4.xml><?xml version="1.0" encoding="utf-8"?>
+<p:sld xmlns:a="http://schemas.openxmlformats.org/drawingml/2006/main" xmlns:r="http://schemas.openxmlformats.org/officeDocument/2006/relationships" xmlns:p="http://schemas.openxmlformats.org/presentationml/2006/main">
+  <p:cSld>
+    <p:spTree>
+      <p:nvGrpSpPr>
+        <p:cNvPr id="1" name=""/>
+        <p:cNvGrpSpPr/>
+        <p:nvPr/>
+      </p:nvGrpSpPr>
+      <p:grpSpPr>
+        <a:xfrm>
+          <a:off x="0" y="0"/>
+          <a:ext cx="0" cy="0"/>
+          <a:chOff x="0" y="0"/>
+          <a:chExt cx="0" cy="0"/>
+        </a:xfrm>
+      </p:grpSpPr>
+      <p:sp>
+        <p:nvSpPr>
+          <p:cNvPr id="15362" name="Textplatzhalter 11">
+            <a:extLst>
+              <a:ext uri="{FF2B5EF4-FFF2-40B4-BE49-F238E27FC236}">
+                <a16:creationId xmlns:a16="http://schemas.microsoft.com/office/drawing/2014/main" id="{F9CEF601-A415-435D-AF18-02B21F031151}"/>
+              </a:ext>
+            </a:extLst>
+          </p:cNvPr>
+          <p:cNvSpPr>
+            <a:spLocks noGrp="1"/>
+          </p:cNvSpPr>
+          <p:nvPr>
+            <p:ph type="body" sz="quarter" idx="17"/>
+          </p:nvPr>
+        </p:nvSpPr>
+        <p:spPr>
+          <a:xfrm>
+            <a:off x="463550" y="747713"/>
+            <a:ext cx="6775450" cy="395287"/>
+          </a:xfrm>
+        </p:spPr>
+        <p:txBody>
+          <a:bodyPr/>
+          <a:lstStyle/>
+          <a:p>
+            <a:pPr eaLnBrk="1" hangingPunct="1"/>
+            <a:r>
+              <a:rPr lang="de-DE" altLang="de-DE" dirty="0"/>
+              <a:t>Spannungsfeld zwischen Innovation und Kommunikation</a:t>
+            </a:r>
+          </a:p>
+        </p:txBody>
+      </p:sp>
+      <p:sp>
+        <p:nvSpPr>
+          <p:cNvPr id="15363" name="Titel 10">
+            <a:extLst>
+              <a:ext uri="{FF2B5EF4-FFF2-40B4-BE49-F238E27FC236}">
+                <a16:creationId xmlns:a16="http://schemas.microsoft.com/office/drawing/2014/main" id="{698E43B1-92E7-41A6-8021-11F2F7574DFC}"/>
+              </a:ext>
+            </a:extLst>
+          </p:cNvPr>
+          <p:cNvSpPr>
+            <a:spLocks noGrp="1"/>
+          </p:cNvSpPr>
+          <p:nvPr>
+            <p:ph type="title"/>
+          </p:nvPr>
+        </p:nvSpPr>
+        <p:spPr bwMode="auto">
+          <a:xfrm>
+            <a:off x="457200" y="458788"/>
+            <a:ext cx="6781800" cy="368750"/>
+          </a:xfrm>
+          <a:noFill/>
+          <a:extLst>
+            <a:ext uri="{909E8E84-426E-40DD-AFC4-6F175D3DCCD1}">
+              <a14:hiddenFill xmlns:a14="http://schemas.microsoft.com/office/drawing/2010/main">
+                <a:solidFill>
+                  <a:srgbClr val="FFFFFF"/>
+                </a:solidFill>
+              </a14:hiddenFill>
+            </a:ext>
+            <a:ext uri="{91240B29-F687-4F45-9708-019B960494DF}">
+              <a14:hiddenLine xmlns:a14="http://schemas.microsoft.com/office/drawing/2010/main" w="9525">
+                <a:solidFill>
+                  <a:srgbClr val="000000"/>
+                </a:solidFill>
+                <a:miter lim="800000"/>
+                <a:headEnd/>
+                <a:tailEnd/>
+              </a14:hiddenLine>
+            </a:ext>
+          </a:extLst>
+        </p:spPr>
+        <p:txBody>
+          <a:bodyPr numCol="1" anchorCtr="0" compatLnSpc="1">
+            <a:prstTxWarp prst="textNoShape">
+              <a:avLst/>
+            </a:prstTxWarp>
+          </a:bodyPr>
+          <a:lstStyle/>
+          <a:p>
+            <a:pPr eaLnBrk="1" hangingPunct="1"/>
+            <a:r>
+              <a:rPr lang="de-DE" altLang="de-DE" cap="none" dirty="0"/>
+              <a:t>EINLEITUNG</a:t>
+            </a:r>
+          </a:p>
+        </p:txBody>
+      </p:sp>
+      <p:sp>
+        <p:nvSpPr>
+          <p:cNvPr id="15364" name="Inhaltsplatzhalter 12">
+            <a:extLst>
+              <a:ext uri="{FF2B5EF4-FFF2-40B4-BE49-F238E27FC236}">
+                <a16:creationId xmlns:a16="http://schemas.microsoft.com/office/drawing/2014/main" id="{72A2E84E-058C-430B-B0C1-8900B78C4C38}"/>
+              </a:ext>
+            </a:extLst>
+          </p:cNvPr>
+          <p:cNvSpPr>
+            <a:spLocks noGrp="1"/>
+          </p:cNvSpPr>
+          <p:nvPr>
+            <p:ph sz="quarter" idx="21"/>
+          </p:nvPr>
+        </p:nvSpPr>
+        <p:spPr>
+          <a:xfrm>
+            <a:off x="463550" y="1697038"/>
+            <a:ext cx="6775450" cy="4741862"/>
+          </a:xfrm>
+        </p:spPr>
+        <p:txBody>
+          <a:bodyPr/>
+          <a:lstStyle/>
+          <a:p>
+            <a:pPr marL="342900" indent="-342900" eaLnBrk="1" hangingPunct="1">
+              <a:buFont typeface="Arial" panose="020B0604020202020204" pitchFamily="34" charset="0"/>
+              <a:buChar char="•"/>
+            </a:pPr>
+            <a:r>
+              <a:rPr lang="de-DE" altLang="de-DE" dirty="0"/>
+              <a:t>Innovatives Unternehmen != Innovative Kommunikation</a:t>
+            </a:r>
+          </a:p>
+          <a:p>
+            <a:pPr marL="342900" indent="-342900" eaLnBrk="1" hangingPunct="1">
+              <a:buFont typeface="Arial" panose="020B0604020202020204" pitchFamily="34" charset="0"/>
+              <a:buChar char="•"/>
+            </a:pPr>
+            <a:r>
+              <a:rPr lang="de-DE" altLang="de-DE" dirty="0"/>
+              <a:t>IT-Abteilungen kommunizieren mit den Mitarbeiter*innen meist per E-Mail (gefürchtete “End-User”-Mail)</a:t>
+            </a:r>
+          </a:p>
+          <a:p>
+            <a:pPr marL="342900" indent="-342900" eaLnBrk="1" hangingPunct="1">
+              <a:buFont typeface="Arial" panose="020B0604020202020204" pitchFamily="34" charset="0"/>
+              <a:buChar char="•"/>
+            </a:pPr>
+            <a:r>
+              <a:rPr lang="de-DE" altLang="de-DE" dirty="0"/>
+              <a:t>Vorschlag aus der Kommunikationsforschung: Konzept der integrierten Kommunikation</a:t>
+            </a:r>
+          </a:p>
+          <a:p>
+            <a:pPr marL="685800" lvl="1">
+              <a:buFont typeface="Arial" panose="020B0604020202020204" pitchFamily="34" charset="0"/>
+              <a:buChar char="•"/>
+            </a:pPr>
+            <a:r>
+              <a:rPr lang="de-DE" altLang="de-DE" sz="2000" dirty="0"/>
+              <a:t>Kommunikationsmanagement ist: strategisch, Prozess der Analyse/Kontrolle/Kontrolle</a:t>
+            </a:r>
+          </a:p>
+          <a:p>
+            <a:pPr marL="685800" lvl="1">
+              <a:buFont typeface="Arial" panose="020B0604020202020204" pitchFamily="34" charset="0"/>
+              <a:buChar char="•"/>
+            </a:pPr>
+            <a:r>
+              <a:rPr lang="de-DE" altLang="de-DE" sz="2000" dirty="0"/>
+              <a:t>Ausgerichtet auf interne und externe Kommunikation</a:t>
+            </a:r>
+          </a:p>
+          <a:p>
+            <a:pPr marL="685800" lvl="1">
+              <a:buFont typeface="Arial" panose="020B0604020202020204" pitchFamily="34" charset="0"/>
+              <a:buChar char="•"/>
+            </a:pPr>
+            <a:r>
+              <a:rPr lang="de-DE" altLang="de-DE" sz="2000" dirty="0"/>
+              <a:t>Kommunikation soll ein einheitliches Erscheinungsbild des Bezugsobjekts vermitteln</a:t>
+            </a:r>
+            <a:endParaRPr lang="de-DE" altLang="de-DE" dirty="0"/>
+          </a:p>
+          <a:p>
+            <a:pPr marL="342900" indent="-342900">
+              <a:buFont typeface="Arial" panose="020B0604020202020204" pitchFamily="34" charset="0"/>
+              <a:buChar char="•"/>
+            </a:pPr>
+            <a:r>
+              <a:rPr lang="de-DE" altLang="de-DE" dirty="0"/>
+              <a:t>Forderung: Analog zu Projektplänen sollte es einen Kommunikationsplan geben, welcher die Kommunikation im Einklang mit dem Projekt steuert</a:t>
+            </a:r>
+          </a:p>
+          <a:p>
+            <a:pPr marL="685800" lvl="1">
+              <a:buFont typeface="Arial" panose="020B0604020202020204" pitchFamily="34" charset="0"/>
+              <a:buChar char="•"/>
+            </a:pPr>
+            <a:endParaRPr lang="de-DE" altLang="de-DE" sz="2000" dirty="0"/>
+          </a:p>
+          <a:p>
+            <a:pPr marL="342900">
+              <a:buFont typeface="Arial" panose="020B0604020202020204" pitchFamily="34" charset="0"/>
+              <a:buChar char="•"/>
+            </a:pPr>
+            <a:endParaRPr lang="de-DE" altLang="de-DE" sz="2000" dirty="0"/>
+          </a:p>
+          <a:p>
+            <a:pPr marL="685800" lvl="1">
+              <a:buFont typeface="Arial" panose="020B0604020202020204" pitchFamily="34" charset="0"/>
+              <a:buChar char="•"/>
+            </a:pPr>
+            <a:endParaRPr lang="de-DE" altLang="de-DE" sz="2000" dirty="0"/>
+          </a:p>
+        </p:txBody>
+      </p:sp>
+      <p:sp>
+        <p:nvSpPr>
+          <p:cNvPr id="15365" name="Datumsplatzhalter 2">
+            <a:extLst>
+              <a:ext uri="{FF2B5EF4-FFF2-40B4-BE49-F238E27FC236}">
+                <a16:creationId xmlns:a16="http://schemas.microsoft.com/office/drawing/2014/main" id="{41149F59-FE91-4735-918C-40458223008B}"/>
+              </a:ext>
+            </a:extLst>
+          </p:cNvPr>
+          <p:cNvSpPr>
+            <a:spLocks noGrp="1"/>
+          </p:cNvSpPr>
+          <p:nvPr>
+            <p:ph type="dt" sz="quarter" idx="22"/>
+          </p:nvPr>
+        </p:nvSpPr>
+        <p:spPr bwMode="auto">
+          <a:noFill/>
+          <a:extLst>
+            <a:ext uri="{909E8E84-426E-40DD-AFC4-6F175D3DCCD1}">
+              <a14:hiddenFill xmlns:a14="http://schemas.microsoft.com/office/drawing/2010/main">
+                <a:solidFill>
+                  <a:srgbClr val="FFFFFF"/>
+                </a:solidFill>
+              </a14:hiddenFill>
+            </a:ext>
+            <a:ext uri="{91240B29-F687-4F45-9708-019B960494DF}">
+              <a14:hiddenLine xmlns:a14="http://schemas.microsoft.com/office/drawing/2010/main" w="9525">
+                <a:solidFill>
+                  <a:srgbClr val="000000"/>
+                </a:solidFill>
+                <a:miter lim="800000"/>
+                <a:headEnd/>
+                <a:tailEnd/>
+              </a14:hiddenLine>
+            </a:ext>
+          </a:extLst>
+        </p:spPr>
+        <p:txBody>
+          <a:bodyPr/>
+          <a:lstStyle>
+            <a:lvl1pPr eaLnBrk="0" hangingPunct="0">
+              <a:buSzPct val="90000"/>
+              <a:buFont typeface="Lucida Grande" pitchFamily="125" charset="0"/>
+              <a:defRPr sz="2200">
+                <a:solidFill>
+                  <a:srgbClr val="002D58"/>
+                </a:solidFill>
+                <a:latin typeface="Calibri" panose="020F0502020204030204" pitchFamily="34" charset="0"/>
+                <a:ea typeface="ヒラギノ角ゴ Pro W3" pitchFamily="125" charset="-128"/>
+              </a:defRPr>
+            </a:lvl1pPr>
+            <a:lvl2pPr marL="742950" indent="-285750" eaLnBrk="0" hangingPunct="0">
+              <a:buSzPct val="90000"/>
+              <a:buFont typeface="Lucida Grande" pitchFamily="125" charset="0"/>
+              <a:buChar char="I"/>
+              <a:defRPr sz="2200">
+                <a:solidFill>
+                  <a:srgbClr val="002D58"/>
+                </a:solidFill>
+                <a:latin typeface="Calibri" panose="020F0502020204030204" pitchFamily="34" charset="0"/>
+                <a:ea typeface="ヒラギノ角ゴ Pro W3" pitchFamily="125" charset="-128"/>
+              </a:defRPr>
+            </a:lvl2pPr>
+            <a:lvl3pPr marL="1143000" indent="-228600" eaLnBrk="0" hangingPunct="0">
+              <a:buSzPct val="90000"/>
+              <a:buFont typeface="Lucida Grande" pitchFamily="125" charset="0"/>
+              <a:buChar char="I"/>
+              <a:defRPr>
+                <a:solidFill>
+                  <a:srgbClr val="002D58"/>
+                </a:solidFill>
+                <a:latin typeface="Calibri" panose="020F0502020204030204" pitchFamily="34" charset="0"/>
+                <a:ea typeface="ヒラギノ角ゴ Pro W3" pitchFamily="125" charset="-128"/>
+              </a:defRPr>
+            </a:lvl3pPr>
+            <a:lvl4pPr marL="1600200" indent="-228600" eaLnBrk="0" hangingPunct="0">
+              <a:buSzPct val="90000"/>
+              <a:buFont typeface="Lucida Grande" pitchFamily="125" charset="0"/>
+              <a:buChar char="I"/>
+              <a:defRPr>
+                <a:solidFill>
+                  <a:srgbClr val="002D58"/>
+                </a:solidFill>
+                <a:latin typeface="Calibri" panose="020F0502020204030204" pitchFamily="34" charset="0"/>
+                <a:ea typeface="ヒラギノ角ゴ Pro W3" pitchFamily="125" charset="-128"/>
+              </a:defRPr>
+            </a:lvl4pPr>
+            <a:lvl5pPr marL="2057400" indent="-228600" eaLnBrk="0" hangingPunct="0">
+              <a:buSzPct val="90000"/>
+              <a:buFont typeface="Lucida Grande" pitchFamily="125" charset="0"/>
+              <a:buChar char="I"/>
+              <a:defRPr>
+                <a:solidFill>
+                  <a:srgbClr val="002D58"/>
+                </a:solidFill>
+                <a:latin typeface="Calibri" panose="020F0502020204030204" pitchFamily="34" charset="0"/>
+                <a:ea typeface="ヒラギノ角ゴ Pro W3" pitchFamily="125" charset="-128"/>
+              </a:defRPr>
+            </a:lvl5pPr>
+            <a:lvl6pPr marL="2514600" indent="-228600" defTabSz="457200" eaLnBrk="0" fontAlgn="base" hangingPunct="0">
+              <a:spcBef>
+                <a:spcPct val="0"/>
+              </a:spcBef>
+              <a:spcAft>
+                <a:spcPct val="0"/>
+              </a:spcAft>
+              <a:buSzPct val="90000"/>
+              <a:buFont typeface="Lucida Grande" pitchFamily="125" charset="0"/>
+              <a:buChar char="I"/>
+              <a:defRPr>
+                <a:solidFill>
+                  <a:srgbClr val="002D58"/>
+                </a:solidFill>
+                <a:latin typeface="Calibri" panose="020F0502020204030204" pitchFamily="34" charset="0"/>
+                <a:ea typeface="ヒラギノ角ゴ Pro W3" pitchFamily="125" charset="-128"/>
+              </a:defRPr>
+            </a:lvl6pPr>
+            <a:lvl7pPr marL="2971800" indent="-228600" defTabSz="457200" eaLnBrk="0" fontAlgn="base" hangingPunct="0">
+              <a:spcBef>
+                <a:spcPct val="0"/>
+              </a:spcBef>
+              <a:spcAft>
+                <a:spcPct val="0"/>
+              </a:spcAft>
+              <a:buSzPct val="90000"/>
+              <a:buFont typeface="Lucida Grande" pitchFamily="125" charset="0"/>
+              <a:buChar char="I"/>
+              <a:defRPr>
+                <a:solidFill>
+                  <a:srgbClr val="002D58"/>
+                </a:solidFill>
+                <a:latin typeface="Calibri" panose="020F0502020204030204" pitchFamily="34" charset="0"/>
+                <a:ea typeface="ヒラギノ角ゴ Pro W3" pitchFamily="125" charset="-128"/>
+              </a:defRPr>
+            </a:lvl7pPr>
+            <a:lvl8pPr marL="3429000" indent="-228600" defTabSz="457200" eaLnBrk="0" fontAlgn="base" hangingPunct="0">
+              <a:spcBef>
+                <a:spcPct val="0"/>
+              </a:spcBef>
+              <a:spcAft>
+                <a:spcPct val="0"/>
+              </a:spcAft>
+              <a:buSzPct val="90000"/>
+              <a:buFont typeface="Lucida Grande" pitchFamily="125" charset="0"/>
+              <a:buChar char="I"/>
+              <a:defRPr>
+                <a:solidFill>
+                  <a:srgbClr val="002D58"/>
+                </a:solidFill>
+                <a:latin typeface="Calibri" panose="020F0502020204030204" pitchFamily="34" charset="0"/>
+                <a:ea typeface="ヒラギノ角ゴ Pro W3" pitchFamily="125" charset="-128"/>
+              </a:defRPr>
+            </a:lvl8pPr>
+            <a:lvl9pPr marL="3886200" indent="-228600" defTabSz="457200" eaLnBrk="0" fontAlgn="base" hangingPunct="0">
+              <a:spcBef>
+                <a:spcPct val="0"/>
+              </a:spcBef>
+              <a:spcAft>
+                <a:spcPct val="0"/>
+              </a:spcAft>
+              <a:buSzPct val="90000"/>
+              <a:buFont typeface="Lucida Grande" pitchFamily="125" charset="0"/>
+              <a:buChar char="I"/>
+              <a:defRPr>
+                <a:solidFill>
+                  <a:srgbClr val="002D58"/>
+                </a:solidFill>
+                <a:latin typeface="Calibri" panose="020F0502020204030204" pitchFamily="34" charset="0"/>
+                <a:ea typeface="ヒラギノ角ゴ Pro W3" pitchFamily="125" charset="-128"/>
+              </a:defRPr>
+            </a:lvl9pPr>
+          </a:lstStyle>
+          <a:p>
+            <a:pPr eaLnBrk="1" hangingPunct="1">
+              <a:buSzTx/>
+              <a:buFontTx/>
+              <a:buNone/>
+            </a:pPr>
+            <a:r>
+              <a:rPr lang="de-DE" altLang="de-DE" sz="1000"/>
+              <a:t>28.05.2019</a:t>
+            </a:r>
+            <a:endParaRPr lang="hr-HR" altLang="de-DE" sz="1000"/>
+          </a:p>
+        </p:txBody>
+      </p:sp>
+      <p:sp>
+        <p:nvSpPr>
+          <p:cNvPr id="15366" name="Fußzeilenplatzhalter 23">
+            <a:extLst>
+              <a:ext uri="{FF2B5EF4-FFF2-40B4-BE49-F238E27FC236}">
+                <a16:creationId xmlns:a16="http://schemas.microsoft.com/office/drawing/2014/main" id="{BE4197B2-157B-4ED7-B4A9-DF1C67835F2B}"/>
+              </a:ext>
+            </a:extLst>
+          </p:cNvPr>
+          <p:cNvSpPr>
+            <a:spLocks noGrp="1"/>
+          </p:cNvSpPr>
+          <p:nvPr>
+            <p:ph type="ftr" sz="quarter" idx="23"/>
+          </p:nvPr>
+        </p:nvSpPr>
+        <p:spPr bwMode="auto">
+          <a:noFill/>
+          <a:extLst>
+            <a:ext uri="{909E8E84-426E-40DD-AFC4-6F175D3DCCD1}">
+              <a14:hiddenFill xmlns:a14="http://schemas.microsoft.com/office/drawing/2010/main">
+                <a:solidFill>
+                  <a:srgbClr val="FFFFFF"/>
+                </a:solidFill>
+              </a14:hiddenFill>
+            </a:ext>
+            <a:ext uri="{91240B29-F687-4F45-9708-019B960494DF}">
+              <a14:hiddenLine xmlns:a14="http://schemas.microsoft.com/office/drawing/2010/main" w="9525">
+                <a:solidFill>
+                  <a:srgbClr val="000000"/>
+                </a:solidFill>
+                <a:miter lim="800000"/>
+                <a:headEnd/>
+                <a:tailEnd/>
+              </a14:hiddenLine>
+            </a:ext>
+          </a:extLst>
+        </p:spPr>
+        <p:txBody>
+          <a:bodyPr/>
+          <a:lstStyle>
+            <a:lvl1pPr eaLnBrk="0" hangingPunct="0">
+              <a:buSzPct val="90000"/>
+              <a:buFont typeface="Lucida Grande" pitchFamily="125" charset="0"/>
+              <a:defRPr sz="2200">
+                <a:solidFill>
+                  <a:srgbClr val="002D58"/>
+                </a:solidFill>
+                <a:latin typeface="Calibri" panose="020F0502020204030204" pitchFamily="34" charset="0"/>
+                <a:ea typeface="ヒラギノ角ゴ Pro W3" pitchFamily="125" charset="-128"/>
+              </a:defRPr>
+            </a:lvl1pPr>
+            <a:lvl2pPr marL="742950" indent="-285750" eaLnBrk="0" hangingPunct="0">
+              <a:buSzPct val="90000"/>
+              <a:buFont typeface="Lucida Grande" pitchFamily="125" charset="0"/>
+              <a:buChar char="I"/>
+              <a:defRPr sz="2200">
+                <a:solidFill>
+                  <a:srgbClr val="002D58"/>
+                </a:solidFill>
+                <a:latin typeface="Calibri" panose="020F0502020204030204" pitchFamily="34" charset="0"/>
+                <a:ea typeface="ヒラギノ角ゴ Pro W3" pitchFamily="125" charset="-128"/>
+              </a:defRPr>
+            </a:lvl2pPr>
+            <a:lvl3pPr marL="1143000" indent="-228600" eaLnBrk="0" hangingPunct="0">
+              <a:buSzPct val="90000"/>
+              <a:buFont typeface="Lucida Grande" pitchFamily="125" charset="0"/>
+              <a:buChar char="I"/>
+              <a:defRPr>
+                <a:solidFill>
+                  <a:srgbClr val="002D58"/>
+                </a:solidFill>
+                <a:latin typeface="Calibri" panose="020F0502020204030204" pitchFamily="34" charset="0"/>
+                <a:ea typeface="ヒラギノ角ゴ Pro W3" pitchFamily="125" charset="-128"/>
+              </a:defRPr>
+            </a:lvl3pPr>
+            <a:lvl4pPr marL="1600200" indent="-228600" eaLnBrk="0" hangingPunct="0">
+              <a:buSzPct val="90000"/>
+              <a:buFont typeface="Lucida Grande" pitchFamily="125" charset="0"/>
+              <a:buChar char="I"/>
+              <a:defRPr>
+                <a:solidFill>
+                  <a:srgbClr val="002D58"/>
+                </a:solidFill>
+                <a:latin typeface="Calibri" panose="020F0502020204030204" pitchFamily="34" charset="0"/>
+                <a:ea typeface="ヒラギノ角ゴ Pro W3" pitchFamily="125" charset="-128"/>
+              </a:defRPr>
+            </a:lvl4pPr>
+            <a:lvl5pPr marL="2057400" indent="-228600" eaLnBrk="0" hangingPunct="0">
+              <a:buSzPct val="90000"/>
+              <a:buFont typeface="Lucida Grande" pitchFamily="125" charset="0"/>
+              <a:buChar char="I"/>
+              <a:defRPr>
+                <a:solidFill>
+                  <a:srgbClr val="002D58"/>
+                </a:solidFill>
+                <a:latin typeface="Calibri" panose="020F0502020204030204" pitchFamily="34" charset="0"/>
+                <a:ea typeface="ヒラギノ角ゴ Pro W3" pitchFamily="125" charset="-128"/>
+              </a:defRPr>
+            </a:lvl5pPr>
+            <a:lvl6pPr marL="2514600" indent="-228600" defTabSz="457200" eaLnBrk="0" fontAlgn="base" hangingPunct="0">
+              <a:spcBef>
+                <a:spcPct val="0"/>
+              </a:spcBef>
+              <a:spcAft>
+                <a:spcPct val="0"/>
+              </a:spcAft>
+              <a:buSzPct val="90000"/>
+              <a:buFont typeface="Lucida Grande" pitchFamily="125" charset="0"/>
+              <a:buChar char="I"/>
+              <a:defRPr>
+                <a:solidFill>
+                  <a:srgbClr val="002D58"/>
+                </a:solidFill>
+                <a:latin typeface="Calibri" panose="020F0502020204030204" pitchFamily="34" charset="0"/>
+                <a:ea typeface="ヒラギノ角ゴ Pro W3" pitchFamily="125" charset="-128"/>
+              </a:defRPr>
+            </a:lvl6pPr>
+            <a:lvl7pPr marL="2971800" indent="-228600" defTabSz="457200" eaLnBrk="0" fontAlgn="base" hangingPunct="0">
+              <a:spcBef>
+                <a:spcPct val="0"/>
+              </a:spcBef>
+              <a:spcAft>
+                <a:spcPct val="0"/>
+              </a:spcAft>
+              <a:buSzPct val="90000"/>
+              <a:buFont typeface="Lucida Grande" pitchFamily="125" charset="0"/>
+              <a:buChar char="I"/>
+              <a:defRPr>
+                <a:solidFill>
+                  <a:srgbClr val="002D58"/>
+                </a:solidFill>
+                <a:latin typeface="Calibri" panose="020F0502020204030204" pitchFamily="34" charset="0"/>
+                <a:ea typeface="ヒラギノ角ゴ Pro W3" pitchFamily="125" charset="-128"/>
+              </a:defRPr>
+            </a:lvl7pPr>
+            <a:lvl8pPr marL="3429000" indent="-228600" defTabSz="457200" eaLnBrk="0" fontAlgn="base" hangingPunct="0">
+              <a:spcBef>
+                <a:spcPct val="0"/>
+              </a:spcBef>
+              <a:spcAft>
+                <a:spcPct val="0"/>
+              </a:spcAft>
+              <a:buSzPct val="90000"/>
+              <a:buFont typeface="Lucida Grande" pitchFamily="125" charset="0"/>
+              <a:buChar char="I"/>
+              <a:defRPr>
+                <a:solidFill>
+                  <a:srgbClr val="002D58"/>
+                </a:solidFill>
+                <a:latin typeface="Calibri" panose="020F0502020204030204" pitchFamily="34" charset="0"/>
+                <a:ea typeface="ヒラギノ角ゴ Pro W3" pitchFamily="125" charset="-128"/>
+              </a:defRPr>
+            </a:lvl8pPr>
+            <a:lvl9pPr marL="3886200" indent="-228600" defTabSz="457200" eaLnBrk="0" fontAlgn="base" hangingPunct="0">
+              <a:spcBef>
+                <a:spcPct val="0"/>
+              </a:spcBef>
+              <a:spcAft>
+                <a:spcPct val="0"/>
+              </a:spcAft>
+              <a:buSzPct val="90000"/>
+              <a:buFont typeface="Lucida Grande" pitchFamily="125" charset="0"/>
+              <a:buChar char="I"/>
+              <a:defRPr>
+                <a:solidFill>
+                  <a:srgbClr val="002D58"/>
+                </a:solidFill>
+                <a:latin typeface="Calibri" panose="020F0502020204030204" pitchFamily="34" charset="0"/>
+                <a:ea typeface="ヒラギノ角ゴ Pro W3" pitchFamily="125" charset="-128"/>
+              </a:defRPr>
+            </a:lvl9pPr>
+          </a:lstStyle>
+          <a:p>
+            <a:pPr eaLnBrk="1" hangingPunct="1">
+              <a:buSzTx/>
+              <a:buFontTx/>
+              <a:buNone/>
+            </a:pPr>
+            <a:r>
+              <a:rPr lang="de-DE" altLang="de-DE" sz="1000"/>
+              <a:t>IT-Kommunikation innerhalb des Unternehmens</a:t>
+            </a:r>
+          </a:p>
+        </p:txBody>
+      </p:sp>
+      <p:sp>
+        <p:nvSpPr>
+          <p:cNvPr id="15367" name="Foliennummernplatzhalter 4">
+            <a:extLst>
+              <a:ext uri="{FF2B5EF4-FFF2-40B4-BE49-F238E27FC236}">
+                <a16:creationId xmlns:a16="http://schemas.microsoft.com/office/drawing/2014/main" id="{72CCDEF0-A0B9-4425-BAB3-6E85079DE1DC}"/>
+              </a:ext>
+            </a:extLst>
+          </p:cNvPr>
+          <p:cNvSpPr>
+            <a:spLocks noGrp="1"/>
+          </p:cNvSpPr>
+          <p:nvPr>
+            <p:ph type="sldNum" sz="quarter" idx="24"/>
+          </p:nvPr>
+        </p:nvSpPr>
+        <p:spPr bwMode="auto">
+          <a:xfrm>
+            <a:off x="8388350" y="6670675"/>
+            <a:ext cx="576263" cy="211138"/>
+          </a:xfrm>
+          <a:noFill/>
+          <a:extLst>
+            <a:ext uri="{909E8E84-426E-40DD-AFC4-6F175D3DCCD1}">
+              <a14:hiddenFill xmlns:a14="http://schemas.microsoft.com/office/drawing/2010/main">
+                <a:solidFill>
+                  <a:srgbClr val="FFFFFF"/>
+                </a:solidFill>
+              </a14:hiddenFill>
+            </a:ext>
+            <a:ext uri="{91240B29-F687-4F45-9708-019B960494DF}">
+              <a14:hiddenLine xmlns:a14="http://schemas.microsoft.com/office/drawing/2010/main" w="9525">
+                <a:solidFill>
+                  <a:srgbClr val="000000"/>
+                </a:solidFill>
+                <a:miter lim="800000"/>
+                <a:headEnd/>
+                <a:tailEnd/>
+              </a14:hiddenLine>
+            </a:ext>
+          </a:extLst>
+        </p:spPr>
+        <p:txBody>
+          <a:bodyPr/>
+          <a:lstStyle>
+            <a:lvl1pPr eaLnBrk="0" hangingPunct="0">
+              <a:buSzPct val="90000"/>
+              <a:buFont typeface="Lucida Grande" pitchFamily="125" charset="0"/>
+              <a:defRPr sz="2200">
+                <a:solidFill>
+                  <a:srgbClr val="002D58"/>
+                </a:solidFill>
+                <a:latin typeface="Calibri" panose="020F0502020204030204" pitchFamily="34" charset="0"/>
+                <a:ea typeface="ヒラギノ角ゴ Pro W3" pitchFamily="125" charset="-128"/>
+              </a:defRPr>
+            </a:lvl1pPr>
+            <a:lvl2pPr marL="742950" indent="-285750" eaLnBrk="0" hangingPunct="0">
+              <a:buSzPct val="90000"/>
+              <a:buFont typeface="Lucida Grande" pitchFamily="125" charset="0"/>
+              <a:buChar char="I"/>
+              <a:defRPr sz="2200">
+                <a:solidFill>
+                  <a:srgbClr val="002D58"/>
+                </a:solidFill>
+                <a:latin typeface="Calibri" panose="020F0502020204030204" pitchFamily="34" charset="0"/>
+                <a:ea typeface="ヒラギノ角ゴ Pro W3" pitchFamily="125" charset="-128"/>
+              </a:defRPr>
+            </a:lvl2pPr>
+            <a:lvl3pPr marL="1143000" indent="-228600" eaLnBrk="0" hangingPunct="0">
+              <a:buSzPct val="90000"/>
+              <a:buFont typeface="Lucida Grande" pitchFamily="125" charset="0"/>
+              <a:buChar char="I"/>
+              <a:defRPr>
+                <a:solidFill>
+                  <a:srgbClr val="002D58"/>
+                </a:solidFill>
+                <a:latin typeface="Calibri" panose="020F0502020204030204" pitchFamily="34" charset="0"/>
+                <a:ea typeface="ヒラギノ角ゴ Pro W3" pitchFamily="125" charset="-128"/>
+              </a:defRPr>
+            </a:lvl3pPr>
+            <a:lvl4pPr marL="1600200" indent="-228600" eaLnBrk="0" hangingPunct="0">
+              <a:buSzPct val="90000"/>
+              <a:buFont typeface="Lucida Grande" pitchFamily="125" charset="0"/>
+              <a:buChar char="I"/>
+              <a:defRPr>
+                <a:solidFill>
+                  <a:srgbClr val="002D58"/>
+                </a:solidFill>
+                <a:latin typeface="Calibri" panose="020F0502020204030204" pitchFamily="34" charset="0"/>
+                <a:ea typeface="ヒラギノ角ゴ Pro W3" pitchFamily="125" charset="-128"/>
+              </a:defRPr>
+            </a:lvl4pPr>
+            <a:lvl5pPr marL="2057400" indent="-228600" eaLnBrk="0" hangingPunct="0">
+              <a:buSzPct val="90000"/>
+              <a:buFont typeface="Lucida Grande" pitchFamily="125" charset="0"/>
+              <a:buChar char="I"/>
+              <a:defRPr>
+                <a:solidFill>
+                  <a:srgbClr val="002D58"/>
+                </a:solidFill>
+                <a:latin typeface="Calibri" panose="020F0502020204030204" pitchFamily="34" charset="0"/>
+                <a:ea typeface="ヒラギノ角ゴ Pro W3" pitchFamily="125" charset="-128"/>
+              </a:defRPr>
+            </a:lvl5pPr>
+            <a:lvl6pPr marL="2514600" indent="-228600" defTabSz="457200" eaLnBrk="0" fontAlgn="base" hangingPunct="0">
+              <a:spcBef>
+                <a:spcPct val="0"/>
+              </a:spcBef>
+              <a:spcAft>
+                <a:spcPct val="0"/>
+              </a:spcAft>
+              <a:buSzPct val="90000"/>
+              <a:buFont typeface="Lucida Grande" pitchFamily="125" charset="0"/>
+              <a:buChar char="I"/>
+              <a:defRPr>
+                <a:solidFill>
+                  <a:srgbClr val="002D58"/>
+                </a:solidFill>
+                <a:latin typeface="Calibri" panose="020F0502020204030204" pitchFamily="34" charset="0"/>
+                <a:ea typeface="ヒラギノ角ゴ Pro W3" pitchFamily="125" charset="-128"/>
+              </a:defRPr>
+            </a:lvl6pPr>
+            <a:lvl7pPr marL="2971800" indent="-228600" defTabSz="457200" eaLnBrk="0" fontAlgn="base" hangingPunct="0">
+              <a:spcBef>
+                <a:spcPct val="0"/>
+              </a:spcBef>
+              <a:spcAft>
+                <a:spcPct val="0"/>
+              </a:spcAft>
+              <a:buSzPct val="90000"/>
+              <a:buFont typeface="Lucida Grande" pitchFamily="125" charset="0"/>
+              <a:buChar char="I"/>
+              <a:defRPr>
+                <a:solidFill>
+                  <a:srgbClr val="002D58"/>
+                </a:solidFill>
+                <a:latin typeface="Calibri" panose="020F0502020204030204" pitchFamily="34" charset="0"/>
+                <a:ea typeface="ヒラギノ角ゴ Pro W3" pitchFamily="125" charset="-128"/>
+              </a:defRPr>
+            </a:lvl7pPr>
+            <a:lvl8pPr marL="3429000" indent="-228600" defTabSz="457200" eaLnBrk="0" fontAlgn="base" hangingPunct="0">
+              <a:spcBef>
+                <a:spcPct val="0"/>
+              </a:spcBef>
+              <a:spcAft>
+                <a:spcPct val="0"/>
+              </a:spcAft>
+              <a:buSzPct val="90000"/>
+              <a:buFont typeface="Lucida Grande" pitchFamily="125" charset="0"/>
+              <a:buChar char="I"/>
+              <a:defRPr>
+                <a:solidFill>
+                  <a:srgbClr val="002D58"/>
+                </a:solidFill>
+                <a:latin typeface="Calibri" panose="020F0502020204030204" pitchFamily="34" charset="0"/>
+                <a:ea typeface="ヒラギノ角ゴ Pro W3" pitchFamily="125" charset="-128"/>
+              </a:defRPr>
+            </a:lvl8pPr>
+            <a:lvl9pPr marL="3886200" indent="-228600" defTabSz="457200" eaLnBrk="0" fontAlgn="base" hangingPunct="0">
+              <a:spcBef>
+                <a:spcPct val="0"/>
+              </a:spcBef>
+              <a:spcAft>
+                <a:spcPct val="0"/>
+              </a:spcAft>
+              <a:buSzPct val="90000"/>
+              <a:buFont typeface="Lucida Grande" pitchFamily="125" charset="0"/>
+              <a:buChar char="I"/>
+              <a:defRPr>
+                <a:solidFill>
+                  <a:srgbClr val="002D58"/>
+                </a:solidFill>
+                <a:latin typeface="Calibri" panose="020F0502020204030204" pitchFamily="34" charset="0"/>
+                <a:ea typeface="ヒラギノ角ゴ Pro W3" pitchFamily="125" charset="-128"/>
+              </a:defRPr>
+            </a:lvl9pPr>
+          </a:lstStyle>
+          <a:p>
+            <a:pPr eaLnBrk="1" hangingPunct="1">
+              <a:buSzTx/>
+              <a:buFontTx/>
+              <a:buNone/>
+            </a:pPr>
+            <a:fld id="{A1ECC0F0-4FE4-48D5-AFD9-A229AE059B8E}" type="slidenum">
+              <a:rPr lang="de-DE" altLang="de-DE" sz="1000"/>
+              <a:pPr eaLnBrk="1" hangingPunct="1">
+                <a:buSzTx/>
+                <a:buFontTx/>
+                <a:buNone/>
+              </a:pPr>
+              <a:t>4</a:t>
+            </a:fld>
+            <a:endParaRPr lang="de-DE" altLang="de-DE" sz="1000"/>
+          </a:p>
+        </p:txBody>
+      </p:sp>
+    </p:spTree>
+    <p:extLst>
+      <p:ext uri="{BB962C8B-B14F-4D97-AF65-F5344CB8AC3E}">
+        <p14:creationId xmlns:p14="http://schemas.microsoft.com/office/powerpoint/2010/main" val="1109048721"/>
+      </p:ext>
+    </p:extLst>
+  </p:cSld>
+  <p:clrMapOvr>
+    <a:masterClrMapping/>
+  </p:clrMapOvr>
+  <mc:AlternateContent xmlns:mc="http://schemas.openxmlformats.org/markup-compatibility/2006" xmlns:p14="http://schemas.microsoft.com/office/powerpoint/2010/main">
+    <mc:Choice Requires="p14">
+      <p:transition p14:dur="0"/>
+    </mc:Choice>
+    <mc:Fallback xmlns="">
+      <p:transition/>
+    </mc:Fallback>
+  </mc:AlternateContent>
+</p:sld>
+</file>
+
+<file path=ppt/slides/slide40.xml><?xml version="1.0" encoding="utf-8"?>
 <p:sld xmlns:a="http://schemas.openxmlformats.org/drawingml/2006/main" xmlns:r="http://schemas.openxmlformats.org/officeDocument/2006/relationships" xmlns:p="http://schemas.openxmlformats.org/presentationml/2006/main">
   <p:cSld>
     <p:spTree>
@@ -39402,7 +38188,7 @@
                 <a:buFontTx/>
                 <a:buNone/>
               </a:pPr>
-              <a:t>41</a:t>
+              <a:t>40</a:t>
             </a:fld>
             <a:endParaRPr lang="de-DE" altLang="de-DE" sz="1000"/>
           </a:p>
@@ -39874,7 +38660,7 @@
                 <a:buFontTx/>
                 <a:buNone/>
               </a:pPr>
-              <a:t>41</a:t>
+              <a:t>40</a:t>
             </a:fld>
             <a:endParaRPr lang="de-DE" altLang="de-DE" sz="1000"/>
           </a:p>
@@ -39896,7 +38682,7 @@
 </p:sld>
 </file>
 
-<file path=ppt/slides/slide42.xml><?xml version="1.0" encoding="utf-8"?>
+<file path=ppt/slides/slide41.xml><?xml version="1.0" encoding="utf-8"?>
 <p:sld xmlns:a="http://schemas.openxmlformats.org/drawingml/2006/main" xmlns:r="http://schemas.openxmlformats.org/officeDocument/2006/relationships" xmlns:p="http://schemas.openxmlformats.org/presentationml/2006/main">
   <p:cSld>
     <p:spTree>
@@ -40661,7 +39447,7 @@
                 <a:buFontTx/>
                 <a:buNone/>
               </a:pPr>
-              <a:t>42</a:t>
+              <a:t>41</a:t>
             </a:fld>
             <a:endParaRPr lang="de-DE" altLang="de-DE" sz="1000"/>
           </a:p>
@@ -40881,7 +39667,7 @@
 </p:sld>
 </file>
 
-<file path=ppt/slides/slide43.xml><?xml version="1.0" encoding="utf-8"?>
+<file path=ppt/slides/slide42.xml><?xml version="1.0" encoding="utf-8"?>
 <p:sld xmlns:a="http://schemas.openxmlformats.org/drawingml/2006/main" xmlns:r="http://schemas.openxmlformats.org/officeDocument/2006/relationships" xmlns:p="http://schemas.openxmlformats.org/presentationml/2006/main">
   <p:cSld>
     <p:spTree>
@@ -41594,7 +40380,7 @@
                 <a:buFontTx/>
                 <a:buNone/>
               </a:pPr>
-              <a:t>43</a:t>
+              <a:t>42</a:t>
             </a:fld>
             <a:endParaRPr lang="de-DE" altLang="de-DE" sz="1000"/>
           </a:p>
